--- a/Presentation/New Microsoft PowerPoint Presentation.pptx
+++ b/Presentation/New Microsoft PowerPoint Presentation.pptx
@@ -112,6 +112,11 @@
       </a:defRPr>
     </a:lvl9pPr>
   </p:defaultTextStyle>
+  <p:extLst>
+    <p:ext uri="{EFAFB233-063F-42B5-8137-9DF3F51BA10A}">
+      <p15:sldGuideLst xmlns:p15="http://schemas.microsoft.com/office/powerpoint/2012/main"/>
+    </p:ext>
+  </p:extLst>
 </p:presentation>
 </file>
 
@@ -246,7 +251,7 @@
           <a:p>
             <a:fld id="{54F6BBB5-41A2-428D-A1DC-B9962BD0CBCA}" type="datetimeFigureOut">
               <a:rPr lang="en-IE" smtClean="0"/>
-              <a:t>28/03/2019</a:t>
+              <a:t>01/04/2019</a:t>
             </a:fld>
             <a:endParaRPr lang="en-IE" dirty="0"/>
           </a:p>
@@ -416,7 +421,7 @@
           <a:p>
             <a:fld id="{54F6BBB5-41A2-428D-A1DC-B9962BD0CBCA}" type="datetimeFigureOut">
               <a:rPr lang="en-IE" smtClean="0"/>
-              <a:t>28/03/2019</a:t>
+              <a:t>01/04/2019</a:t>
             </a:fld>
             <a:endParaRPr lang="en-IE" dirty="0"/>
           </a:p>
@@ -596,7 +601,7 @@
           <a:p>
             <a:fld id="{54F6BBB5-41A2-428D-A1DC-B9962BD0CBCA}" type="datetimeFigureOut">
               <a:rPr lang="en-IE" smtClean="0"/>
-              <a:t>28/03/2019</a:t>
+              <a:t>01/04/2019</a:t>
             </a:fld>
             <a:endParaRPr lang="en-IE" dirty="0"/>
           </a:p>
@@ -766,7 +771,7 @@
           <a:p>
             <a:fld id="{54F6BBB5-41A2-428D-A1DC-B9962BD0CBCA}" type="datetimeFigureOut">
               <a:rPr lang="en-IE" smtClean="0"/>
-              <a:t>28/03/2019</a:t>
+              <a:t>01/04/2019</a:t>
             </a:fld>
             <a:endParaRPr lang="en-IE" dirty="0"/>
           </a:p>
@@ -1012,7 +1017,7 @@
           <a:p>
             <a:fld id="{54F6BBB5-41A2-428D-A1DC-B9962BD0CBCA}" type="datetimeFigureOut">
               <a:rPr lang="en-IE" smtClean="0"/>
-              <a:t>28/03/2019</a:t>
+              <a:t>01/04/2019</a:t>
             </a:fld>
             <a:endParaRPr lang="en-IE" dirty="0"/>
           </a:p>
@@ -1244,7 +1249,7 @@
           <a:p>
             <a:fld id="{54F6BBB5-41A2-428D-A1DC-B9962BD0CBCA}" type="datetimeFigureOut">
               <a:rPr lang="en-IE" smtClean="0"/>
-              <a:t>28/03/2019</a:t>
+              <a:t>01/04/2019</a:t>
             </a:fld>
             <a:endParaRPr lang="en-IE" dirty="0"/>
           </a:p>
@@ -1611,7 +1616,7 @@
           <a:p>
             <a:fld id="{54F6BBB5-41A2-428D-A1DC-B9962BD0CBCA}" type="datetimeFigureOut">
               <a:rPr lang="en-IE" smtClean="0"/>
-              <a:t>28/03/2019</a:t>
+              <a:t>01/04/2019</a:t>
             </a:fld>
             <a:endParaRPr lang="en-IE" dirty="0"/>
           </a:p>
@@ -1729,7 +1734,7 @@
           <a:p>
             <a:fld id="{54F6BBB5-41A2-428D-A1DC-B9962BD0CBCA}" type="datetimeFigureOut">
               <a:rPr lang="en-IE" smtClean="0"/>
-              <a:t>28/03/2019</a:t>
+              <a:t>01/04/2019</a:t>
             </a:fld>
             <a:endParaRPr lang="en-IE" dirty="0"/>
           </a:p>
@@ -1824,7 +1829,7 @@
           <a:p>
             <a:fld id="{54F6BBB5-41A2-428D-A1DC-B9962BD0CBCA}" type="datetimeFigureOut">
               <a:rPr lang="en-IE" smtClean="0"/>
-              <a:t>28/03/2019</a:t>
+              <a:t>01/04/2019</a:t>
             </a:fld>
             <a:endParaRPr lang="en-IE" dirty="0"/>
           </a:p>
@@ -2101,7 +2106,7 @@
           <a:p>
             <a:fld id="{54F6BBB5-41A2-428D-A1DC-B9962BD0CBCA}" type="datetimeFigureOut">
               <a:rPr lang="en-IE" smtClean="0"/>
-              <a:t>28/03/2019</a:t>
+              <a:t>01/04/2019</a:t>
             </a:fld>
             <a:endParaRPr lang="en-IE" dirty="0"/>
           </a:p>
@@ -2354,7 +2359,7 @@
           <a:p>
             <a:fld id="{54F6BBB5-41A2-428D-A1DC-B9962BD0CBCA}" type="datetimeFigureOut">
               <a:rPr lang="en-IE" smtClean="0"/>
-              <a:t>28/03/2019</a:t>
+              <a:t>01/04/2019</a:t>
             </a:fld>
             <a:endParaRPr lang="en-IE" dirty="0"/>
           </a:p>
@@ -2567,7 +2572,7 @@
           <a:p>
             <a:fld id="{54F6BBB5-41A2-428D-A1DC-B9962BD0CBCA}" type="datetimeFigureOut">
               <a:rPr lang="en-IE" smtClean="0"/>
-              <a:t>28/03/2019</a:t>
+              <a:t>01/04/2019</a:t>
             </a:fld>
             <a:endParaRPr lang="en-IE" dirty="0"/>
           </a:p>
@@ -3065,7 +3070,7 @@
           <a:p>
             <a:r>
               <a:rPr lang="en-IE" dirty="0" smtClean="0"/>
-              <a:t>Project Outline</a:t>
+              <a:t>Gesture Based Game Using Google VR</a:t>
             </a:r>
             <a:endParaRPr lang="en-IE" dirty="0"/>
           </a:p>
@@ -3127,7 +3132,7 @@
             </a:r>
             <a:r>
               <a:rPr lang="en-IE" dirty="0" smtClean="0"/>
-              <a:t>Game objects to avoid and collect</a:t>
+              <a:t>With Game objects to avoid and collect</a:t>
             </a:r>
           </a:p>
           <a:p>
@@ -3243,16 +3248,131 @@
         </p:nvSpPr>
         <p:spPr/>
         <p:txBody>
-          <a:bodyPr/>
-          <a:lstStyle/>
-          <a:p>
-            <a:pPr marL="457200" lvl="1" indent="0">
+          <a:bodyPr>
+            <a:normAutofit fontScale="77500" lnSpcReduction="20000"/>
+          </a:bodyPr>
+          <a:lstStyle/>
+          <a:p>
+            <a:pPr marL="0" indent="0">
               <a:buNone/>
             </a:pPr>
             <a:r>
               <a:rPr lang="en-IE" dirty="0" smtClean="0"/>
               <a:t>Idea for a black jack game.</a:t>
             </a:r>
+          </a:p>
+          <a:p>
+            <a:pPr lvl="1"/>
+            <a:r>
+              <a:rPr lang="en-IE" dirty="0" smtClean="0"/>
+              <a:t>Using head gestures to control the user input.</a:t>
+            </a:r>
+          </a:p>
+          <a:p>
+            <a:pPr lvl="1"/>
+            <a:r>
+              <a:rPr lang="en-IE" dirty="0" smtClean="0"/>
+              <a:t>Nodding Yes/No to stick or twist</a:t>
+            </a:r>
+          </a:p>
+          <a:p>
+            <a:pPr lvl="1"/>
+            <a:r>
+              <a:rPr lang="en-IE" dirty="0" smtClean="0"/>
+              <a:t>Justification for Yes and No Head gestures</a:t>
+            </a:r>
+          </a:p>
+          <a:p>
+            <a:pPr lvl="2"/>
+            <a:r>
+              <a:rPr lang="en-IE" dirty="0" smtClean="0"/>
+              <a:t>Universally Understood form of communication</a:t>
+            </a:r>
+          </a:p>
+          <a:p>
+            <a:pPr lvl="2"/>
+            <a:r>
+              <a:rPr lang="en-IE" dirty="0" smtClean="0"/>
+              <a:t>Short instruction set needed</a:t>
+            </a:r>
+          </a:p>
+          <a:p>
+            <a:pPr lvl="2"/>
+            <a:r>
+              <a:rPr lang="en-IE" dirty="0" smtClean="0"/>
+              <a:t>Quickly becomes obvious on how to use</a:t>
+            </a:r>
+          </a:p>
+          <a:p>
+            <a:pPr marL="0" indent="0">
+              <a:buNone/>
+            </a:pPr>
+            <a:r>
+              <a:rPr lang="en-IE" dirty="0" smtClean="0"/>
+              <a:t>Other options</a:t>
+            </a:r>
+          </a:p>
+          <a:p>
+            <a:pPr lvl="2"/>
+            <a:r>
+              <a:rPr lang="en-IE" dirty="0" smtClean="0"/>
+              <a:t>Tilt head Left/Right</a:t>
+            </a:r>
+          </a:p>
+          <a:p>
+            <a:pPr lvl="2"/>
+            <a:r>
+              <a:rPr lang="en-IE" dirty="0" smtClean="0"/>
+              <a:t>Look Left/Right</a:t>
+            </a:r>
+          </a:p>
+          <a:p>
+            <a:pPr lvl="2"/>
+            <a:r>
+              <a:rPr lang="en-IE" dirty="0" smtClean="0"/>
+              <a:t>Look Up/Down</a:t>
+            </a:r>
+          </a:p>
+          <a:p>
+            <a:pPr lvl="2"/>
+            <a:r>
+              <a:rPr lang="en-IE" dirty="0" smtClean="0"/>
+              <a:t>Use Gaze Input (Not working with latest Unity)</a:t>
+            </a:r>
+          </a:p>
+          <a:p>
+            <a:pPr marL="0" indent="0">
+              <a:buNone/>
+            </a:pPr>
+            <a:r>
+              <a:rPr lang="en-IE" dirty="0"/>
+              <a:t>Reason for choosing Black Jack</a:t>
+            </a:r>
+          </a:p>
+          <a:p>
+            <a:pPr lvl="1"/>
+            <a:r>
+              <a:rPr lang="en-IE" dirty="0"/>
+              <a:t>The rules of stick or twist map perfectly to yes no head gestures</a:t>
+            </a:r>
+          </a:p>
+          <a:p>
+            <a:pPr lvl="1"/>
+            <a:r>
+              <a:rPr lang="en-IE" dirty="0"/>
+              <a:t>Had considered a Higher or lower card game </a:t>
+            </a:r>
+          </a:p>
+          <a:p>
+            <a:pPr lvl="1"/>
+            <a:r>
+              <a:rPr lang="en-IE" dirty="0"/>
+              <a:t>Black Jack is more widely known </a:t>
+            </a:r>
+          </a:p>
+          <a:p>
+            <a:pPr lvl="2"/>
+            <a:endParaRPr lang="en-IE" dirty="0" smtClean="0"/>
           </a:p>
           <a:p>
             <a:pPr marL="457200" lvl="1" indent="0">
@@ -3264,39 +3384,6 @@
             <a:pPr marL="457200" lvl="1" indent="0">
               <a:buNone/>
             </a:pPr>
-            <a:r>
-              <a:rPr lang="en-IE" dirty="0" smtClean="0"/>
-              <a:t>Using head gestures to control the user input.</a:t>
-            </a:r>
-          </a:p>
-          <a:p>
-            <a:pPr marL="457200" lvl="1" indent="0">
-              <a:buNone/>
-            </a:pPr>
-            <a:endParaRPr lang="en-IE" dirty="0"/>
-          </a:p>
-          <a:p>
-            <a:pPr marL="457200" lvl="1" indent="0">
-              <a:buNone/>
-            </a:pPr>
-            <a:r>
-              <a:rPr lang="en-IE" dirty="0" smtClean="0"/>
-              <a:t>Nodding Yes to twist </a:t>
-            </a:r>
-          </a:p>
-          <a:p>
-            <a:pPr marL="457200" lvl="1" indent="0">
-              <a:buNone/>
-            </a:pPr>
-            <a:r>
-              <a:rPr lang="en-IE" dirty="0" smtClean="0"/>
-              <a:t>Nodding No to stick</a:t>
-            </a:r>
-          </a:p>
-          <a:p>
-            <a:pPr marL="457200" lvl="1" indent="0">
-              <a:buNone/>
-            </a:pPr>
             <a:endParaRPr lang="en-IE" dirty="0"/>
           </a:p>
           <a:p>
@@ -3313,6 +3400,66 @@
           </a:p>
         </p:txBody>
       </p:sp>
+      <p:pic>
+        <p:nvPicPr>
+          <p:cNvPr id="4" name="Picture 3"/>
+          <p:cNvPicPr>
+            <a:picLocks noChangeAspect="1"/>
+          </p:cNvPicPr>
+          <p:nvPr/>
+        </p:nvPicPr>
+        <p:blipFill>
+          <a:blip r:embed="rId2">
+            <a:extLst>
+              <a:ext uri="{28A0092B-C50C-407E-A947-70E740481C1C}">
+                <a14:useLocalDpi xmlns:a14="http://schemas.microsoft.com/office/drawing/2010/main" val="0"/>
+              </a:ext>
+            </a:extLst>
+          </a:blip>
+          <a:stretch>
+            <a:fillRect/>
+          </a:stretch>
+        </p:blipFill>
+        <p:spPr>
+          <a:xfrm>
+            <a:off x="7443054" y="2780934"/>
+            <a:ext cx="2466975" cy="1857375"/>
+          </a:xfrm>
+          <a:prstGeom prst="rect">
+            <a:avLst/>
+          </a:prstGeom>
+        </p:spPr>
+      </p:pic>
+      <p:pic>
+        <p:nvPicPr>
+          <p:cNvPr id="5" name="Picture 4"/>
+          <p:cNvPicPr>
+            <a:picLocks noChangeAspect="1"/>
+          </p:cNvPicPr>
+          <p:nvPr/>
+        </p:nvPicPr>
+        <p:blipFill>
+          <a:blip r:embed="rId3">
+            <a:extLst>
+              <a:ext uri="{28A0092B-C50C-407E-A947-70E740481C1C}">
+                <a14:useLocalDpi xmlns:a14="http://schemas.microsoft.com/office/drawing/2010/main" val="0"/>
+              </a:ext>
+            </a:extLst>
+          </a:blip>
+          <a:stretch>
+            <a:fillRect/>
+          </a:stretch>
+        </p:blipFill>
+        <p:spPr>
+          <a:xfrm>
+            <a:off x="7247792" y="890588"/>
+            <a:ext cx="2857500" cy="1600200"/>
+          </a:xfrm>
+          <a:prstGeom prst="rect">
+            <a:avLst/>
+          </a:prstGeom>
+        </p:spPr>
+      </p:pic>
     </p:spTree>
     <p:extLst>
       <p:ext uri="{BB962C8B-B14F-4D97-AF65-F5344CB8AC3E}">
@@ -3360,7 +3507,7 @@
           <a:p>
             <a:r>
               <a:rPr lang="en-IE" dirty="0" smtClean="0"/>
-              <a:t>Black Jack Implementation </a:t>
+              <a:t>Black Jack</a:t>
             </a:r>
             <a:endParaRPr lang="en-IE" dirty="0"/>
           </a:p>
@@ -3378,57 +3525,162 @@
         </p:nvSpPr>
         <p:spPr/>
         <p:txBody>
-          <a:bodyPr/>
-          <a:lstStyle/>
-          <a:p>
-            <a:r>
-              <a:rPr lang="en-IE" dirty="0" smtClean="0"/>
-              <a:t>Followed Tutorials on </a:t>
-            </a:r>
-            <a:r>
-              <a:rPr lang="en-IE" dirty="0" err="1"/>
-              <a:t>Y</a:t>
-            </a:r>
-            <a:r>
-              <a:rPr lang="en-IE" dirty="0" err="1" smtClean="0"/>
-              <a:t>outube</a:t>
-            </a:r>
-            <a:r>
-              <a:rPr lang="en-IE" dirty="0" smtClean="0"/>
-              <a:t> to implement the Game.</a:t>
-            </a:r>
-          </a:p>
-          <a:p>
-            <a:r>
-              <a:rPr lang="en-IE" dirty="0" smtClean="0"/>
-              <a:t>Talk about developing the Game.</a:t>
-            </a:r>
-          </a:p>
-          <a:p>
-            <a:r>
-              <a:rPr lang="en-IE" dirty="0" smtClean="0"/>
-              <a:t>Fishers shuffle etc.</a:t>
-            </a:r>
-          </a:p>
-          <a:p>
-            <a:r>
-              <a:rPr lang="en-IE" dirty="0" smtClean="0"/>
-              <a:t>Changed the design to fit a VR environment</a:t>
-            </a:r>
-          </a:p>
-          <a:p>
-            <a:pPr lvl="1"/>
-            <a:r>
-              <a:rPr lang="en-IE" dirty="0" smtClean="0"/>
-              <a:t>Buttons removed </a:t>
-            </a:r>
-          </a:p>
-          <a:p>
-            <a:pPr lvl="1"/>
-            <a:r>
-              <a:rPr lang="en-IE" dirty="0" smtClean="0"/>
-              <a:t>Hide play again button until game over.</a:t>
-            </a:r>
+          <a:bodyPr>
+            <a:normAutofit fontScale="55000" lnSpcReduction="20000"/>
+          </a:bodyPr>
+          <a:lstStyle/>
+          <a:p>
+            <a:pPr marL="0" indent="0">
+              <a:buNone/>
+            </a:pPr>
+            <a:r>
+              <a:rPr lang="en-IE" dirty="0" smtClean="0"/>
+              <a:t>Game Development.</a:t>
+            </a:r>
+          </a:p>
+          <a:p>
+            <a:r>
+              <a:rPr lang="en-IE" dirty="0" smtClean="0"/>
+              <a:t>YouTube Series</a:t>
+            </a:r>
+          </a:p>
+          <a:p>
+            <a:r>
+              <a:rPr lang="en-IE" dirty="0" smtClean="0"/>
+              <a:t>Fishers shuffle for deck of cards</a:t>
+            </a:r>
+          </a:p>
+          <a:p>
+            <a:pPr lvl="1"/>
+            <a:r>
+              <a:rPr lang="en-IE" dirty="0" smtClean="0"/>
+              <a:t>Random number between 0 – 51</a:t>
+            </a:r>
+          </a:p>
+          <a:p>
+            <a:pPr lvl="1"/>
+            <a:r>
+              <a:rPr lang="en-IE" dirty="0" smtClean="0"/>
+              <a:t>Number selected place on stack</a:t>
+            </a:r>
+          </a:p>
+          <a:p>
+            <a:pPr lvl="1"/>
+            <a:r>
+              <a:rPr lang="en-IE" dirty="0" smtClean="0"/>
+              <a:t>Remove selected number from </a:t>
+            </a:r>
+          </a:p>
+          <a:p>
+            <a:pPr lvl="1"/>
+            <a:r>
+              <a:rPr lang="en-IE" dirty="0"/>
+              <a:t>Random number between 0 – </a:t>
+            </a:r>
+            <a:r>
+              <a:rPr lang="en-IE" dirty="0" smtClean="0"/>
+              <a:t>50</a:t>
+            </a:r>
+          </a:p>
+          <a:p>
+            <a:pPr lvl="1"/>
+            <a:r>
+              <a:rPr lang="en-IE" dirty="0" smtClean="0"/>
+              <a:t>Repeat until list is empty</a:t>
+            </a:r>
+          </a:p>
+          <a:p>
+            <a:r>
+              <a:rPr lang="en-IE" dirty="0" smtClean="0"/>
+              <a:t>A pdf of card deck used and split in sprite editor.</a:t>
+            </a:r>
+          </a:p>
+          <a:p>
+            <a:r>
+              <a:rPr lang="en-IE" dirty="0" smtClean="0"/>
+              <a:t>Values added to cards based on mod 13 of sprites ordering</a:t>
+            </a:r>
+          </a:p>
+          <a:p>
+            <a:r>
+              <a:rPr lang="en-IE" dirty="0" smtClean="0"/>
+              <a:t>Three elements (Each one an array)</a:t>
+            </a:r>
+          </a:p>
+          <a:p>
+            <a:pPr lvl="1"/>
+            <a:r>
+              <a:rPr lang="en-IE" dirty="0" smtClean="0"/>
+              <a:t>Player (on turn push from the deck array)</a:t>
+            </a:r>
+          </a:p>
+          <a:p>
+            <a:pPr lvl="1"/>
+            <a:r>
+              <a:rPr lang="en-IE" dirty="0" smtClean="0"/>
+              <a:t>The deck (pop from the deck array at every turn and start game)</a:t>
+            </a:r>
+          </a:p>
+          <a:p>
+            <a:pPr lvl="1"/>
+            <a:r>
+              <a:rPr lang="en-IE" dirty="0" smtClean="0"/>
+              <a:t>The dealer </a:t>
+            </a:r>
+            <a:r>
+              <a:rPr lang="en-IE" dirty="0"/>
+              <a:t>(on turn </a:t>
+            </a:r>
+            <a:r>
+              <a:rPr lang="en-IE" dirty="0" smtClean="0"/>
+              <a:t>push </a:t>
+            </a:r>
+            <a:r>
+              <a:rPr lang="en-IE" dirty="0"/>
+              <a:t>from the deck </a:t>
+            </a:r>
+            <a:r>
+              <a:rPr lang="en-IE" dirty="0" smtClean="0"/>
+              <a:t>array</a:t>
+            </a:r>
+            <a:r>
+              <a:rPr lang="en-IE" dirty="0"/>
+              <a:t>)</a:t>
+            </a:r>
+            <a:endParaRPr lang="en-IE" dirty="0" smtClean="0"/>
+          </a:p>
+          <a:p>
+            <a:r>
+              <a:rPr lang="en-IE" dirty="0" smtClean="0"/>
+              <a:t>Buttons in UI for testing (Event Handlers to map to functions)</a:t>
+            </a:r>
+          </a:p>
+          <a:p>
+            <a:pPr lvl="1"/>
+            <a:r>
+              <a:rPr lang="en-IE" dirty="0" smtClean="0"/>
+              <a:t>Twist </a:t>
+            </a:r>
+          </a:p>
+          <a:p>
+            <a:pPr lvl="1"/>
+            <a:r>
+              <a:rPr lang="en-IE" dirty="0" smtClean="0"/>
+              <a:t>Stick</a:t>
+            </a:r>
+          </a:p>
+          <a:p>
+            <a:pPr lvl="1"/>
+            <a:r>
+              <a:rPr lang="en-IE" dirty="0" smtClean="0"/>
+              <a:t>Play again</a:t>
+            </a:r>
+          </a:p>
+          <a:p>
+            <a:pPr marL="457200" lvl="1" indent="0">
+              <a:buNone/>
+            </a:pPr>
+            <a:endParaRPr lang="en-IE" dirty="0" smtClean="0"/>
           </a:p>
           <a:p>
             <a:pPr marL="0" indent="0">
@@ -3503,12 +3755,21 @@
         </p:nvSpPr>
         <p:spPr/>
         <p:txBody>
-          <a:bodyPr/>
-          <a:lstStyle/>
-          <a:p>
-            <a:r>
-              <a:rPr lang="en-IE" dirty="0" smtClean="0"/>
-              <a:t>Unity package </a:t>
+          <a:bodyPr>
+            <a:normAutofit/>
+          </a:bodyPr>
+          <a:lstStyle/>
+          <a:p>
+            <a:r>
+              <a:rPr lang="en-IE" dirty="0" smtClean="0"/>
+              <a:t>Unity development package </a:t>
+            </a:r>
+          </a:p>
+          <a:p>
+            <a:pPr lvl="1"/>
+            <a:r>
+              <a:rPr lang="en-IE" dirty="0" smtClean="0"/>
+              <a:t>Link here …</a:t>
             </a:r>
           </a:p>
           <a:p>
@@ -3518,22 +3779,14 @@
             </a:r>
           </a:p>
           <a:p>
-            <a:r>
-              <a:rPr lang="en-IE" dirty="0" smtClean="0"/>
-              <a:t>Euler angles </a:t>
-            </a:r>
-          </a:p>
-          <a:p>
-            <a:r>
-              <a:rPr lang="en-IE" dirty="0" smtClean="0"/>
-              <a:t>Timeout for frame rate</a:t>
-            </a:r>
-          </a:p>
-          <a:p>
-            <a:r>
-              <a:rPr lang="en-IE" dirty="0" smtClean="0"/>
-              <a:t>Getting Yes and No recognised.</a:t>
-            </a:r>
+            <a:pPr lvl="1"/>
+            <a:r>
+              <a:rPr lang="en-IE" dirty="0" smtClean="0">
+                <a:hlinkClick r:id="rId2"/>
+              </a:rPr>
+              <a:t>Git hub link to Head Gesture page . </a:t>
+            </a:r>
+            <a:endParaRPr lang="en-IE" dirty="0" smtClean="0"/>
           </a:p>
           <a:p>
             <a:r>
@@ -3542,10 +3795,14 @@
             </a:r>
           </a:p>
           <a:p>
-            <a:r>
-              <a:rPr lang="en-IE" dirty="0" smtClean="0"/>
-              <a:t>Positioning of objects</a:t>
-            </a:r>
+            <a:pPr lvl="1"/>
+            <a:r>
+              <a:rPr lang="en-IE" dirty="0" smtClean="0">
+                <a:hlinkClick r:id="rId3"/>
+              </a:rPr>
+              <a:t>Triggering functions</a:t>
+            </a:r>
+            <a:endParaRPr lang="en-IE" dirty="0" smtClean="0"/>
           </a:p>
         </p:txBody>
       </p:sp>
@@ -3623,30 +3880,50 @@
             </a:r>
           </a:p>
           <a:p>
-            <a:r>
-              <a:rPr lang="en-IE" dirty="0" smtClean="0"/>
-              <a:t>Needed to build it to my phone every time I need to test</a:t>
-            </a:r>
-          </a:p>
-          <a:p>
-            <a:r>
-              <a:rPr lang="en-IE" dirty="0" smtClean="0"/>
-              <a:t>Frame rate problems</a:t>
-            </a:r>
-          </a:p>
-          <a:p>
-            <a:r>
-              <a:rPr lang="en-IE" dirty="0" smtClean="0"/>
-              <a:t>Amount of head movement needed to recognise</a:t>
-            </a:r>
-          </a:p>
-          <a:p>
-            <a:r>
-              <a:rPr lang="en-IE" dirty="0" smtClean="0"/>
-              <a:t>Fixes</a:t>
-            </a:r>
-          </a:p>
-          <a:p>
+            <a:pPr lvl="1"/>
+            <a:r>
+              <a:rPr lang="en-IE" dirty="0" smtClean="0"/>
+              <a:t>Game view is not stereoscopic as it used to be</a:t>
+            </a:r>
+          </a:p>
+          <a:p>
+            <a:pPr lvl="1"/>
+            <a:r>
+              <a:rPr lang="en-IE" dirty="0" smtClean="0"/>
+              <a:t>Need phone build every time to debug</a:t>
+            </a:r>
+          </a:p>
+          <a:p>
+            <a:r>
+              <a:rPr lang="en-IE" dirty="0" smtClean="0"/>
+              <a:t>Frame rate problems (Varying degrees of nod)</a:t>
+            </a:r>
+          </a:p>
+          <a:p>
+            <a:pPr lvl="1"/>
+            <a:r>
+              <a:rPr lang="en-IE" dirty="0" smtClean="0"/>
+              <a:t>Amount of head movement needed to recognise gesture</a:t>
+            </a:r>
+          </a:p>
+          <a:p>
+            <a:pPr lvl="1"/>
+            <a:r>
+              <a:rPr lang="en-IE" dirty="0" smtClean="0"/>
+              <a:t>Resetting the gesture to zero</a:t>
+            </a:r>
+          </a:p>
+          <a:p>
+            <a:pPr lvl="1"/>
+            <a:r>
+              <a:rPr lang="en-IE" dirty="0" smtClean="0"/>
+              <a:t>Small bugs just configuration issues</a:t>
+            </a:r>
+          </a:p>
+          <a:p>
+            <a:pPr marL="0" indent="0">
+              <a:buNone/>
+            </a:pPr>
             <a:endParaRPr lang="en-IE" dirty="0"/>
           </a:p>
         </p:txBody>
@@ -3719,12 +3996,52 @@
           <a:bodyPr/>
           <a:lstStyle/>
           <a:p>
+            <a:pPr marL="0" indent="0">
+              <a:buNone/>
+            </a:pPr>
             <a:r>
               <a:rPr lang="en-IE" dirty="0" smtClean="0"/>
               <a:t>Steps needed</a:t>
             </a:r>
           </a:p>
           <a:p>
+            <a:pPr lvl="1"/>
+            <a:r>
+              <a:rPr lang="en-IE" dirty="0" smtClean="0"/>
+              <a:t>Build </a:t>
+            </a:r>
+            <a:r>
+              <a:rPr lang="en-IE" dirty="0" err="1" smtClean="0"/>
+              <a:t>apk</a:t>
+            </a:r>
+            <a:r>
+              <a:rPr lang="en-IE" dirty="0" smtClean="0"/>
+              <a:t> for testing</a:t>
+            </a:r>
+          </a:p>
+          <a:p>
+            <a:pPr lvl="1"/>
+            <a:r>
+              <a:rPr lang="en-IE" dirty="0" smtClean="0"/>
+              <a:t>Follow best practice check list </a:t>
+            </a:r>
+          </a:p>
+          <a:p>
+            <a:pPr lvl="1"/>
+            <a:r>
+              <a:rPr lang="en-IE" dirty="0" smtClean="0"/>
+              <a:t>Deploy for testing </a:t>
+            </a:r>
+          </a:p>
+          <a:p>
+            <a:pPr lvl="1"/>
+            <a:r>
+              <a:rPr lang="en-IE" dirty="0" smtClean="0"/>
+              <a:t>Wait for results……………………….</a:t>
+            </a:r>
+          </a:p>
+          <a:p>
+            <a:pPr lvl="1"/>
             <a:r>
               <a:rPr lang="en-IE" dirty="0" smtClean="0"/>
               <a:t>Is it live now?</a:t>
@@ -3801,23 +4118,16 @@
           <a:bodyPr/>
           <a:lstStyle/>
           <a:p>
-            <a:r>
-              <a:rPr lang="en-IE" dirty="0" smtClean="0"/>
-              <a:t>Stream it to your laptop</a:t>
-            </a:r>
-          </a:p>
-          <a:p>
-            <a:r>
-              <a:rPr lang="en-IE" dirty="0" smtClean="0"/>
-              <a:t>Or show it to some people to play with.</a:t>
-            </a:r>
-          </a:p>
-          <a:p>
-            <a:r>
-              <a:rPr lang="en-IE" smtClean="0"/>
-              <a:t>Show Video</a:t>
-            </a:r>
-            <a:endParaRPr lang="en-IE" dirty="0"/>
+            <a:pPr marL="0" indent="0">
+              <a:buNone/>
+            </a:pPr>
+            <a:r>
+              <a:rPr lang="en-IE" dirty="0" smtClean="0">
+                <a:hlinkClick r:id="rId2"/>
+              </a:rPr>
+              <a:t>YouTube Demo</a:t>
+            </a:r>
+            <a:endParaRPr lang="en-IE" dirty="0" smtClean="0"/>
           </a:p>
         </p:txBody>
       </p:sp>
@@ -3868,7 +4178,7 @@
           <a:p>
             <a:r>
               <a:rPr lang="en-IE" dirty="0" smtClean="0"/>
-              <a:t>Conclusion/ Reflections</a:t>
+              <a:t>Conclusion</a:t>
             </a:r>
             <a:endParaRPr lang="en-IE" dirty="0"/>
           </a:p>
@@ -3886,15 +4196,23 @@
         </p:nvSpPr>
         <p:spPr/>
         <p:txBody>
-          <a:bodyPr/>
-          <a:lstStyle/>
-          <a:p>
+          <a:bodyPr>
+            <a:normAutofit fontScale="92500" lnSpcReduction="20000"/>
+          </a:bodyPr>
+          <a:lstStyle/>
+          <a:p>
+            <a:pPr marL="0" indent="0">
+              <a:buNone/>
+            </a:pPr>
             <a:r>
               <a:rPr lang="en-IE" dirty="0" smtClean="0"/>
               <a:t>What do I still need to do to complete the project?</a:t>
             </a:r>
           </a:p>
           <a:p>
+            <a:pPr marL="0" indent="0">
+              <a:buNone/>
+            </a:pPr>
             <a:r>
               <a:rPr lang="en-IE" dirty="0" smtClean="0"/>
               <a:t>Bugs</a:t>
@@ -3903,61 +4221,116 @@
           <a:p>
             <a:pPr lvl="1"/>
             <a:r>
+              <a:rPr lang="en-IE" dirty="0" smtClean="0"/>
+              <a:t>Centre position of game objects in phone view </a:t>
+            </a:r>
+          </a:p>
+          <a:p>
+            <a:pPr lvl="1"/>
+            <a:r>
+              <a:rPr lang="en-IE" dirty="0" smtClean="0"/>
+              <a:t>Reset Head position</a:t>
+            </a:r>
+          </a:p>
+          <a:p>
+            <a:pPr marL="0" indent="0">
+              <a:buNone/>
+            </a:pPr>
+            <a:r>
+              <a:rPr lang="en-IE" dirty="0" smtClean="0"/>
+              <a:t>Pros</a:t>
+            </a:r>
+          </a:p>
+          <a:p>
+            <a:pPr lvl="1"/>
+            <a:r>
+              <a:rPr lang="en-IE" dirty="0" smtClean="0"/>
+              <a:t>The process of VR app creation with Google VR.</a:t>
+            </a:r>
+          </a:p>
+          <a:p>
+            <a:pPr lvl="1"/>
+            <a:r>
+              <a:rPr lang="en-IE" dirty="0" smtClean="0"/>
+              <a:t>Lots of resources</a:t>
+            </a:r>
+          </a:p>
+          <a:p>
+            <a:pPr lvl="1"/>
+            <a:r>
+              <a:rPr lang="en-IE" dirty="0" smtClean="0"/>
+              <a:t>Many people had the same problems I had (with easy fixes)Cons</a:t>
+            </a:r>
+          </a:p>
+          <a:p>
+            <a:pPr marL="0" indent="0">
+              <a:buNone/>
+            </a:pPr>
+            <a:r>
+              <a:rPr lang="en-IE" dirty="0"/>
+              <a:t>Cons</a:t>
+            </a:r>
+          </a:p>
+          <a:p>
+            <a:pPr lvl="1"/>
+            <a:r>
+              <a:rPr lang="en-IE" dirty="0" smtClean="0"/>
+              <a:t>Lots of setup with Android </a:t>
+            </a:r>
+            <a:r>
               <a:rPr lang="en-IE" dirty="0" err="1" smtClean="0"/>
-              <a:t>Centreing</a:t>
-            </a:r>
-            <a:r>
-              <a:rPr lang="en-IE" dirty="0" smtClean="0"/>
-              <a:t> </a:t>
-            </a:r>
-          </a:p>
-          <a:p>
-            <a:pPr lvl="1"/>
-            <a:r>
-              <a:rPr lang="en-IE" dirty="0" smtClean="0"/>
-              <a:t>Reset Head position</a:t>
-            </a:r>
-          </a:p>
-          <a:p>
-            <a:pPr lvl="1"/>
-            <a:r>
-              <a:rPr lang="en-IE" dirty="0" smtClean="0"/>
-              <a:t>Play again button (Hide or inactive until game over)</a:t>
-            </a:r>
-          </a:p>
-          <a:p>
-            <a:r>
-              <a:rPr lang="en-IE" dirty="0" smtClean="0"/>
-              <a:t>What did I like?</a:t>
-            </a:r>
-          </a:p>
-          <a:p>
-            <a:pPr lvl="1"/>
-            <a:r>
-              <a:rPr lang="en-IE" dirty="0" smtClean="0"/>
-              <a:t>The process of VR app creation with Google VR.</a:t>
-            </a:r>
-          </a:p>
-          <a:p>
-            <a:pPr lvl="1"/>
-            <a:r>
-              <a:rPr lang="en-IE" dirty="0" smtClean="0"/>
-              <a:t>Lots of resources</a:t>
-            </a:r>
-          </a:p>
-          <a:p>
-            <a:pPr lvl="1"/>
-            <a:r>
-              <a:rPr lang="en-IE" dirty="0" smtClean="0"/>
-              <a:t>Many people had the same problems I had (with easy fixes).</a:t>
-            </a:r>
-          </a:p>
-          <a:p>
-            <a:pPr lvl="1"/>
-            <a:endParaRPr lang="en-IE" dirty="0" smtClean="0"/>
-          </a:p>
-          <a:p>
-            <a:pPr lvl="1"/>
+              <a:t>apk</a:t>
+            </a:r>
+            <a:r>
+              <a:rPr lang="en-IE" dirty="0" smtClean="0"/>
+              <a:t> and Google VR with unity </a:t>
+            </a:r>
+          </a:p>
+          <a:p>
+            <a:pPr lvl="1"/>
+            <a:r>
+              <a:rPr lang="en-IE" dirty="0" smtClean="0"/>
+              <a:t>Latest </a:t>
+            </a:r>
+            <a:r>
+              <a:rPr lang="en-IE" dirty="0"/>
+              <a:t>update has little to no backwards compatibility</a:t>
+            </a:r>
+          </a:p>
+          <a:p>
+            <a:pPr lvl="1"/>
+            <a:r>
+              <a:rPr lang="en-IE" dirty="0" smtClean="0"/>
+              <a:t>Limited </a:t>
+            </a:r>
+            <a:r>
+              <a:rPr lang="en-IE" dirty="0"/>
+              <a:t>in app unity view </a:t>
+            </a:r>
+          </a:p>
+          <a:p>
+            <a:pPr lvl="1"/>
+            <a:r>
+              <a:rPr lang="en-IE" dirty="0" smtClean="0"/>
+              <a:t>Unity </a:t>
+            </a:r>
+            <a:r>
+              <a:rPr lang="en-IE" dirty="0"/>
+              <a:t>view is not the same </a:t>
+            </a:r>
+            <a:r>
+              <a:rPr lang="en-IE" dirty="0" smtClean="0"/>
+              <a:t>as </a:t>
+            </a:r>
+            <a:r>
+              <a:rPr lang="en-IE" dirty="0"/>
+              <a:t>phone build view</a:t>
+            </a:r>
+          </a:p>
+          <a:p>
+            <a:pPr marL="457200" lvl="1" indent="0">
+              <a:buNone/>
+            </a:pPr>
             <a:endParaRPr lang="en-IE" dirty="0" smtClean="0"/>
           </a:p>
           <a:p>

--- a/Presentation/New Microsoft PowerPoint Presentation.pptx
+++ b/Presentation/New Microsoft PowerPoint Presentation.pptx
@@ -3088,12 +3088,81 @@
         </p:nvSpPr>
         <p:spPr/>
         <p:txBody>
-          <a:bodyPr/>
+          <a:bodyPr>
+            <a:normAutofit/>
+          </a:bodyPr>
           <a:lstStyle/>
           <a:p>
             <a:r>
               <a:rPr lang="en-IE" dirty="0" smtClean="0"/>
               <a:t>Original Idea</a:t>
+            </a:r>
+          </a:p>
+          <a:p>
+            <a:pPr lvl="1"/>
+            <a:r>
+              <a:rPr lang="en-IE" dirty="0" smtClean="0"/>
+              <a:t>3D </a:t>
+            </a:r>
+            <a:r>
+              <a:rPr lang="en-IE" dirty="0" smtClean="0"/>
+              <a:t>Game in </a:t>
+            </a:r>
+            <a:r>
+              <a:rPr lang="en-IE" dirty="0" smtClean="0"/>
+              <a:t>unity</a:t>
+            </a:r>
+          </a:p>
+          <a:p>
+            <a:pPr lvl="1"/>
+            <a:r>
+              <a:rPr lang="en-IE" dirty="0" smtClean="0"/>
+              <a:t>Controlling Sphere Game </a:t>
+            </a:r>
+            <a:r>
+              <a:rPr lang="en-IE" dirty="0" smtClean="0"/>
+              <a:t>object with Mobile </a:t>
+            </a:r>
+            <a:r>
+              <a:rPr lang="en-IE" dirty="0" smtClean="0"/>
+              <a:t>Gyroscope/Accelerometer</a:t>
+            </a:r>
+          </a:p>
+          <a:p>
+            <a:pPr lvl="1"/>
+            <a:r>
+              <a:rPr lang="en-IE" dirty="0" smtClean="0"/>
+              <a:t>With </a:t>
+            </a:r>
+            <a:r>
+              <a:rPr lang="en-IE" dirty="0" smtClean="0"/>
+              <a:t>Game objects to avoid and </a:t>
+            </a:r>
+            <a:r>
+              <a:rPr lang="en-IE" dirty="0" smtClean="0"/>
+              <a:t>collect</a:t>
+            </a:r>
+          </a:p>
+          <a:p>
+            <a:pPr lvl="1"/>
+            <a:r>
+              <a:rPr lang="en-IE" dirty="0" smtClean="0"/>
+              <a:t>Hand </a:t>
+            </a:r>
+            <a:r>
+              <a:rPr lang="en-IE" dirty="0" smtClean="0"/>
+              <a:t>or head gestures </a:t>
+            </a:r>
+            <a:r>
+              <a:rPr lang="en-IE" dirty="0" smtClean="0"/>
+              <a:t>to move the sphere</a:t>
+            </a:r>
+            <a:endParaRPr lang="en-IE" dirty="0" smtClean="0"/>
+          </a:p>
+          <a:p>
+            <a:r>
+              <a:rPr lang="en-IE" dirty="0" smtClean="0"/>
+              <a:t>Problems with the Idea </a:t>
             </a:r>
           </a:p>
           <a:p>
@@ -3106,8 +3175,13 @@
             </a:r>
             <a:r>
               <a:rPr lang="en-IE" dirty="0" smtClean="0"/>
-              <a:t>3D Game in unity</a:t>
-            </a:r>
+              <a:t>Phone data not streaming </a:t>
+            </a:r>
+            <a:r>
+              <a:rPr lang="en-IE" dirty="0" smtClean="0"/>
+              <a:t>data correctly</a:t>
+            </a:r>
+            <a:endParaRPr lang="en-IE" dirty="0" smtClean="0"/>
           </a:p>
           <a:p>
             <a:pPr marL="0" indent="0">
@@ -3119,65 +3193,11 @@
             </a:r>
             <a:r>
               <a:rPr lang="en-IE" dirty="0" smtClean="0"/>
-              <a:t>Controlling Game object with Mobile Gyroscope/Accelerometer</a:t>
-            </a:r>
-          </a:p>
-          <a:p>
-            <a:pPr marL="0" indent="0">
-              <a:buNone/>
-            </a:pPr>
-            <a:r>
-              <a:rPr lang="en-IE" dirty="0"/>
-              <a:t>	</a:t>
-            </a:r>
-            <a:r>
-              <a:rPr lang="en-IE" dirty="0" smtClean="0"/>
-              <a:t>With Game objects to avoid and collect</a:t>
-            </a:r>
-          </a:p>
-          <a:p>
-            <a:pPr marL="0" indent="0">
-              <a:buNone/>
-            </a:pPr>
-            <a:r>
-              <a:rPr lang="en-IE" dirty="0"/>
-              <a:t>	</a:t>
-            </a:r>
-            <a:r>
-              <a:rPr lang="en-IE" dirty="0" smtClean="0"/>
-              <a:t>Hand or head gestures were planned to be used</a:t>
-            </a:r>
-          </a:p>
-          <a:p>
-            <a:r>
-              <a:rPr lang="en-IE" dirty="0" smtClean="0"/>
-              <a:t>Problems with the Idea </a:t>
-            </a:r>
-          </a:p>
-          <a:p>
-            <a:pPr marL="0" indent="0">
-              <a:buNone/>
-            </a:pPr>
-            <a:r>
-              <a:rPr lang="en-IE" dirty="0"/>
-              <a:t>	</a:t>
-            </a:r>
-            <a:r>
-              <a:rPr lang="en-IE" dirty="0" smtClean="0"/>
-              <a:t>Phone data not streaming correctly</a:t>
-            </a:r>
-          </a:p>
-          <a:p>
-            <a:pPr marL="0" indent="0">
-              <a:buNone/>
-            </a:pPr>
-            <a:r>
-              <a:rPr lang="en-IE" dirty="0"/>
-              <a:t>	</a:t>
-            </a:r>
-            <a:r>
-              <a:rPr lang="en-IE" dirty="0" smtClean="0"/>
-              <a:t>A known problem with my device.</a:t>
+              <a:t>A known problem with my </a:t>
+            </a:r>
+            <a:r>
+              <a:rPr lang="en-IE" dirty="0" smtClean="0"/>
+              <a:t>device</a:t>
             </a:r>
             <a:endParaRPr lang="en-IE" dirty="0"/>
           </a:p>
@@ -3604,7 +3624,11 @@
           <a:p>
             <a:r>
               <a:rPr lang="en-IE" dirty="0" smtClean="0"/>
-              <a:t>Three elements (Each one an array)</a:t>
+              <a:t>Three </a:t>
+            </a:r>
+            <a:r>
+              <a:rPr lang="en-IE" dirty="0" smtClean="0"/>
+              <a:t>Game element arrays</a:t>
             </a:r>
           </a:p>
           <a:p>
@@ -3618,7 +3642,11 @@
             <a:pPr lvl="1"/>
             <a:r>
               <a:rPr lang="en-IE" dirty="0" smtClean="0"/>
-              <a:t>The deck (pop from the deck array at every turn and start game)</a:t>
+              <a:t>The </a:t>
+            </a:r>
+            <a:r>
+              <a:rPr lang="en-IE" dirty="0" smtClean="0"/>
+              <a:t>deck (pop from the deck array at every turn and start game)</a:t>
             </a:r>
           </a:p>
           <a:p>
@@ -4259,8 +4287,13 @@
             <a:pPr lvl="1"/>
             <a:r>
               <a:rPr lang="en-IE" dirty="0" smtClean="0"/>
-              <a:t>Many people had the same problems I had (with easy fixes)Cons</a:t>
-            </a:r>
+              <a:t>Many people had the same problems I had (with easy </a:t>
+            </a:r>
+            <a:r>
+              <a:rPr lang="en-IE" dirty="0" smtClean="0"/>
+              <a:t>fixes)</a:t>
+            </a:r>
+            <a:endParaRPr lang="en-IE" dirty="0" smtClean="0"/>
           </a:p>
           <a:p>
             <a:pPr marL="0" indent="0">
@@ -4282,8 +4315,24 @@
               <a:t>apk</a:t>
             </a:r>
             <a:r>
-              <a:rPr lang="en-IE" dirty="0" smtClean="0"/>
-              <a:t> and Google VR with unity </a:t>
+              <a:rPr lang="en-IE" dirty="0"/>
+              <a:t>,</a:t>
+            </a:r>
+            <a:r>
+              <a:rPr lang="en-IE" dirty="0" smtClean="0"/>
+              <a:t> </a:t>
+            </a:r>
+            <a:r>
+              <a:rPr lang="en-IE" dirty="0" smtClean="0"/>
+              <a:t>Google VR </a:t>
+            </a:r>
+            <a:r>
+              <a:rPr lang="en-IE" dirty="0" smtClean="0"/>
+              <a:t>and </a:t>
+            </a:r>
+            <a:r>
+              <a:rPr lang="en-IE" dirty="0" smtClean="0"/>
+              <a:t>unity </a:t>
             </a:r>
           </a:p>
           <a:p>
@@ -4315,16 +4364,16 @@
               <a:t>Unity </a:t>
             </a:r>
             <a:r>
+              <a:rPr lang="en-IE"/>
+              <a:t>view </a:t>
+            </a:r>
+            <a:r>
+              <a:rPr lang="en-IE" smtClean="0"/>
+              <a:t>different phone </a:t>
+            </a:r>
+            <a:r>
               <a:rPr lang="en-IE" dirty="0"/>
-              <a:t>view is not the same </a:t>
-            </a:r>
-            <a:r>
-              <a:rPr lang="en-IE" dirty="0" smtClean="0"/>
-              <a:t>as </a:t>
-            </a:r>
-            <a:r>
-              <a:rPr lang="en-IE" dirty="0"/>
-              <a:t>phone build view</a:t>
+              <a:t>build view</a:t>
             </a:r>
           </a:p>
           <a:p>

--- a/Presentation/New Microsoft PowerPoint Presentation.pptx
+++ b/Presentation/New Microsoft PowerPoint Presentation.pptx
@@ -8,8 +8,8 @@
     <p:sldId id="256" r:id="rId2"/>
     <p:sldId id="257" r:id="rId3"/>
     <p:sldId id="258" r:id="rId4"/>
-    <p:sldId id="259" r:id="rId5"/>
-    <p:sldId id="260" r:id="rId6"/>
+    <p:sldId id="265" r:id="rId5"/>
+    <p:sldId id="259" r:id="rId6"/>
     <p:sldId id="261" r:id="rId7"/>
     <p:sldId id="262" r:id="rId8"/>
     <p:sldId id="263" r:id="rId9"/>
@@ -251,7 +251,7 @@
           <a:p>
             <a:fld id="{54F6BBB5-41A2-428D-A1DC-B9962BD0CBCA}" type="datetimeFigureOut">
               <a:rPr lang="en-IE" smtClean="0"/>
-              <a:t>01/04/2019</a:t>
+              <a:t>02/04/2019</a:t>
             </a:fld>
             <a:endParaRPr lang="en-IE" dirty="0"/>
           </a:p>
@@ -421,7 +421,7 @@
           <a:p>
             <a:fld id="{54F6BBB5-41A2-428D-A1DC-B9962BD0CBCA}" type="datetimeFigureOut">
               <a:rPr lang="en-IE" smtClean="0"/>
-              <a:t>01/04/2019</a:t>
+              <a:t>02/04/2019</a:t>
             </a:fld>
             <a:endParaRPr lang="en-IE" dirty="0"/>
           </a:p>
@@ -601,7 +601,7 @@
           <a:p>
             <a:fld id="{54F6BBB5-41A2-428D-A1DC-B9962BD0CBCA}" type="datetimeFigureOut">
               <a:rPr lang="en-IE" smtClean="0"/>
-              <a:t>01/04/2019</a:t>
+              <a:t>02/04/2019</a:t>
             </a:fld>
             <a:endParaRPr lang="en-IE" dirty="0"/>
           </a:p>
@@ -771,7 +771,7 @@
           <a:p>
             <a:fld id="{54F6BBB5-41A2-428D-A1DC-B9962BD0CBCA}" type="datetimeFigureOut">
               <a:rPr lang="en-IE" smtClean="0"/>
-              <a:t>01/04/2019</a:t>
+              <a:t>02/04/2019</a:t>
             </a:fld>
             <a:endParaRPr lang="en-IE" dirty="0"/>
           </a:p>
@@ -1017,7 +1017,7 @@
           <a:p>
             <a:fld id="{54F6BBB5-41A2-428D-A1DC-B9962BD0CBCA}" type="datetimeFigureOut">
               <a:rPr lang="en-IE" smtClean="0"/>
-              <a:t>01/04/2019</a:t>
+              <a:t>02/04/2019</a:t>
             </a:fld>
             <a:endParaRPr lang="en-IE" dirty="0"/>
           </a:p>
@@ -1249,7 +1249,7 @@
           <a:p>
             <a:fld id="{54F6BBB5-41A2-428D-A1DC-B9962BD0CBCA}" type="datetimeFigureOut">
               <a:rPr lang="en-IE" smtClean="0"/>
-              <a:t>01/04/2019</a:t>
+              <a:t>02/04/2019</a:t>
             </a:fld>
             <a:endParaRPr lang="en-IE" dirty="0"/>
           </a:p>
@@ -1616,7 +1616,7 @@
           <a:p>
             <a:fld id="{54F6BBB5-41A2-428D-A1DC-B9962BD0CBCA}" type="datetimeFigureOut">
               <a:rPr lang="en-IE" smtClean="0"/>
-              <a:t>01/04/2019</a:t>
+              <a:t>02/04/2019</a:t>
             </a:fld>
             <a:endParaRPr lang="en-IE" dirty="0"/>
           </a:p>
@@ -1734,7 +1734,7 @@
           <a:p>
             <a:fld id="{54F6BBB5-41A2-428D-A1DC-B9962BD0CBCA}" type="datetimeFigureOut">
               <a:rPr lang="en-IE" smtClean="0"/>
-              <a:t>01/04/2019</a:t>
+              <a:t>02/04/2019</a:t>
             </a:fld>
             <a:endParaRPr lang="en-IE" dirty="0"/>
           </a:p>
@@ -1829,7 +1829,7 @@
           <a:p>
             <a:fld id="{54F6BBB5-41A2-428D-A1DC-B9962BD0CBCA}" type="datetimeFigureOut">
               <a:rPr lang="en-IE" smtClean="0"/>
-              <a:t>01/04/2019</a:t>
+              <a:t>02/04/2019</a:t>
             </a:fld>
             <a:endParaRPr lang="en-IE" dirty="0"/>
           </a:p>
@@ -2106,7 +2106,7 @@
           <a:p>
             <a:fld id="{54F6BBB5-41A2-428D-A1DC-B9962BD0CBCA}" type="datetimeFigureOut">
               <a:rPr lang="en-IE" smtClean="0"/>
-              <a:t>01/04/2019</a:t>
+              <a:t>02/04/2019</a:t>
             </a:fld>
             <a:endParaRPr lang="en-IE" dirty="0"/>
           </a:p>
@@ -2359,7 +2359,7 @@
           <a:p>
             <a:fld id="{54F6BBB5-41A2-428D-A1DC-B9962BD0CBCA}" type="datetimeFigureOut">
               <a:rPr lang="en-IE" smtClean="0"/>
-              <a:t>01/04/2019</a:t>
+              <a:t>02/04/2019</a:t>
             </a:fld>
             <a:endParaRPr lang="en-IE" dirty="0"/>
           </a:p>
@@ -2572,7 +2572,7 @@
           <a:p>
             <a:fld id="{54F6BBB5-41A2-428D-A1DC-B9962BD0CBCA}" type="datetimeFigureOut">
               <a:rPr lang="en-IE" smtClean="0"/>
-              <a:t>01/04/2019</a:t>
+              <a:t>02/04/2019</a:t>
             </a:fld>
             <a:endParaRPr lang="en-IE" dirty="0"/>
           </a:p>
@@ -3033,6 +3033,13 @@
   <p:clrMapOvr>
     <a:masterClrMapping/>
   </p:clrMapOvr>
+  <p:timing>
+    <p:tnLst>
+      <p:par>
+        <p:cTn id="1" dur="indefinite" restart="never" nodeType="tmRoot"/>
+      </p:par>
+    </p:tnLst>
+  </p:timing>
 </p:sld>
 </file>
 
@@ -3102,62 +3109,29 @@
             <a:pPr lvl="1"/>
             <a:r>
               <a:rPr lang="en-IE" dirty="0" smtClean="0"/>
-              <a:t>3D </a:t>
-            </a:r>
-            <a:r>
-              <a:rPr lang="en-IE" dirty="0" smtClean="0"/>
-              <a:t>Game in </a:t>
-            </a:r>
-            <a:r>
-              <a:rPr lang="en-IE" dirty="0" smtClean="0"/>
-              <a:t>unity</a:t>
-            </a:r>
-          </a:p>
-          <a:p>
-            <a:pPr lvl="1"/>
-            <a:r>
-              <a:rPr lang="en-IE" dirty="0" smtClean="0"/>
-              <a:t>Controlling Sphere Game </a:t>
-            </a:r>
-            <a:r>
-              <a:rPr lang="en-IE" dirty="0" smtClean="0"/>
-              <a:t>object with Mobile </a:t>
-            </a:r>
-            <a:r>
-              <a:rPr lang="en-IE" dirty="0" smtClean="0"/>
-              <a:t>Gyroscope/Accelerometer</a:t>
-            </a:r>
-          </a:p>
-          <a:p>
-            <a:pPr lvl="1"/>
-            <a:r>
-              <a:rPr lang="en-IE" dirty="0" smtClean="0"/>
-              <a:t>With </a:t>
-            </a:r>
-            <a:r>
-              <a:rPr lang="en-IE" dirty="0" smtClean="0"/>
-              <a:t>Game objects to avoid and </a:t>
-            </a:r>
-            <a:r>
-              <a:rPr lang="en-IE" dirty="0" smtClean="0"/>
-              <a:t>collect</a:t>
-            </a:r>
-          </a:p>
-          <a:p>
-            <a:pPr lvl="1"/>
-            <a:r>
-              <a:rPr lang="en-IE" dirty="0" smtClean="0"/>
-              <a:t>Hand </a:t>
-            </a:r>
-            <a:r>
-              <a:rPr lang="en-IE" dirty="0" smtClean="0"/>
-              <a:t>or head gestures </a:t>
-            </a:r>
-            <a:r>
-              <a:rPr lang="en-IE" dirty="0" smtClean="0"/>
-              <a:t>to move the sphere</a:t>
-            </a:r>
-            <a:endParaRPr lang="en-IE" dirty="0" smtClean="0"/>
+              <a:t>3D Game in unity</a:t>
+            </a:r>
+          </a:p>
+          <a:p>
+            <a:pPr lvl="1"/>
+            <a:r>
+              <a:rPr lang="en-IE" dirty="0" smtClean="0"/>
+              <a:t>Controlling Sphere Game object with Mobile Gyroscope/Accelerometer</a:t>
+            </a:r>
+          </a:p>
+          <a:p>
+            <a:pPr lvl="1"/>
+            <a:r>
+              <a:rPr lang="en-IE" dirty="0" smtClean="0"/>
+              <a:t>With Game objects to avoid and collect</a:t>
+            </a:r>
+          </a:p>
+          <a:p>
+            <a:pPr lvl="1"/>
+            <a:r>
+              <a:rPr lang="en-IE" dirty="0" smtClean="0"/>
+              <a:t>Hand or head gestures to move the sphere</a:t>
+            </a:r>
           </a:p>
           <a:p>
             <a:r>
@@ -3175,13 +3149,8 @@
             </a:r>
             <a:r>
               <a:rPr lang="en-IE" dirty="0" smtClean="0"/>
-              <a:t>Phone data not streaming </a:t>
-            </a:r>
-            <a:r>
-              <a:rPr lang="en-IE" dirty="0" smtClean="0"/>
-              <a:t>data correctly</a:t>
-            </a:r>
-            <a:endParaRPr lang="en-IE" dirty="0" smtClean="0"/>
+              <a:t>Phone data not streaming data correctly</a:t>
+            </a:r>
           </a:p>
           <a:p>
             <a:pPr marL="0" indent="0">
@@ -3193,11 +3162,7 @@
             </a:r>
             <a:r>
               <a:rPr lang="en-IE" dirty="0" smtClean="0"/>
-              <a:t>A known problem with my </a:t>
-            </a:r>
-            <a:r>
-              <a:rPr lang="en-IE" dirty="0" smtClean="0"/>
-              <a:t>device</a:t>
+              <a:t>A known problem with my device</a:t>
             </a:r>
             <a:endParaRPr lang="en-IE" dirty="0"/>
           </a:p>
@@ -3213,6 +3178,13 @@
   <p:clrMapOvr>
     <a:masterClrMapping/>
   </p:clrMapOvr>
+  <p:timing>
+    <p:tnLst>
+      <p:par>
+        <p:cTn id="1" dur="indefinite" restart="never" nodeType="tmRoot"/>
+      </p:par>
+    </p:tnLst>
+  </p:timing>
 </p:sld>
 </file>
 
@@ -3306,20 +3278,40 @@
             <a:pPr lvl="2"/>
             <a:r>
               <a:rPr lang="en-IE" dirty="0" smtClean="0"/>
-              <a:t>Universally Understood form of communication</a:t>
+              <a:t>Universally Understood form of </a:t>
+            </a:r>
+            <a:r>
+              <a:rPr lang="en-IE" dirty="0" smtClean="0"/>
+              <a:t>communication</a:t>
             </a:r>
           </a:p>
           <a:p>
             <a:pPr lvl="2"/>
             <a:r>
               <a:rPr lang="en-IE" dirty="0" smtClean="0"/>
-              <a:t>Short instruction set needed</a:t>
-            </a:r>
+              <a:t>Balkan Countries has the opposite meaning</a:t>
+            </a:r>
+            <a:endParaRPr lang="en-IE" dirty="0" smtClean="0"/>
           </a:p>
           <a:p>
             <a:pPr lvl="2"/>
             <a:r>
               <a:rPr lang="en-IE" dirty="0" smtClean="0"/>
+              <a:t>Short instruction </a:t>
+            </a:r>
+            <a:r>
+              <a:rPr lang="en-IE" dirty="0" smtClean="0"/>
+              <a:t>set for controls  </a:t>
+            </a:r>
+            <a:r>
+              <a:rPr lang="en-IE" dirty="0" smtClean="0"/>
+              <a:t>needed</a:t>
+            </a:r>
+          </a:p>
+          <a:p>
+            <a:pPr lvl="2"/>
+            <a:r>
+              <a:rPr lang="en-IE" dirty="0" smtClean="0"/>
               <a:t>Quickly becomes obvious on how to use</a:t>
             </a:r>
           </a:p>
@@ -3329,21 +3321,34 @@
             </a:pPr>
             <a:r>
               <a:rPr lang="en-IE" dirty="0" smtClean="0"/>
-              <a:t>Other options</a:t>
-            </a:r>
+              <a:t>Other </a:t>
+            </a:r>
+            <a:r>
+              <a:rPr lang="en-IE" dirty="0" smtClean="0"/>
+              <a:t>options as form of communication</a:t>
+            </a:r>
+            <a:endParaRPr lang="en-IE" dirty="0" smtClean="0"/>
           </a:p>
           <a:p>
             <a:pPr lvl="2"/>
             <a:r>
               <a:rPr lang="en-IE" dirty="0" smtClean="0"/>
-              <a:t>Tilt head Left/Right</a:t>
+              <a:t>Tilt head </a:t>
+            </a:r>
+            <a:r>
+              <a:rPr lang="en-IE" dirty="0" smtClean="0"/>
+              <a:t>Left/Right</a:t>
             </a:r>
           </a:p>
           <a:p>
             <a:pPr lvl="2"/>
             <a:r>
               <a:rPr lang="en-IE" dirty="0" smtClean="0"/>
-              <a:t>Look Left/Right</a:t>
+              <a:t>Look </a:t>
+            </a:r>
+            <a:r>
+              <a:rPr lang="en-IE" dirty="0" smtClean="0"/>
+              <a:t>Left/Right</a:t>
             </a:r>
           </a:p>
           <a:p>
@@ -3354,26 +3359,31 @@
             </a:r>
           </a:p>
           <a:p>
-            <a:pPr lvl="2"/>
-            <a:r>
-              <a:rPr lang="en-IE" dirty="0" smtClean="0"/>
-              <a:t>Use Gaze Input (Not working with latest Unity)</a:t>
-            </a:r>
-          </a:p>
-          <a:p>
             <a:pPr marL="0" indent="0">
               <a:buNone/>
             </a:pPr>
             <a:r>
+              <a:rPr lang="en-IE" dirty="0" smtClean="0"/>
+              <a:t>Reason </a:t>
+            </a:r>
+            <a:r>
               <a:rPr lang="en-IE" dirty="0"/>
-              <a:t>Reason for choosing Black Jack</a:t>
+              <a:t>for choosing Black Jack</a:t>
             </a:r>
           </a:p>
           <a:p>
             <a:pPr lvl="1"/>
             <a:r>
               <a:rPr lang="en-IE" dirty="0"/>
-              <a:t>The rules of stick or twist map perfectly to yes no head gestures</a:t>
+              <a:t>The rules of stick or </a:t>
+            </a:r>
+            <a:r>
+              <a:rPr lang="en-IE" dirty="0" smtClean="0"/>
+              <a:t>twist binary instructions </a:t>
+            </a:r>
+            <a:r>
+              <a:rPr lang="en-IE" dirty="0"/>
+              <a:t>map perfectly to yes no head gestures</a:t>
             </a:r>
           </a:p>
           <a:p>
@@ -3490,6 +3500,13 @@
   <p:clrMapOvr>
     <a:masterClrMapping/>
   </p:clrMapOvr>
+  <p:timing>
+    <p:tnLst>
+      <p:par>
+        <p:cTn id="1" dur="indefinite" restart="never" nodeType="tmRoot"/>
+      </p:par>
+    </p:tnLst>
+  </p:timing>
 </p:sld>
 </file>
 
@@ -3527,7 +3544,7 @@
           <a:p>
             <a:r>
               <a:rPr lang="en-IE" dirty="0" smtClean="0"/>
-              <a:t>Black Jack</a:t>
+              <a:t>Google VR</a:t>
             </a:r>
             <a:endParaRPr lang="en-IE" dirty="0"/>
           </a:p>
@@ -3546,188 +3563,120 @@
         <p:spPr/>
         <p:txBody>
           <a:bodyPr>
-            <a:normAutofit fontScale="55000" lnSpcReduction="20000"/>
+            <a:normAutofit fontScale="92500" lnSpcReduction="10000"/>
           </a:bodyPr>
           <a:lstStyle/>
           <a:p>
-            <a:pPr marL="0" indent="0">
-              <a:buNone/>
-            </a:pPr>
-            <a:r>
-              <a:rPr lang="en-IE" dirty="0" smtClean="0"/>
-              <a:t>Game Development.</a:t>
-            </a:r>
-          </a:p>
-          <a:p>
-            <a:r>
-              <a:rPr lang="en-IE" dirty="0" smtClean="0"/>
-              <a:t>YouTube Series</a:t>
-            </a:r>
-          </a:p>
-          <a:p>
-            <a:r>
-              <a:rPr lang="en-IE" dirty="0" smtClean="0"/>
-              <a:t>Fishers shuffle for deck of cards</a:t>
-            </a:r>
-          </a:p>
-          <a:p>
-            <a:pPr lvl="1"/>
-            <a:r>
-              <a:rPr lang="en-IE" dirty="0" smtClean="0"/>
-              <a:t>Random number between 0 – 51</a:t>
-            </a:r>
-          </a:p>
-          <a:p>
-            <a:pPr lvl="1"/>
-            <a:r>
-              <a:rPr lang="en-IE" dirty="0" smtClean="0"/>
-              <a:t>Number selected place on stack</a:t>
-            </a:r>
-          </a:p>
-          <a:p>
-            <a:pPr lvl="1"/>
-            <a:r>
-              <a:rPr lang="en-IE" dirty="0" smtClean="0"/>
-              <a:t>Remove selected number from </a:t>
-            </a:r>
-          </a:p>
-          <a:p>
-            <a:pPr lvl="1"/>
-            <a:r>
-              <a:rPr lang="en-IE" dirty="0"/>
-              <a:t>Random number between 0 – </a:t>
-            </a:r>
-            <a:r>
-              <a:rPr lang="en-IE" dirty="0" smtClean="0"/>
-              <a:t>50</a:t>
-            </a:r>
-          </a:p>
-          <a:p>
-            <a:pPr lvl="1"/>
-            <a:r>
-              <a:rPr lang="en-IE" dirty="0" smtClean="0"/>
-              <a:t>Repeat until list is empty</a:t>
-            </a:r>
-          </a:p>
-          <a:p>
-            <a:r>
-              <a:rPr lang="en-IE" dirty="0" smtClean="0"/>
-              <a:t>A pdf of card deck used and split in sprite editor.</a:t>
-            </a:r>
-          </a:p>
-          <a:p>
-            <a:r>
-              <a:rPr lang="en-IE" dirty="0" smtClean="0"/>
-              <a:t>Values added to cards based on mod 13 of sprites ordering</a:t>
-            </a:r>
-          </a:p>
-          <a:p>
-            <a:r>
-              <a:rPr lang="en-IE" dirty="0" smtClean="0"/>
-              <a:t>Three </a:t>
-            </a:r>
-            <a:r>
-              <a:rPr lang="en-IE" dirty="0" smtClean="0"/>
-              <a:t>Game element arrays</a:t>
-            </a:r>
-          </a:p>
-          <a:p>
-            <a:pPr lvl="1"/>
-            <a:r>
-              <a:rPr lang="en-IE" dirty="0" smtClean="0"/>
-              <a:t>Player (on turn push from the deck array)</a:t>
-            </a:r>
-          </a:p>
-          <a:p>
-            <a:pPr lvl="1"/>
-            <a:r>
-              <a:rPr lang="en-IE" dirty="0" smtClean="0"/>
-              <a:t>The </a:t>
-            </a:r>
-            <a:r>
-              <a:rPr lang="en-IE" dirty="0" smtClean="0"/>
-              <a:t>deck (pop from the deck array at every turn and start game)</a:t>
-            </a:r>
-          </a:p>
-          <a:p>
-            <a:pPr lvl="1"/>
-            <a:r>
-              <a:rPr lang="en-IE" dirty="0" smtClean="0"/>
-              <a:t>The dealer </a:t>
-            </a:r>
-            <a:r>
-              <a:rPr lang="en-IE" dirty="0"/>
-              <a:t>(on turn </a:t>
-            </a:r>
-            <a:r>
-              <a:rPr lang="en-IE" dirty="0" smtClean="0"/>
-              <a:t>push </a:t>
-            </a:r>
-            <a:r>
-              <a:rPr lang="en-IE" dirty="0"/>
-              <a:t>from the deck </a:t>
-            </a:r>
-            <a:r>
-              <a:rPr lang="en-IE" dirty="0" smtClean="0"/>
-              <a:t>array</a:t>
-            </a:r>
-            <a:r>
-              <a:rPr lang="en-IE" dirty="0"/>
-              <a:t>)</a:t>
+            <a:r>
+              <a:rPr lang="en-IE" dirty="0" smtClean="0"/>
+              <a:t>Galaxy J6 plus mobile</a:t>
+            </a:r>
+          </a:p>
+          <a:p>
+            <a:r>
+              <a:rPr lang="en-IE" dirty="0" smtClean="0"/>
+              <a:t>Unity </a:t>
+            </a:r>
+            <a:r>
+              <a:rPr lang="en-IE" dirty="0" smtClean="0"/>
+              <a:t>development package </a:t>
+            </a:r>
+          </a:p>
+          <a:p>
+            <a:pPr lvl="1"/>
+            <a:r>
+              <a:rPr lang="en-IE" dirty="0" smtClean="0"/>
+              <a:t>Google cardboard/daydream</a:t>
+            </a:r>
+          </a:p>
+          <a:p>
+            <a:r>
+              <a:rPr lang="en-IE" dirty="0" smtClean="0"/>
+              <a:t>Head </a:t>
+            </a:r>
+            <a:r>
+              <a:rPr lang="en-IE" dirty="0" smtClean="0"/>
+              <a:t>gesture </a:t>
+            </a:r>
+            <a:r>
+              <a:rPr lang="en-IE" dirty="0" smtClean="0"/>
+              <a:t>input</a:t>
+            </a:r>
+          </a:p>
+          <a:p>
+            <a:pPr lvl="1"/>
+            <a:r>
+              <a:rPr lang="en-IE" dirty="0" smtClean="0"/>
+              <a:t>Gets  cameras Euler angle based on the head position view</a:t>
+            </a:r>
+          </a:p>
+          <a:p>
+            <a:pPr lvl="1"/>
+            <a:r>
+              <a:rPr lang="en-IE" dirty="0" smtClean="0"/>
+              <a:t>Using update function the current angle can be compared to the centre start position</a:t>
+            </a:r>
+          </a:p>
+          <a:p>
+            <a:pPr lvl="1"/>
+            <a:r>
+              <a:rPr lang="en-IE" dirty="0" smtClean="0"/>
+              <a:t>A pre-set value is used to control how much movement is needed to trigger a gesture.</a:t>
+            </a:r>
+          </a:p>
+          <a:p>
+            <a:pPr lvl="1"/>
+            <a:r>
+              <a:rPr lang="en-IE" dirty="0" smtClean="0"/>
+              <a:t>Boolean values of (up &amp;&amp; down) (left&amp;&amp;right)to trigger Yes\No</a:t>
             </a:r>
             <a:endParaRPr lang="en-IE" dirty="0" smtClean="0"/>
           </a:p>
           <a:p>
-            <a:r>
-              <a:rPr lang="en-IE" dirty="0" smtClean="0"/>
-              <a:t>Buttons in UI for testing (Event Handlers to map to functions)</a:t>
-            </a:r>
-          </a:p>
-          <a:p>
-            <a:pPr lvl="1"/>
-            <a:r>
-              <a:rPr lang="en-IE" dirty="0" smtClean="0"/>
-              <a:t>Twist </a:t>
-            </a:r>
-          </a:p>
-          <a:p>
-            <a:pPr lvl="1"/>
-            <a:r>
-              <a:rPr lang="en-IE" dirty="0" smtClean="0"/>
-              <a:t>Stick</a:t>
-            </a:r>
-          </a:p>
-          <a:p>
-            <a:pPr lvl="1"/>
-            <a:r>
-              <a:rPr lang="en-IE" dirty="0" smtClean="0"/>
-              <a:t>Play again</a:t>
-            </a:r>
-          </a:p>
-          <a:p>
-            <a:pPr marL="457200" lvl="1" indent="0">
-              <a:buNone/>
-            </a:pPr>
+            <a:pPr lvl="1"/>
+            <a:r>
+              <a:rPr lang="en-IE" dirty="0" smtClean="0">
+                <a:hlinkClick r:id="rId2"/>
+              </a:rPr>
+              <a:t>Git hub link to Head Gesture page . </a:t>
+            </a:r>
             <a:endParaRPr lang="en-IE" dirty="0" smtClean="0"/>
           </a:p>
           <a:p>
-            <a:pPr marL="0" indent="0">
-              <a:buNone/>
-            </a:pPr>
-            <a:endParaRPr lang="en-IE" dirty="0"/>
+            <a:r>
+              <a:rPr lang="en-IE" dirty="0" smtClean="0"/>
+              <a:t>Tying this into the game environment</a:t>
+            </a:r>
+          </a:p>
+          <a:p>
+            <a:pPr lvl="1"/>
+            <a:r>
+              <a:rPr lang="en-IE" dirty="0" smtClean="0">
+                <a:hlinkClick r:id="rId3"/>
+              </a:rPr>
+              <a:t>Triggering functions</a:t>
+            </a:r>
+            <a:endParaRPr lang="en-IE" dirty="0" smtClean="0"/>
           </a:p>
         </p:txBody>
       </p:sp>
     </p:spTree>
     <p:extLst>
       <p:ext uri="{BB962C8B-B14F-4D97-AF65-F5344CB8AC3E}">
-        <p14:creationId xmlns:p14="http://schemas.microsoft.com/office/powerpoint/2010/main" val="728932682"/>
+        <p14:creationId xmlns:p14="http://schemas.microsoft.com/office/powerpoint/2010/main" val="3716033923"/>
       </p:ext>
     </p:extLst>
   </p:cSld>
   <p:clrMapOvr>
     <a:masterClrMapping/>
   </p:clrMapOvr>
+  <p:timing>
+    <p:tnLst>
+      <p:par>
+        <p:cTn id="1" dur="indefinite" restart="never" nodeType="tmRoot"/>
+      </p:par>
+    </p:tnLst>
+  </p:timing>
 </p:sld>
 </file>
 
@@ -3765,7 +3714,7 @@
           <a:p>
             <a:r>
               <a:rPr lang="en-IE" dirty="0" smtClean="0"/>
-              <a:t>Google VR</a:t>
+              <a:t>Black Jack</a:t>
             </a:r>
             <a:endParaRPr lang="en-IE" dirty="0"/>
           </a:p>
@@ -3784,66 +3733,168 @@
         <p:spPr/>
         <p:txBody>
           <a:bodyPr>
-            <a:normAutofit/>
+            <a:normAutofit fontScale="62500" lnSpcReduction="20000"/>
           </a:bodyPr>
           <a:lstStyle/>
           <a:p>
             <a:r>
               <a:rPr lang="en-IE" dirty="0" smtClean="0"/>
-              <a:t>Unity development package </a:t>
-            </a:r>
-          </a:p>
-          <a:p>
-            <a:pPr lvl="1"/>
-            <a:r>
-              <a:rPr lang="en-IE" dirty="0" smtClean="0"/>
-              <a:t>Link here …</a:t>
-            </a:r>
-          </a:p>
-          <a:p>
-            <a:r>
-              <a:rPr lang="en-IE" dirty="0" smtClean="0"/>
-              <a:t>Head gesture input</a:t>
-            </a:r>
-          </a:p>
-          <a:p>
-            <a:pPr lvl="1"/>
-            <a:r>
-              <a:rPr lang="en-IE" dirty="0" smtClean="0">
-                <a:hlinkClick r:id="rId2"/>
-              </a:rPr>
-              <a:t>Git hub link to Head Gesture page . </a:t>
+              <a:t>Three </a:t>
+            </a:r>
+            <a:r>
+              <a:rPr lang="en-IE" dirty="0"/>
+              <a:t>Game element arrays</a:t>
+            </a:r>
+          </a:p>
+          <a:p>
+            <a:pPr lvl="1"/>
+            <a:r>
+              <a:rPr lang="en-IE" dirty="0"/>
+              <a:t>Player (on turn push from the deck array)</a:t>
+            </a:r>
+          </a:p>
+          <a:p>
+            <a:pPr lvl="1"/>
+            <a:r>
+              <a:rPr lang="en-IE" dirty="0"/>
+              <a:t>The deck (pop from the deck array at every turn and start game)</a:t>
+            </a:r>
+          </a:p>
+          <a:p>
+            <a:pPr lvl="1"/>
+            <a:r>
+              <a:rPr lang="en-IE" dirty="0"/>
+              <a:t>The dealer (on turn push from the deck array</a:t>
+            </a:r>
+            <a:r>
+              <a:rPr lang="en-IE" dirty="0" smtClean="0"/>
+              <a:t>)</a:t>
             </a:r>
             <a:endParaRPr lang="en-IE" dirty="0" smtClean="0"/>
           </a:p>
           <a:p>
             <a:r>
               <a:rPr lang="en-IE" dirty="0" smtClean="0"/>
-              <a:t>Tying this into the game environment</a:t>
-            </a:r>
-          </a:p>
-          <a:p>
-            <a:pPr lvl="1"/>
-            <a:r>
-              <a:rPr lang="en-IE" dirty="0" smtClean="0">
-                <a:hlinkClick r:id="rId3"/>
-              </a:rPr>
-              <a:t>Triggering functions</a:t>
-            </a:r>
+              <a:t>Fisher yates </a:t>
+            </a:r>
+            <a:r>
+              <a:rPr lang="en-IE" dirty="0" smtClean="0"/>
+              <a:t>shuffle for deck of cards</a:t>
+            </a:r>
+          </a:p>
+          <a:p>
+            <a:pPr lvl="1"/>
+            <a:r>
+              <a:rPr lang="en-IE" dirty="0" smtClean="0"/>
+              <a:t>Random number between 0 – 51</a:t>
+            </a:r>
+          </a:p>
+          <a:p>
+            <a:pPr lvl="1"/>
+            <a:r>
+              <a:rPr lang="en-IE" dirty="0" smtClean="0"/>
+              <a:t>Number selected place on stack</a:t>
+            </a:r>
+          </a:p>
+          <a:p>
+            <a:pPr lvl="1"/>
+            <a:r>
+              <a:rPr lang="en-IE" dirty="0" smtClean="0"/>
+              <a:t>Remove selected number from </a:t>
+            </a:r>
+          </a:p>
+          <a:p>
+            <a:pPr lvl="1"/>
+            <a:r>
+              <a:rPr lang="en-IE" dirty="0"/>
+              <a:t>Random number between 0 – </a:t>
+            </a:r>
+            <a:r>
+              <a:rPr lang="en-IE" dirty="0" smtClean="0"/>
+              <a:t>50</a:t>
+            </a:r>
+          </a:p>
+          <a:p>
+            <a:pPr lvl="1"/>
+            <a:r>
+              <a:rPr lang="en-IE" dirty="0" smtClean="0"/>
+              <a:t>Repeat until list is empty</a:t>
+            </a:r>
+          </a:p>
+          <a:p>
+            <a:r>
+              <a:rPr lang="en-IE" dirty="0" smtClean="0"/>
+              <a:t>A pdf of card deck used and split in sprite editor.</a:t>
+            </a:r>
+          </a:p>
+          <a:p>
+            <a:r>
+              <a:rPr lang="en-IE" dirty="0" smtClean="0"/>
+              <a:t>Values added to cards based on mod 13 of sprites ordering</a:t>
+            </a:r>
+          </a:p>
+          <a:p>
+            <a:r>
+              <a:rPr lang="en-IE" dirty="0" smtClean="0"/>
+              <a:t>Buttons </a:t>
+            </a:r>
+            <a:r>
+              <a:rPr lang="en-IE" dirty="0" smtClean="0"/>
+              <a:t>in UI for testing (Event Handlers to map to functions)</a:t>
+            </a:r>
+          </a:p>
+          <a:p>
+            <a:pPr lvl="1"/>
+            <a:r>
+              <a:rPr lang="en-IE" dirty="0" smtClean="0"/>
+              <a:t>Twist </a:t>
+            </a:r>
+          </a:p>
+          <a:p>
+            <a:pPr lvl="1"/>
+            <a:r>
+              <a:rPr lang="en-IE" dirty="0" smtClean="0"/>
+              <a:t>Stick</a:t>
+            </a:r>
+          </a:p>
+          <a:p>
+            <a:pPr lvl="1"/>
+            <a:r>
+              <a:rPr lang="en-IE" dirty="0" smtClean="0"/>
+              <a:t>Play again</a:t>
+            </a:r>
+          </a:p>
+          <a:p>
+            <a:pPr marL="457200" lvl="1" indent="0">
+              <a:buNone/>
+            </a:pPr>
             <a:endParaRPr lang="en-IE" dirty="0" smtClean="0"/>
+          </a:p>
+          <a:p>
+            <a:pPr marL="0" indent="0">
+              <a:buNone/>
+            </a:pPr>
+            <a:endParaRPr lang="en-IE" dirty="0"/>
           </a:p>
         </p:txBody>
       </p:sp>
     </p:spTree>
     <p:extLst>
       <p:ext uri="{BB962C8B-B14F-4D97-AF65-F5344CB8AC3E}">
-        <p14:creationId xmlns:p14="http://schemas.microsoft.com/office/powerpoint/2010/main" val="2885045161"/>
+        <p14:creationId xmlns:p14="http://schemas.microsoft.com/office/powerpoint/2010/main" val="728932682"/>
       </p:ext>
     </p:extLst>
   </p:cSld>
   <p:clrMapOvr>
     <a:masterClrMapping/>
   </p:clrMapOvr>
+  <p:timing>
+    <p:tnLst>
+      <p:par>
+        <p:cTn id="1" dur="indefinite" restart="never" nodeType="tmRoot"/>
+      </p:par>
+    </p:tnLst>
+  </p:timing>
 </p:sld>
 </file>
 
@@ -3904,14 +3955,43 @@
           <a:p>
             <a:r>
               <a:rPr lang="en-IE" dirty="0" smtClean="0"/>
-              <a:t>Unity view incorrect when running</a:t>
-            </a:r>
-          </a:p>
-          <a:p>
-            <a:pPr lvl="1"/>
-            <a:r>
-              <a:rPr lang="en-IE" dirty="0" smtClean="0"/>
-              <a:t>Game view is not stereoscopic as it used to be</a:t>
+              <a:t>No VR headset </a:t>
+            </a:r>
+          </a:p>
+          <a:p>
+            <a:pPr lvl="1"/>
+            <a:r>
+              <a:rPr lang="en-IE" dirty="0" smtClean="0"/>
+              <a:t>Tilted phone using hands </a:t>
+            </a:r>
+          </a:p>
+          <a:p>
+            <a:pPr lvl="1"/>
+            <a:r>
+              <a:rPr lang="en-IE" smtClean="0"/>
+              <a:t>Difficult </a:t>
+            </a:r>
+            <a:r>
+              <a:rPr lang="en-IE" dirty="0" smtClean="0"/>
+              <a:t>to measure head movement</a:t>
+            </a:r>
+          </a:p>
+          <a:p>
+            <a:pPr lvl="1"/>
+            <a:r>
+              <a:rPr lang="en-IE" dirty="0" smtClean="0"/>
+              <a:t>Unity </a:t>
+            </a:r>
+            <a:r>
+              <a:rPr lang="en-IE" dirty="0" smtClean="0"/>
+              <a:t>view incorrect when running</a:t>
+            </a:r>
+          </a:p>
+          <a:p>
+            <a:pPr lvl="1"/>
+            <a:r>
+              <a:rPr lang="en-IE" dirty="0" smtClean="0"/>
+              <a:t>Stereoscopic game view removed with latest update</a:t>
             </a:r>
           </a:p>
           <a:p>
@@ -3945,7 +4025,7 @@
             <a:pPr lvl="1"/>
             <a:r>
               <a:rPr lang="en-IE" dirty="0" smtClean="0"/>
-              <a:t>Small bugs just configuration issues</a:t>
+              <a:t>Some small bugs to fix but just configuration issues</a:t>
             </a:r>
           </a:p>
           <a:p>
@@ -4225,7 +4305,7 @@
         <p:spPr/>
         <p:txBody>
           <a:bodyPr>
-            <a:normAutofit fontScale="92500" lnSpcReduction="20000"/>
+            <a:normAutofit fontScale="70000" lnSpcReduction="20000"/>
           </a:bodyPr>
           <a:lstStyle/>
           <a:p>
@@ -4273,13 +4353,6 @@
             <a:pPr lvl="1"/>
             <a:r>
               <a:rPr lang="en-IE" dirty="0" smtClean="0"/>
-              <a:t>The process of VR app creation with Google VR.</a:t>
-            </a:r>
-          </a:p>
-          <a:p>
-            <a:pPr lvl="1"/>
-            <a:r>
-              <a:rPr lang="en-IE" dirty="0" smtClean="0"/>
               <a:t>Lots of resources</a:t>
             </a:r>
           </a:p>
@@ -4287,12 +4360,33 @@
             <a:pPr lvl="1"/>
             <a:r>
               <a:rPr lang="en-IE" dirty="0" smtClean="0"/>
-              <a:t>Many people had the same problems I had (with easy </a:t>
-            </a:r>
-            <a:r>
-              <a:rPr lang="en-IE" dirty="0" smtClean="0"/>
-              <a:t>fixes)</a:t>
-            </a:r>
+              <a:t>Many people had the same problems I had (with easy fixes)</a:t>
+            </a:r>
+          </a:p>
+          <a:p>
+            <a:pPr lvl="2"/>
+            <a:r>
+              <a:rPr lang="en-IE" dirty="0" smtClean="0"/>
+              <a:t>Centring images to camera view </a:t>
+            </a:r>
+          </a:p>
+          <a:p>
+            <a:pPr lvl="2"/>
+            <a:r>
+              <a:rPr lang="en-IE" dirty="0" smtClean="0"/>
+              <a:t>Rendering images within clipping plane</a:t>
+            </a:r>
+          </a:p>
+          <a:p>
+            <a:pPr lvl="2"/>
+            <a:r>
+              <a:rPr lang="en-IE" dirty="0" smtClean="0"/>
+              <a:t>Start position of cards</a:t>
+            </a:r>
+            <a:endParaRPr lang="en-IE" dirty="0" smtClean="0"/>
+          </a:p>
+          <a:p>
+            <a:pPr lvl="2"/>
             <a:endParaRPr lang="en-IE" dirty="0" smtClean="0"/>
           </a:p>
           <a:p>
@@ -4320,19 +4414,7 @@
             </a:r>
             <a:r>
               <a:rPr lang="en-IE" dirty="0" smtClean="0"/>
-              <a:t> </a:t>
-            </a:r>
-            <a:r>
-              <a:rPr lang="en-IE" dirty="0" smtClean="0"/>
-              <a:t>Google VR </a:t>
-            </a:r>
-            <a:r>
-              <a:rPr lang="en-IE" dirty="0" smtClean="0"/>
-              <a:t>and </a:t>
-            </a:r>
-            <a:r>
-              <a:rPr lang="en-IE" dirty="0" smtClean="0"/>
-              <a:t>unity </a:t>
+              <a:t> Google VR and unity </a:t>
             </a:r>
           </a:p>
           <a:p>
@@ -4364,12 +4446,12 @@
               <a:t>Unity </a:t>
             </a:r>
             <a:r>
-              <a:rPr lang="en-IE"/>
+              <a:rPr lang="en-IE" dirty="0"/>
               <a:t>view </a:t>
             </a:r>
             <a:r>
-              <a:rPr lang="en-IE" smtClean="0"/>
-              <a:t>different phone </a:t>
+              <a:rPr lang="en-IE" dirty="0" smtClean="0"/>
+              <a:t>different to phone </a:t>
             </a:r>
             <a:r>
               <a:rPr lang="en-IE" dirty="0"/>

--- a/Presentation/New Microsoft PowerPoint Presentation.pptx
+++ b/Presentation/New Microsoft PowerPoint Presentation.pptx
@@ -2,7 +2,7 @@
 <file path=ppt/presentation.xml><?xml version="1.0" encoding="utf-8"?>
 <p:presentation xmlns:a="http://schemas.openxmlformats.org/drawingml/2006/main" xmlns:r="http://schemas.openxmlformats.org/officeDocument/2006/relationships" xmlns:p="http://schemas.openxmlformats.org/presentationml/2006/main" saveSubsetFonts="1">
   <p:sldMasterIdLst>
-    <p:sldMasterId id="2147483648" r:id="rId1"/>
+    <p:sldMasterId id="2147483713" r:id="rId1"/>
   </p:sldMasterIdLst>
   <p:sldIdLst>
     <p:sldId id="256" r:id="rId2"/>
@@ -11,9 +11,8 @@
     <p:sldId id="265" r:id="rId5"/>
     <p:sldId id="259" r:id="rId6"/>
     <p:sldId id="261" r:id="rId7"/>
-    <p:sldId id="262" r:id="rId8"/>
-    <p:sldId id="263" r:id="rId9"/>
-    <p:sldId id="264" r:id="rId10"/>
+    <p:sldId id="263" r:id="rId8"/>
+    <p:sldId id="264" r:id="rId9"/>
   </p:sldIdLst>
   <p:sldSz cx="12192000" cy="6858000"/>
   <p:notesSz cx="6858000" cy="9144000"/>
@@ -21,7 +20,7 @@
     <a:defPPr>
       <a:defRPr lang="en-US"/>
     </a:defPPr>
-    <a:lvl1pPr marL="0" algn="l" defTabSz="914400" rtl="0" eaLnBrk="1" latinLnBrk="0" hangingPunct="1">
+    <a:lvl1pPr marL="0" algn="l" defTabSz="457200" rtl="0" eaLnBrk="1" latinLnBrk="0" hangingPunct="1">
       <a:defRPr sz="1800" kern="1200">
         <a:solidFill>
           <a:schemeClr val="tx1"/>
@@ -31,7 +30,7 @@
         <a:cs typeface="+mn-cs"/>
       </a:defRPr>
     </a:lvl1pPr>
-    <a:lvl2pPr marL="457200" algn="l" defTabSz="914400" rtl="0" eaLnBrk="1" latinLnBrk="0" hangingPunct="1">
+    <a:lvl2pPr marL="457200" algn="l" defTabSz="457200" rtl="0" eaLnBrk="1" latinLnBrk="0" hangingPunct="1">
       <a:defRPr sz="1800" kern="1200">
         <a:solidFill>
           <a:schemeClr val="tx1"/>
@@ -41,7 +40,7 @@
         <a:cs typeface="+mn-cs"/>
       </a:defRPr>
     </a:lvl2pPr>
-    <a:lvl3pPr marL="914400" algn="l" defTabSz="914400" rtl="0" eaLnBrk="1" latinLnBrk="0" hangingPunct="1">
+    <a:lvl3pPr marL="914400" algn="l" defTabSz="457200" rtl="0" eaLnBrk="1" latinLnBrk="0" hangingPunct="1">
       <a:defRPr sz="1800" kern="1200">
         <a:solidFill>
           <a:schemeClr val="tx1"/>
@@ -51,7 +50,7 @@
         <a:cs typeface="+mn-cs"/>
       </a:defRPr>
     </a:lvl3pPr>
-    <a:lvl4pPr marL="1371600" algn="l" defTabSz="914400" rtl="0" eaLnBrk="1" latinLnBrk="0" hangingPunct="1">
+    <a:lvl4pPr marL="1371600" algn="l" defTabSz="457200" rtl="0" eaLnBrk="1" latinLnBrk="0" hangingPunct="1">
       <a:defRPr sz="1800" kern="1200">
         <a:solidFill>
           <a:schemeClr val="tx1"/>
@@ -61,7 +60,7 @@
         <a:cs typeface="+mn-cs"/>
       </a:defRPr>
     </a:lvl4pPr>
-    <a:lvl5pPr marL="1828800" algn="l" defTabSz="914400" rtl="0" eaLnBrk="1" latinLnBrk="0" hangingPunct="1">
+    <a:lvl5pPr marL="1828800" algn="l" defTabSz="457200" rtl="0" eaLnBrk="1" latinLnBrk="0" hangingPunct="1">
       <a:defRPr sz="1800" kern="1200">
         <a:solidFill>
           <a:schemeClr val="tx1"/>
@@ -71,7 +70,7 @@
         <a:cs typeface="+mn-cs"/>
       </a:defRPr>
     </a:lvl5pPr>
-    <a:lvl6pPr marL="2286000" algn="l" defTabSz="914400" rtl="0" eaLnBrk="1" latinLnBrk="0" hangingPunct="1">
+    <a:lvl6pPr marL="2286000" algn="l" defTabSz="457200" rtl="0" eaLnBrk="1" latinLnBrk="0" hangingPunct="1">
       <a:defRPr sz="1800" kern="1200">
         <a:solidFill>
           <a:schemeClr val="tx1"/>
@@ -81,7 +80,7 @@
         <a:cs typeface="+mn-cs"/>
       </a:defRPr>
     </a:lvl6pPr>
-    <a:lvl7pPr marL="2743200" algn="l" defTabSz="914400" rtl="0" eaLnBrk="1" latinLnBrk="0" hangingPunct="1">
+    <a:lvl7pPr marL="2743200" algn="l" defTabSz="457200" rtl="0" eaLnBrk="1" latinLnBrk="0" hangingPunct="1">
       <a:defRPr sz="1800" kern="1200">
         <a:solidFill>
           <a:schemeClr val="tx1"/>
@@ -91,7 +90,7 @@
         <a:cs typeface="+mn-cs"/>
       </a:defRPr>
     </a:lvl7pPr>
-    <a:lvl8pPr marL="3200400" algn="l" defTabSz="914400" rtl="0" eaLnBrk="1" latinLnBrk="0" hangingPunct="1">
+    <a:lvl8pPr marL="3200400" algn="l" defTabSz="457200" rtl="0" eaLnBrk="1" latinLnBrk="0" hangingPunct="1">
       <a:defRPr sz="1800" kern="1200">
         <a:solidFill>
           <a:schemeClr val="tx1"/>
@@ -101,7 +100,7 @@
         <a:cs typeface="+mn-cs"/>
       </a:defRPr>
     </a:lvl8pPr>
-    <a:lvl9pPr marL="3657600" algn="l" defTabSz="914400" rtl="0" eaLnBrk="1" latinLnBrk="0" hangingPunct="1">
+    <a:lvl9pPr marL="3657600" algn="l" defTabSz="457200" rtl="0" eaLnBrk="1" latinLnBrk="0" hangingPunct="1">
       <a:defRPr sz="1800" kern="1200">
         <a:solidFill>
           <a:schemeClr val="tx1"/>
@@ -149,15 +148,15 @@
         </p:nvSpPr>
         <p:spPr>
           <a:xfrm>
-            <a:off x="1524000" y="1122363"/>
-            <a:ext cx="9144000" cy="2387600"/>
+            <a:off x="1154955" y="1447800"/>
+            <a:ext cx="8825658" cy="3329581"/>
           </a:xfrm>
         </p:spPr>
         <p:txBody>
           <a:bodyPr anchor="b"/>
           <a:lstStyle>
-            <a:lvl1pPr algn="ctr">
-              <a:defRPr sz="6000"/>
+            <a:lvl1pPr>
+              <a:defRPr sz="7200"/>
             </a:lvl1pPr>
           </a:lstStyle>
           <a:p>
@@ -165,7 +164,7 @@
               <a:rPr lang="en-US" smtClean="0"/>
               <a:t>Click to edit Master title style</a:t>
             </a:r>
-            <a:endParaRPr lang="en-IE"/>
+            <a:endParaRPr lang="en-US" dirty="0"/>
           </a:p>
         </p:txBody>
       </p:sp>
@@ -181,48 +180,103 @@
         </p:nvSpPr>
         <p:spPr>
           <a:xfrm>
-            <a:off x="1524000" y="3602038"/>
-            <a:ext cx="9144000" cy="1655762"/>
+            <a:off x="1154955" y="4777380"/>
+            <a:ext cx="8825658" cy="861420"/>
           </a:xfrm>
         </p:spPr>
         <p:txBody>
-          <a:bodyPr/>
+          <a:bodyPr anchor="t"/>
           <a:lstStyle>
-            <a:lvl1pPr marL="0" indent="0" algn="ctr">
-              <a:buNone/>
-              <a:defRPr sz="2400"/>
+            <a:lvl1pPr marL="0" indent="0" algn="l">
+              <a:buNone/>
+              <a:defRPr cap="all">
+                <a:solidFill>
+                  <a:schemeClr val="bg2">
+                    <a:lumMod val="40000"/>
+                    <a:lumOff val="60000"/>
+                  </a:schemeClr>
+                </a:solidFill>
+              </a:defRPr>
             </a:lvl1pPr>
             <a:lvl2pPr marL="457200" indent="0" algn="ctr">
               <a:buNone/>
-              <a:defRPr sz="2000"/>
+              <a:defRPr>
+                <a:solidFill>
+                  <a:schemeClr val="tx1">
+                    <a:tint val="75000"/>
+                  </a:schemeClr>
+                </a:solidFill>
+              </a:defRPr>
             </a:lvl2pPr>
             <a:lvl3pPr marL="914400" indent="0" algn="ctr">
               <a:buNone/>
-              <a:defRPr sz="1800"/>
+              <a:defRPr>
+                <a:solidFill>
+                  <a:schemeClr val="tx1">
+                    <a:tint val="75000"/>
+                  </a:schemeClr>
+                </a:solidFill>
+              </a:defRPr>
             </a:lvl3pPr>
             <a:lvl4pPr marL="1371600" indent="0" algn="ctr">
               <a:buNone/>
-              <a:defRPr sz="1600"/>
+              <a:defRPr>
+                <a:solidFill>
+                  <a:schemeClr val="tx1">
+                    <a:tint val="75000"/>
+                  </a:schemeClr>
+                </a:solidFill>
+              </a:defRPr>
             </a:lvl4pPr>
             <a:lvl5pPr marL="1828800" indent="0" algn="ctr">
               <a:buNone/>
-              <a:defRPr sz="1600"/>
+              <a:defRPr>
+                <a:solidFill>
+                  <a:schemeClr val="tx1">
+                    <a:tint val="75000"/>
+                  </a:schemeClr>
+                </a:solidFill>
+              </a:defRPr>
             </a:lvl5pPr>
             <a:lvl6pPr marL="2286000" indent="0" algn="ctr">
               <a:buNone/>
-              <a:defRPr sz="1600"/>
+              <a:defRPr>
+                <a:solidFill>
+                  <a:schemeClr val="tx1">
+                    <a:tint val="75000"/>
+                  </a:schemeClr>
+                </a:solidFill>
+              </a:defRPr>
             </a:lvl6pPr>
             <a:lvl7pPr marL="2743200" indent="0" algn="ctr">
               <a:buNone/>
-              <a:defRPr sz="1600"/>
+              <a:defRPr>
+                <a:solidFill>
+                  <a:schemeClr val="tx1">
+                    <a:tint val="75000"/>
+                  </a:schemeClr>
+                </a:solidFill>
+              </a:defRPr>
             </a:lvl7pPr>
             <a:lvl8pPr marL="3200400" indent="0" algn="ctr">
               <a:buNone/>
-              <a:defRPr sz="1600"/>
+              <a:defRPr>
+                <a:solidFill>
+                  <a:schemeClr val="tx1">
+                    <a:tint val="75000"/>
+                  </a:schemeClr>
+                </a:solidFill>
+              </a:defRPr>
             </a:lvl8pPr>
             <a:lvl9pPr marL="3657600" indent="0" algn="ctr">
               <a:buNone/>
-              <a:defRPr sz="1600"/>
+              <a:defRPr>
+                <a:solidFill>
+                  <a:schemeClr val="tx1">
+                    <a:tint val="75000"/>
+                  </a:schemeClr>
+                </a:solidFill>
+              </a:defRPr>
             </a:lvl9pPr>
           </a:lstStyle>
           <a:p>
@@ -230,7 +284,7 @@
               <a:rPr lang="en-US" smtClean="0"/>
               <a:t>Click to edit Master subtitle style</a:t>
             </a:r>
-            <a:endParaRPr lang="en-IE"/>
+            <a:endParaRPr lang="en-US" dirty="0"/>
           </a:p>
         </p:txBody>
       </p:sp>
@@ -251,7 +305,7 @@
           <a:p>
             <a:fld id="{54F6BBB5-41A2-428D-A1DC-B9962BD0CBCA}" type="datetimeFigureOut">
               <a:rPr lang="en-IE" smtClean="0"/>
-              <a:t>02/04/2019</a:t>
+              <a:t>04/04/2019</a:t>
             </a:fld>
             <a:endParaRPr lang="en-IE" dirty="0"/>
           </a:p>
@@ -302,7 +356,7 @@
     </p:spTree>
     <p:extLst>
       <p:ext uri="{BB962C8B-B14F-4D97-AF65-F5344CB8AC3E}">
-        <p14:creationId xmlns:p14="http://schemas.microsoft.com/office/powerpoint/2010/main" val="2494076877"/>
+        <p14:creationId xmlns:p14="http://schemas.microsoft.com/office/powerpoint/2010/main" val="1286259987"/>
       </p:ext>
     </p:extLst>
   </p:cSld>
@@ -313,6 +367,2572 @@
 </file>
 
 <file path=ppt/slideLayouts/slideLayout10.xml><?xml version="1.0" encoding="utf-8"?>
+<p:sldLayout xmlns:a="http://schemas.openxmlformats.org/drawingml/2006/main" xmlns:r="http://schemas.openxmlformats.org/officeDocument/2006/relationships" xmlns:p="http://schemas.openxmlformats.org/presentationml/2006/main" preserve="1">
+  <p:cSld name="Panoramic Picture with Caption">
+    <p:spTree>
+      <p:nvGrpSpPr>
+        <p:cNvPr id="1" name=""/>
+        <p:cNvGrpSpPr/>
+        <p:nvPr/>
+      </p:nvGrpSpPr>
+      <p:grpSpPr>
+        <a:xfrm>
+          <a:off x="0" y="0"/>
+          <a:ext cx="0" cy="0"/>
+          <a:chOff x="0" y="0"/>
+          <a:chExt cx="0" cy="0"/>
+        </a:xfrm>
+      </p:grpSpPr>
+      <p:sp>
+        <p:nvSpPr>
+          <p:cNvPr id="2" name="Title 1"/>
+          <p:cNvSpPr>
+            <a:spLocks noGrp="1"/>
+          </p:cNvSpPr>
+          <p:nvPr>
+            <p:ph type="title"/>
+          </p:nvPr>
+        </p:nvSpPr>
+        <p:spPr>
+          <a:xfrm>
+            <a:off x="1154956" y="4800587"/>
+            <a:ext cx="8825657" cy="566738"/>
+          </a:xfrm>
+        </p:spPr>
+        <p:txBody>
+          <a:bodyPr anchor="b">
+            <a:normAutofit/>
+          </a:bodyPr>
+          <a:lstStyle>
+            <a:lvl1pPr algn="l">
+              <a:defRPr sz="2400" b="0"/>
+            </a:lvl1pPr>
+          </a:lstStyle>
+          <a:p>
+            <a:r>
+              <a:rPr lang="en-US" smtClean="0"/>
+              <a:t>Click to edit Master title style</a:t>
+            </a:r>
+            <a:endParaRPr lang="en-US" dirty="0"/>
+          </a:p>
+        </p:txBody>
+      </p:sp>
+      <p:sp>
+        <p:nvSpPr>
+          <p:cNvPr id="3" name="Picture Placeholder 2"/>
+          <p:cNvSpPr>
+            <a:spLocks noGrp="1" noChangeAspect="1"/>
+          </p:cNvSpPr>
+          <p:nvPr>
+            <p:ph type="pic" idx="1"/>
+          </p:nvPr>
+        </p:nvSpPr>
+        <p:spPr>
+          <a:xfrm>
+            <a:off x="1154955" y="685800"/>
+            <a:ext cx="8825658" cy="3640666"/>
+          </a:xfrm>
+          <a:prstGeom prst="roundRect">
+            <a:avLst>
+              <a:gd name="adj" fmla="val 1858"/>
+            </a:avLst>
+          </a:prstGeom>
+          <a:effectLst>
+            <a:outerShdw blurRad="50800" dist="50800" dir="5400000" algn="tl" rotWithShape="0">
+              <a:srgbClr val="000000">
+                <a:alpha val="43000"/>
+              </a:srgbClr>
+            </a:outerShdw>
+          </a:effectLst>
+        </p:spPr>
+        <p:txBody>
+          <a:bodyPr anchor="t">
+            <a:normAutofit/>
+          </a:bodyPr>
+          <a:lstStyle>
+            <a:lvl1pPr marL="0" indent="0" algn="ctr">
+              <a:buNone/>
+              <a:defRPr sz="1600"/>
+            </a:lvl1pPr>
+            <a:lvl2pPr marL="457200" indent="0">
+              <a:buNone/>
+              <a:defRPr sz="1600"/>
+            </a:lvl2pPr>
+            <a:lvl3pPr marL="914400" indent="0">
+              <a:buNone/>
+              <a:defRPr sz="1600"/>
+            </a:lvl3pPr>
+            <a:lvl4pPr marL="1371600" indent="0">
+              <a:buNone/>
+              <a:defRPr sz="1600"/>
+            </a:lvl4pPr>
+            <a:lvl5pPr marL="1828800" indent="0">
+              <a:buNone/>
+              <a:defRPr sz="1600"/>
+            </a:lvl5pPr>
+            <a:lvl6pPr marL="2286000" indent="0">
+              <a:buNone/>
+              <a:defRPr sz="1600"/>
+            </a:lvl6pPr>
+            <a:lvl7pPr marL="2743200" indent="0">
+              <a:buNone/>
+              <a:defRPr sz="1600"/>
+            </a:lvl7pPr>
+            <a:lvl8pPr marL="3200400" indent="0">
+              <a:buNone/>
+              <a:defRPr sz="1600"/>
+            </a:lvl8pPr>
+            <a:lvl9pPr marL="3657600" indent="0">
+              <a:buNone/>
+              <a:defRPr sz="1600"/>
+            </a:lvl9pPr>
+          </a:lstStyle>
+          <a:p>
+            <a:r>
+              <a:rPr lang="en-US" smtClean="0"/>
+              <a:t>Click icon to add picture</a:t>
+            </a:r>
+            <a:endParaRPr lang="en-US" dirty="0"/>
+          </a:p>
+        </p:txBody>
+      </p:sp>
+      <p:sp>
+        <p:nvSpPr>
+          <p:cNvPr id="4" name="Text Placeholder 3"/>
+          <p:cNvSpPr>
+            <a:spLocks noGrp="1"/>
+          </p:cNvSpPr>
+          <p:nvPr>
+            <p:ph type="body" sz="half" idx="2"/>
+          </p:nvPr>
+        </p:nvSpPr>
+        <p:spPr>
+          <a:xfrm>
+            <a:off x="1154956" y="5367325"/>
+            <a:ext cx="8825656" cy="493712"/>
+          </a:xfrm>
+        </p:spPr>
+        <p:txBody>
+          <a:bodyPr>
+            <a:normAutofit/>
+          </a:bodyPr>
+          <a:lstStyle>
+            <a:lvl1pPr marL="0" indent="0">
+              <a:buNone/>
+              <a:defRPr sz="1200"/>
+            </a:lvl1pPr>
+            <a:lvl2pPr marL="457200" indent="0">
+              <a:buNone/>
+              <a:defRPr sz="1200"/>
+            </a:lvl2pPr>
+            <a:lvl3pPr marL="914400" indent="0">
+              <a:buNone/>
+              <a:defRPr sz="1000"/>
+            </a:lvl3pPr>
+            <a:lvl4pPr marL="1371600" indent="0">
+              <a:buNone/>
+              <a:defRPr sz="900"/>
+            </a:lvl4pPr>
+            <a:lvl5pPr marL="1828800" indent="0">
+              <a:buNone/>
+              <a:defRPr sz="900"/>
+            </a:lvl5pPr>
+            <a:lvl6pPr marL="2286000" indent="0">
+              <a:buNone/>
+              <a:defRPr sz="900"/>
+            </a:lvl6pPr>
+            <a:lvl7pPr marL="2743200" indent="0">
+              <a:buNone/>
+              <a:defRPr sz="900"/>
+            </a:lvl7pPr>
+            <a:lvl8pPr marL="3200400" indent="0">
+              <a:buNone/>
+              <a:defRPr sz="900"/>
+            </a:lvl8pPr>
+            <a:lvl9pPr marL="3657600" indent="0">
+              <a:buNone/>
+              <a:defRPr sz="900"/>
+            </a:lvl9pPr>
+          </a:lstStyle>
+          <a:p>
+            <a:pPr lvl="0"/>
+            <a:r>
+              <a:rPr lang="en-US" smtClean="0"/>
+              <a:t>Edit Master text styles</a:t>
+            </a:r>
+          </a:p>
+        </p:txBody>
+      </p:sp>
+      <p:sp>
+        <p:nvSpPr>
+          <p:cNvPr id="5" name="Date Placeholder 4"/>
+          <p:cNvSpPr>
+            <a:spLocks noGrp="1"/>
+          </p:cNvSpPr>
+          <p:nvPr>
+            <p:ph type="dt" sz="half" idx="10"/>
+          </p:nvPr>
+        </p:nvSpPr>
+        <p:spPr/>
+        <p:txBody>
+          <a:bodyPr/>
+          <a:lstStyle/>
+          <a:p>
+            <a:fld id="{54F6BBB5-41A2-428D-A1DC-B9962BD0CBCA}" type="datetimeFigureOut">
+              <a:rPr lang="en-IE" smtClean="0"/>
+              <a:t>04/04/2019</a:t>
+            </a:fld>
+            <a:endParaRPr lang="en-IE" dirty="0"/>
+          </a:p>
+        </p:txBody>
+      </p:sp>
+      <p:sp>
+        <p:nvSpPr>
+          <p:cNvPr id="6" name="Footer Placeholder 5"/>
+          <p:cNvSpPr>
+            <a:spLocks noGrp="1"/>
+          </p:cNvSpPr>
+          <p:nvPr>
+            <p:ph type="ftr" sz="quarter" idx="11"/>
+          </p:nvPr>
+        </p:nvSpPr>
+        <p:spPr/>
+        <p:txBody>
+          <a:bodyPr/>
+          <a:lstStyle/>
+          <a:p>
+            <a:endParaRPr lang="en-IE" dirty="0"/>
+          </a:p>
+        </p:txBody>
+      </p:sp>
+      <p:sp>
+        <p:nvSpPr>
+          <p:cNvPr id="7" name="Slide Number Placeholder 6"/>
+          <p:cNvSpPr>
+            <a:spLocks noGrp="1"/>
+          </p:cNvSpPr>
+          <p:nvPr>
+            <p:ph type="sldNum" sz="quarter" idx="12"/>
+          </p:nvPr>
+        </p:nvSpPr>
+        <p:spPr/>
+        <p:txBody>
+          <a:bodyPr/>
+          <a:lstStyle/>
+          <a:p>
+            <a:fld id="{468A7714-5758-42D2-95CC-E45B8F8FAA69}" type="slidenum">
+              <a:rPr lang="en-IE" smtClean="0"/>
+              <a:t>‹#›</a:t>
+            </a:fld>
+            <a:endParaRPr lang="en-IE" dirty="0"/>
+          </a:p>
+        </p:txBody>
+      </p:sp>
+    </p:spTree>
+    <p:extLst>
+      <p:ext uri="{BB962C8B-B14F-4D97-AF65-F5344CB8AC3E}">
+        <p14:creationId xmlns:p14="http://schemas.microsoft.com/office/powerpoint/2010/main" val="416865753"/>
+      </p:ext>
+    </p:extLst>
+  </p:cSld>
+  <p:clrMapOvr>
+    <a:masterClrMapping/>
+  </p:clrMapOvr>
+</p:sldLayout>
+</file>
+
+<file path=ppt/slideLayouts/slideLayout11.xml><?xml version="1.0" encoding="utf-8"?>
+<p:sldLayout xmlns:a="http://schemas.openxmlformats.org/drawingml/2006/main" xmlns:r="http://schemas.openxmlformats.org/officeDocument/2006/relationships" xmlns:p="http://schemas.openxmlformats.org/presentationml/2006/main" preserve="1">
+  <p:cSld name="Title and Caption">
+    <p:spTree>
+      <p:nvGrpSpPr>
+        <p:cNvPr id="1" name=""/>
+        <p:cNvGrpSpPr/>
+        <p:nvPr/>
+      </p:nvGrpSpPr>
+      <p:grpSpPr>
+        <a:xfrm>
+          <a:off x="0" y="0"/>
+          <a:ext cx="0" cy="0"/>
+          <a:chOff x="0" y="0"/>
+          <a:chExt cx="0" cy="0"/>
+        </a:xfrm>
+      </p:grpSpPr>
+      <p:sp>
+        <p:nvSpPr>
+          <p:cNvPr id="2" name="Title 1"/>
+          <p:cNvSpPr>
+            <a:spLocks noGrp="1"/>
+          </p:cNvSpPr>
+          <p:nvPr>
+            <p:ph type="title"/>
+          </p:nvPr>
+        </p:nvSpPr>
+        <p:spPr>
+          <a:xfrm>
+            <a:off x="1154954" y="1447800"/>
+            <a:ext cx="8825659" cy="1981200"/>
+          </a:xfrm>
+        </p:spPr>
+        <p:txBody>
+          <a:bodyPr/>
+          <a:lstStyle>
+            <a:lvl1pPr>
+              <a:defRPr sz="4800"/>
+            </a:lvl1pPr>
+          </a:lstStyle>
+          <a:p>
+            <a:r>
+              <a:rPr lang="en-US" smtClean="0"/>
+              <a:t>Click to edit Master title style</a:t>
+            </a:r>
+            <a:endParaRPr lang="en-US" dirty="0"/>
+          </a:p>
+        </p:txBody>
+      </p:sp>
+      <p:sp>
+        <p:nvSpPr>
+          <p:cNvPr id="8" name="Text Placeholder 3"/>
+          <p:cNvSpPr>
+            <a:spLocks noGrp="1"/>
+          </p:cNvSpPr>
+          <p:nvPr>
+            <p:ph type="body" sz="half" idx="2"/>
+          </p:nvPr>
+        </p:nvSpPr>
+        <p:spPr>
+          <a:xfrm>
+            <a:off x="1154954" y="3657600"/>
+            <a:ext cx="8825659" cy="2362200"/>
+          </a:xfrm>
+        </p:spPr>
+        <p:txBody>
+          <a:bodyPr anchor="ctr">
+            <a:normAutofit/>
+          </a:bodyPr>
+          <a:lstStyle>
+            <a:lvl1pPr marL="0" indent="0">
+              <a:buNone/>
+              <a:defRPr sz="1800"/>
+            </a:lvl1pPr>
+            <a:lvl2pPr marL="457200" indent="0">
+              <a:buNone/>
+              <a:defRPr sz="1200"/>
+            </a:lvl2pPr>
+            <a:lvl3pPr marL="914400" indent="0">
+              <a:buNone/>
+              <a:defRPr sz="1000"/>
+            </a:lvl3pPr>
+            <a:lvl4pPr marL="1371600" indent="0">
+              <a:buNone/>
+              <a:defRPr sz="900"/>
+            </a:lvl4pPr>
+            <a:lvl5pPr marL="1828800" indent="0">
+              <a:buNone/>
+              <a:defRPr sz="900"/>
+            </a:lvl5pPr>
+            <a:lvl6pPr marL="2286000" indent="0">
+              <a:buNone/>
+              <a:defRPr sz="900"/>
+            </a:lvl6pPr>
+            <a:lvl7pPr marL="2743200" indent="0">
+              <a:buNone/>
+              <a:defRPr sz="900"/>
+            </a:lvl7pPr>
+            <a:lvl8pPr marL="3200400" indent="0">
+              <a:buNone/>
+              <a:defRPr sz="900"/>
+            </a:lvl8pPr>
+            <a:lvl9pPr marL="3657600" indent="0">
+              <a:buNone/>
+              <a:defRPr sz="900"/>
+            </a:lvl9pPr>
+          </a:lstStyle>
+          <a:p>
+            <a:pPr lvl="0"/>
+            <a:r>
+              <a:rPr lang="en-US" smtClean="0"/>
+              <a:t>Edit Master text styles</a:t>
+            </a:r>
+          </a:p>
+        </p:txBody>
+      </p:sp>
+      <p:sp>
+        <p:nvSpPr>
+          <p:cNvPr id="4" name="Date Placeholder 3"/>
+          <p:cNvSpPr>
+            <a:spLocks noGrp="1"/>
+          </p:cNvSpPr>
+          <p:nvPr>
+            <p:ph type="dt" sz="half" idx="10"/>
+          </p:nvPr>
+        </p:nvSpPr>
+        <p:spPr/>
+        <p:txBody>
+          <a:bodyPr/>
+          <a:lstStyle/>
+          <a:p>
+            <a:fld id="{54F6BBB5-41A2-428D-A1DC-B9962BD0CBCA}" type="datetimeFigureOut">
+              <a:rPr lang="en-IE" smtClean="0"/>
+              <a:t>04/04/2019</a:t>
+            </a:fld>
+            <a:endParaRPr lang="en-IE" dirty="0"/>
+          </a:p>
+        </p:txBody>
+      </p:sp>
+      <p:sp>
+        <p:nvSpPr>
+          <p:cNvPr id="5" name="Footer Placeholder 4"/>
+          <p:cNvSpPr>
+            <a:spLocks noGrp="1"/>
+          </p:cNvSpPr>
+          <p:nvPr>
+            <p:ph type="ftr" sz="quarter" idx="11"/>
+          </p:nvPr>
+        </p:nvSpPr>
+        <p:spPr/>
+        <p:txBody>
+          <a:bodyPr/>
+          <a:lstStyle/>
+          <a:p>
+            <a:endParaRPr lang="en-IE" dirty="0"/>
+          </a:p>
+        </p:txBody>
+      </p:sp>
+      <p:sp>
+        <p:nvSpPr>
+          <p:cNvPr id="6" name="Slide Number Placeholder 5"/>
+          <p:cNvSpPr>
+            <a:spLocks noGrp="1"/>
+          </p:cNvSpPr>
+          <p:nvPr>
+            <p:ph type="sldNum" sz="quarter" idx="12"/>
+          </p:nvPr>
+        </p:nvSpPr>
+        <p:spPr/>
+        <p:txBody>
+          <a:bodyPr/>
+          <a:lstStyle/>
+          <a:p>
+            <a:fld id="{468A7714-5758-42D2-95CC-E45B8F8FAA69}" type="slidenum">
+              <a:rPr lang="en-IE" smtClean="0"/>
+              <a:t>‹#›</a:t>
+            </a:fld>
+            <a:endParaRPr lang="en-IE" dirty="0"/>
+          </a:p>
+        </p:txBody>
+      </p:sp>
+    </p:spTree>
+    <p:extLst>
+      <p:ext uri="{BB962C8B-B14F-4D97-AF65-F5344CB8AC3E}">
+        <p14:creationId xmlns:p14="http://schemas.microsoft.com/office/powerpoint/2010/main" val="1658715888"/>
+      </p:ext>
+    </p:extLst>
+  </p:cSld>
+  <p:clrMapOvr>
+    <a:masterClrMapping/>
+  </p:clrMapOvr>
+</p:sldLayout>
+</file>
+
+<file path=ppt/slideLayouts/slideLayout12.xml><?xml version="1.0" encoding="utf-8"?>
+<p:sldLayout xmlns:a="http://schemas.openxmlformats.org/drawingml/2006/main" xmlns:r="http://schemas.openxmlformats.org/officeDocument/2006/relationships" xmlns:p="http://schemas.openxmlformats.org/presentationml/2006/main" preserve="1">
+  <p:cSld name="Quote with Caption">
+    <p:spTree>
+      <p:nvGrpSpPr>
+        <p:cNvPr id="1" name=""/>
+        <p:cNvGrpSpPr/>
+        <p:nvPr/>
+      </p:nvGrpSpPr>
+      <p:grpSpPr>
+        <a:xfrm>
+          <a:off x="0" y="0"/>
+          <a:ext cx="0" cy="0"/>
+          <a:chOff x="0" y="0"/>
+          <a:chExt cx="0" cy="0"/>
+        </a:xfrm>
+      </p:grpSpPr>
+      <p:sp>
+        <p:nvSpPr>
+          <p:cNvPr id="2" name="Title 1"/>
+          <p:cNvSpPr>
+            <a:spLocks noGrp="1"/>
+          </p:cNvSpPr>
+          <p:nvPr>
+            <p:ph type="title"/>
+          </p:nvPr>
+        </p:nvSpPr>
+        <p:spPr>
+          <a:xfrm>
+            <a:off x="1574801" y="1447800"/>
+            <a:ext cx="7999315" cy="2323374"/>
+          </a:xfrm>
+        </p:spPr>
+        <p:txBody>
+          <a:bodyPr/>
+          <a:lstStyle>
+            <a:lvl1pPr>
+              <a:defRPr sz="4800"/>
+            </a:lvl1pPr>
+          </a:lstStyle>
+          <a:p>
+            <a:r>
+              <a:rPr lang="en-US" smtClean="0"/>
+              <a:t>Click to edit Master title style</a:t>
+            </a:r>
+            <a:endParaRPr lang="en-US" dirty="0"/>
+          </a:p>
+        </p:txBody>
+      </p:sp>
+      <p:sp>
+        <p:nvSpPr>
+          <p:cNvPr id="11" name="Text Placeholder 3"/>
+          <p:cNvSpPr>
+            <a:spLocks noGrp="1"/>
+          </p:cNvSpPr>
+          <p:nvPr>
+            <p:ph type="body" sz="half" idx="14"/>
+          </p:nvPr>
+        </p:nvSpPr>
+        <p:spPr>
+          <a:xfrm>
+            <a:off x="1930400" y="3771174"/>
+            <a:ext cx="7279649" cy="342174"/>
+          </a:xfrm>
+        </p:spPr>
+        <p:txBody>
+          <a:bodyPr vert="horz" lIns="91440" tIns="45720" rIns="91440" bIns="45720" rtlCol="0" anchor="t">
+            <a:normAutofit/>
+          </a:bodyPr>
+          <a:lstStyle>
+            <a:lvl1pPr marL="0" indent="0">
+              <a:buNone/>
+              <a:defRPr lang="en-US" sz="1400" b="0" i="0" kern="1200" cap="small" dirty="0">
+                <a:solidFill>
+                  <a:schemeClr val="bg2">
+                    <a:lumMod val="40000"/>
+                    <a:lumOff val="60000"/>
+                  </a:schemeClr>
+                </a:solidFill>
+                <a:latin typeface="+mj-lt"/>
+                <a:ea typeface="+mj-ea"/>
+                <a:cs typeface="+mj-cs"/>
+              </a:defRPr>
+            </a:lvl1pPr>
+            <a:lvl2pPr marL="457200" indent="0">
+              <a:buNone/>
+              <a:defRPr sz="1200"/>
+            </a:lvl2pPr>
+            <a:lvl3pPr marL="914400" indent="0">
+              <a:buNone/>
+              <a:defRPr sz="1000"/>
+            </a:lvl3pPr>
+            <a:lvl4pPr marL="1371600" indent="0">
+              <a:buNone/>
+              <a:defRPr sz="900"/>
+            </a:lvl4pPr>
+            <a:lvl5pPr marL="1828800" indent="0">
+              <a:buNone/>
+              <a:defRPr sz="900"/>
+            </a:lvl5pPr>
+            <a:lvl6pPr marL="2286000" indent="0">
+              <a:buNone/>
+              <a:defRPr sz="900"/>
+            </a:lvl6pPr>
+            <a:lvl7pPr marL="2743200" indent="0">
+              <a:buNone/>
+              <a:defRPr sz="900"/>
+            </a:lvl7pPr>
+            <a:lvl8pPr marL="3200400" indent="0">
+              <a:buNone/>
+              <a:defRPr sz="900"/>
+            </a:lvl8pPr>
+            <a:lvl9pPr marL="3657600" indent="0">
+              <a:buNone/>
+              <a:defRPr sz="900"/>
+            </a:lvl9pPr>
+          </a:lstStyle>
+          <a:p>
+            <a:pPr marL="0" lvl="0" indent="0">
+              <a:buNone/>
+            </a:pPr>
+            <a:r>
+              <a:rPr lang="en-US" smtClean="0"/>
+              <a:t>Edit Master text styles</a:t>
+            </a:r>
+          </a:p>
+        </p:txBody>
+      </p:sp>
+      <p:sp>
+        <p:nvSpPr>
+          <p:cNvPr id="10" name="Text Placeholder 3"/>
+          <p:cNvSpPr>
+            <a:spLocks noGrp="1"/>
+          </p:cNvSpPr>
+          <p:nvPr>
+            <p:ph type="body" sz="half" idx="2"/>
+          </p:nvPr>
+        </p:nvSpPr>
+        <p:spPr>
+          <a:xfrm>
+            <a:off x="1154954" y="4350657"/>
+            <a:ext cx="8825659" cy="1676400"/>
+          </a:xfrm>
+        </p:spPr>
+        <p:txBody>
+          <a:bodyPr anchor="ctr">
+            <a:normAutofit/>
+          </a:bodyPr>
+          <a:lstStyle>
+            <a:lvl1pPr marL="0" indent="0">
+              <a:buNone/>
+              <a:defRPr sz="1800"/>
+            </a:lvl1pPr>
+            <a:lvl2pPr marL="457200" indent="0">
+              <a:buNone/>
+              <a:defRPr sz="1200"/>
+            </a:lvl2pPr>
+            <a:lvl3pPr marL="914400" indent="0">
+              <a:buNone/>
+              <a:defRPr sz="1000"/>
+            </a:lvl3pPr>
+            <a:lvl4pPr marL="1371600" indent="0">
+              <a:buNone/>
+              <a:defRPr sz="900"/>
+            </a:lvl4pPr>
+            <a:lvl5pPr marL="1828800" indent="0">
+              <a:buNone/>
+              <a:defRPr sz="900"/>
+            </a:lvl5pPr>
+            <a:lvl6pPr marL="2286000" indent="0">
+              <a:buNone/>
+              <a:defRPr sz="900"/>
+            </a:lvl6pPr>
+            <a:lvl7pPr marL="2743200" indent="0">
+              <a:buNone/>
+              <a:defRPr sz="900"/>
+            </a:lvl7pPr>
+            <a:lvl8pPr marL="3200400" indent="0">
+              <a:buNone/>
+              <a:defRPr sz="900"/>
+            </a:lvl8pPr>
+            <a:lvl9pPr marL="3657600" indent="0">
+              <a:buNone/>
+              <a:defRPr sz="900"/>
+            </a:lvl9pPr>
+          </a:lstStyle>
+          <a:p>
+            <a:pPr lvl="0"/>
+            <a:r>
+              <a:rPr lang="en-US" smtClean="0"/>
+              <a:t>Edit Master text styles</a:t>
+            </a:r>
+          </a:p>
+        </p:txBody>
+      </p:sp>
+      <p:sp>
+        <p:nvSpPr>
+          <p:cNvPr id="4" name="Date Placeholder 3"/>
+          <p:cNvSpPr>
+            <a:spLocks noGrp="1"/>
+          </p:cNvSpPr>
+          <p:nvPr>
+            <p:ph type="dt" sz="half" idx="10"/>
+          </p:nvPr>
+        </p:nvSpPr>
+        <p:spPr/>
+        <p:txBody>
+          <a:bodyPr/>
+          <a:lstStyle/>
+          <a:p>
+            <a:fld id="{54F6BBB5-41A2-428D-A1DC-B9962BD0CBCA}" type="datetimeFigureOut">
+              <a:rPr lang="en-IE" smtClean="0"/>
+              <a:t>04/04/2019</a:t>
+            </a:fld>
+            <a:endParaRPr lang="en-IE" dirty="0"/>
+          </a:p>
+        </p:txBody>
+      </p:sp>
+      <p:sp>
+        <p:nvSpPr>
+          <p:cNvPr id="5" name="Footer Placeholder 4"/>
+          <p:cNvSpPr>
+            <a:spLocks noGrp="1"/>
+          </p:cNvSpPr>
+          <p:nvPr>
+            <p:ph type="ftr" sz="quarter" idx="11"/>
+          </p:nvPr>
+        </p:nvSpPr>
+        <p:spPr/>
+        <p:txBody>
+          <a:bodyPr/>
+          <a:lstStyle/>
+          <a:p>
+            <a:endParaRPr lang="en-IE" dirty="0"/>
+          </a:p>
+        </p:txBody>
+      </p:sp>
+      <p:sp>
+        <p:nvSpPr>
+          <p:cNvPr id="6" name="Slide Number Placeholder 5"/>
+          <p:cNvSpPr>
+            <a:spLocks noGrp="1"/>
+          </p:cNvSpPr>
+          <p:nvPr>
+            <p:ph type="sldNum" sz="quarter" idx="12"/>
+          </p:nvPr>
+        </p:nvSpPr>
+        <p:spPr/>
+        <p:txBody>
+          <a:bodyPr/>
+          <a:lstStyle/>
+          <a:p>
+            <a:fld id="{468A7714-5758-42D2-95CC-E45B8F8FAA69}" type="slidenum">
+              <a:rPr lang="en-IE" smtClean="0"/>
+              <a:t>‹#›</a:t>
+            </a:fld>
+            <a:endParaRPr lang="en-IE" dirty="0"/>
+          </a:p>
+        </p:txBody>
+      </p:sp>
+      <p:sp>
+        <p:nvSpPr>
+          <p:cNvPr id="12" name="TextBox 11"/>
+          <p:cNvSpPr txBox="1"/>
+          <p:nvPr/>
+        </p:nvSpPr>
+        <p:spPr>
+          <a:xfrm>
+            <a:off x="898295" y="971253"/>
+            <a:ext cx="801912" cy="1969770"/>
+          </a:xfrm>
+          <a:prstGeom prst="rect">
+            <a:avLst/>
+          </a:prstGeom>
+          <a:noFill/>
+        </p:spPr>
+        <p:txBody>
+          <a:bodyPr wrap="square" rtlCol="0">
+            <a:spAutoFit/>
+          </a:bodyPr>
+          <a:lstStyle>
+            <a:defPPr>
+              <a:defRPr lang="en-US"/>
+            </a:defPPr>
+            <a:lvl1pPr algn="r">
+              <a:defRPr sz="12200" b="0" i="0">
+                <a:solidFill>
+                  <a:schemeClr val="bg2">
+                    <a:lumMod val="40000"/>
+                    <a:lumOff val="60000"/>
+                  </a:schemeClr>
+                </a:solidFill>
+                <a:latin typeface="Arial"/>
+                <a:ea typeface="+mj-ea"/>
+                <a:cs typeface="+mj-cs"/>
+              </a:defRPr>
+            </a:lvl1pPr>
+          </a:lstStyle>
+          <a:p>
+            <a:pPr lvl="0"/>
+            <a:r>
+              <a:rPr lang="en-US" dirty="0"/>
+              <a:t>“</a:t>
+            </a:r>
+          </a:p>
+        </p:txBody>
+      </p:sp>
+      <p:sp>
+        <p:nvSpPr>
+          <p:cNvPr id="15" name="TextBox 14"/>
+          <p:cNvSpPr txBox="1"/>
+          <p:nvPr/>
+        </p:nvSpPr>
+        <p:spPr>
+          <a:xfrm>
+            <a:off x="9330490" y="2613787"/>
+            <a:ext cx="801912" cy="1969770"/>
+          </a:xfrm>
+          <a:prstGeom prst="rect">
+            <a:avLst/>
+          </a:prstGeom>
+          <a:noFill/>
+        </p:spPr>
+        <p:txBody>
+          <a:bodyPr wrap="square" rtlCol="0">
+            <a:spAutoFit/>
+          </a:bodyPr>
+          <a:lstStyle>
+            <a:defPPr>
+              <a:defRPr lang="en-US"/>
+            </a:defPPr>
+            <a:lvl1pPr algn="r">
+              <a:defRPr sz="12200" b="0" i="0">
+                <a:solidFill>
+                  <a:schemeClr val="bg2">
+                    <a:lumMod val="40000"/>
+                    <a:lumOff val="60000"/>
+                  </a:schemeClr>
+                </a:solidFill>
+                <a:latin typeface="Arial"/>
+                <a:ea typeface="+mj-ea"/>
+                <a:cs typeface="+mj-cs"/>
+              </a:defRPr>
+            </a:lvl1pPr>
+          </a:lstStyle>
+          <a:p>
+            <a:pPr lvl="0"/>
+            <a:r>
+              <a:rPr lang="en-US" dirty="0"/>
+              <a:t>”</a:t>
+            </a:r>
+          </a:p>
+        </p:txBody>
+      </p:sp>
+    </p:spTree>
+    <p:extLst>
+      <p:ext uri="{BB962C8B-B14F-4D97-AF65-F5344CB8AC3E}">
+        <p14:creationId xmlns:p14="http://schemas.microsoft.com/office/powerpoint/2010/main" val="1340135509"/>
+      </p:ext>
+    </p:extLst>
+  </p:cSld>
+  <p:clrMapOvr>
+    <a:masterClrMapping/>
+  </p:clrMapOvr>
+</p:sldLayout>
+</file>
+
+<file path=ppt/slideLayouts/slideLayout13.xml><?xml version="1.0" encoding="utf-8"?>
+<p:sldLayout xmlns:a="http://schemas.openxmlformats.org/drawingml/2006/main" xmlns:r="http://schemas.openxmlformats.org/officeDocument/2006/relationships" xmlns:p="http://schemas.openxmlformats.org/presentationml/2006/main" preserve="1">
+  <p:cSld name="Name Card">
+    <p:spTree>
+      <p:nvGrpSpPr>
+        <p:cNvPr id="1" name=""/>
+        <p:cNvGrpSpPr/>
+        <p:nvPr/>
+      </p:nvGrpSpPr>
+      <p:grpSpPr>
+        <a:xfrm>
+          <a:off x="0" y="0"/>
+          <a:ext cx="0" cy="0"/>
+          <a:chOff x="0" y="0"/>
+          <a:chExt cx="0" cy="0"/>
+        </a:xfrm>
+      </p:grpSpPr>
+      <p:sp>
+        <p:nvSpPr>
+          <p:cNvPr id="2" name="Title 1"/>
+          <p:cNvSpPr>
+            <a:spLocks noGrp="1"/>
+          </p:cNvSpPr>
+          <p:nvPr>
+            <p:ph type="title"/>
+          </p:nvPr>
+        </p:nvSpPr>
+        <p:spPr>
+          <a:xfrm>
+            <a:off x="1154954" y="3124201"/>
+            <a:ext cx="8825660" cy="1653180"/>
+          </a:xfrm>
+        </p:spPr>
+        <p:txBody>
+          <a:bodyPr anchor="b"/>
+          <a:lstStyle>
+            <a:lvl1pPr algn="l">
+              <a:defRPr sz="4000" b="0" cap="none"/>
+            </a:lvl1pPr>
+          </a:lstStyle>
+          <a:p>
+            <a:r>
+              <a:rPr lang="en-US" smtClean="0"/>
+              <a:t>Click to edit Master title style</a:t>
+            </a:r>
+            <a:endParaRPr lang="en-US" dirty="0"/>
+          </a:p>
+        </p:txBody>
+      </p:sp>
+      <p:sp>
+        <p:nvSpPr>
+          <p:cNvPr id="3" name="Text Placeholder 2"/>
+          <p:cNvSpPr>
+            <a:spLocks noGrp="1"/>
+          </p:cNvSpPr>
+          <p:nvPr>
+            <p:ph type="body" idx="1"/>
+          </p:nvPr>
+        </p:nvSpPr>
+        <p:spPr>
+          <a:xfrm>
+            <a:off x="1154954" y="4777381"/>
+            <a:ext cx="8825659" cy="860400"/>
+          </a:xfrm>
+        </p:spPr>
+        <p:txBody>
+          <a:bodyPr anchor="t"/>
+          <a:lstStyle>
+            <a:lvl1pPr marL="0" indent="0" algn="l">
+              <a:buNone/>
+              <a:defRPr sz="2000" cap="none">
+                <a:solidFill>
+                  <a:schemeClr val="bg2">
+                    <a:lumMod val="40000"/>
+                    <a:lumOff val="60000"/>
+                  </a:schemeClr>
+                </a:solidFill>
+              </a:defRPr>
+            </a:lvl1pPr>
+            <a:lvl2pPr marL="457200" indent="0">
+              <a:buNone/>
+              <a:defRPr sz="1800">
+                <a:solidFill>
+                  <a:schemeClr val="tx1">
+                    <a:tint val="75000"/>
+                  </a:schemeClr>
+                </a:solidFill>
+              </a:defRPr>
+            </a:lvl2pPr>
+            <a:lvl3pPr marL="914400" indent="0">
+              <a:buNone/>
+              <a:defRPr sz="1600">
+                <a:solidFill>
+                  <a:schemeClr val="tx1">
+                    <a:tint val="75000"/>
+                  </a:schemeClr>
+                </a:solidFill>
+              </a:defRPr>
+            </a:lvl3pPr>
+            <a:lvl4pPr marL="1371600" indent="0">
+              <a:buNone/>
+              <a:defRPr sz="1400">
+                <a:solidFill>
+                  <a:schemeClr val="tx1">
+                    <a:tint val="75000"/>
+                  </a:schemeClr>
+                </a:solidFill>
+              </a:defRPr>
+            </a:lvl4pPr>
+            <a:lvl5pPr marL="1828800" indent="0">
+              <a:buNone/>
+              <a:defRPr sz="1400">
+                <a:solidFill>
+                  <a:schemeClr val="tx1">
+                    <a:tint val="75000"/>
+                  </a:schemeClr>
+                </a:solidFill>
+              </a:defRPr>
+            </a:lvl5pPr>
+            <a:lvl6pPr marL="2286000" indent="0">
+              <a:buNone/>
+              <a:defRPr sz="1400">
+                <a:solidFill>
+                  <a:schemeClr val="tx1">
+                    <a:tint val="75000"/>
+                  </a:schemeClr>
+                </a:solidFill>
+              </a:defRPr>
+            </a:lvl6pPr>
+            <a:lvl7pPr marL="2743200" indent="0">
+              <a:buNone/>
+              <a:defRPr sz="1400">
+                <a:solidFill>
+                  <a:schemeClr val="tx1">
+                    <a:tint val="75000"/>
+                  </a:schemeClr>
+                </a:solidFill>
+              </a:defRPr>
+            </a:lvl7pPr>
+            <a:lvl8pPr marL="3200400" indent="0">
+              <a:buNone/>
+              <a:defRPr sz="1400">
+                <a:solidFill>
+                  <a:schemeClr val="tx1">
+                    <a:tint val="75000"/>
+                  </a:schemeClr>
+                </a:solidFill>
+              </a:defRPr>
+            </a:lvl8pPr>
+            <a:lvl9pPr marL="3657600" indent="0">
+              <a:buNone/>
+              <a:defRPr sz="1400">
+                <a:solidFill>
+                  <a:schemeClr val="tx1">
+                    <a:tint val="75000"/>
+                  </a:schemeClr>
+                </a:solidFill>
+              </a:defRPr>
+            </a:lvl9pPr>
+          </a:lstStyle>
+          <a:p>
+            <a:pPr lvl="0"/>
+            <a:r>
+              <a:rPr lang="en-US" smtClean="0"/>
+              <a:t>Edit Master text styles</a:t>
+            </a:r>
+          </a:p>
+        </p:txBody>
+      </p:sp>
+      <p:sp>
+        <p:nvSpPr>
+          <p:cNvPr id="4" name="Date Placeholder 3"/>
+          <p:cNvSpPr>
+            <a:spLocks noGrp="1"/>
+          </p:cNvSpPr>
+          <p:nvPr>
+            <p:ph type="dt" sz="half" idx="10"/>
+          </p:nvPr>
+        </p:nvSpPr>
+        <p:spPr/>
+        <p:txBody>
+          <a:bodyPr/>
+          <a:lstStyle/>
+          <a:p>
+            <a:fld id="{54F6BBB5-41A2-428D-A1DC-B9962BD0CBCA}" type="datetimeFigureOut">
+              <a:rPr lang="en-IE" smtClean="0"/>
+              <a:t>04/04/2019</a:t>
+            </a:fld>
+            <a:endParaRPr lang="en-IE" dirty="0"/>
+          </a:p>
+        </p:txBody>
+      </p:sp>
+      <p:sp>
+        <p:nvSpPr>
+          <p:cNvPr id="5" name="Footer Placeholder 4"/>
+          <p:cNvSpPr>
+            <a:spLocks noGrp="1"/>
+          </p:cNvSpPr>
+          <p:nvPr>
+            <p:ph type="ftr" sz="quarter" idx="11"/>
+          </p:nvPr>
+        </p:nvSpPr>
+        <p:spPr/>
+        <p:txBody>
+          <a:bodyPr/>
+          <a:lstStyle/>
+          <a:p>
+            <a:endParaRPr lang="en-IE" dirty="0"/>
+          </a:p>
+        </p:txBody>
+      </p:sp>
+      <p:sp>
+        <p:nvSpPr>
+          <p:cNvPr id="6" name="Slide Number Placeholder 5"/>
+          <p:cNvSpPr>
+            <a:spLocks noGrp="1"/>
+          </p:cNvSpPr>
+          <p:nvPr>
+            <p:ph type="sldNum" sz="quarter" idx="12"/>
+          </p:nvPr>
+        </p:nvSpPr>
+        <p:spPr/>
+        <p:txBody>
+          <a:bodyPr/>
+          <a:lstStyle/>
+          <a:p>
+            <a:fld id="{468A7714-5758-42D2-95CC-E45B8F8FAA69}" type="slidenum">
+              <a:rPr lang="en-IE" smtClean="0"/>
+              <a:t>‹#›</a:t>
+            </a:fld>
+            <a:endParaRPr lang="en-IE" dirty="0"/>
+          </a:p>
+        </p:txBody>
+      </p:sp>
+    </p:spTree>
+    <p:extLst>
+      <p:ext uri="{BB962C8B-B14F-4D97-AF65-F5344CB8AC3E}">
+        <p14:creationId xmlns:p14="http://schemas.microsoft.com/office/powerpoint/2010/main" val="3605811692"/>
+      </p:ext>
+    </p:extLst>
+  </p:cSld>
+  <p:clrMapOvr>
+    <a:masterClrMapping/>
+  </p:clrMapOvr>
+</p:sldLayout>
+</file>
+
+<file path=ppt/slideLayouts/slideLayout14.xml><?xml version="1.0" encoding="utf-8"?>
+<p:sldLayout xmlns:a="http://schemas.openxmlformats.org/drawingml/2006/main" xmlns:r="http://schemas.openxmlformats.org/officeDocument/2006/relationships" xmlns:p="http://schemas.openxmlformats.org/presentationml/2006/main" preserve="1">
+  <p:cSld name="3 Column">
+    <p:spTree>
+      <p:nvGrpSpPr>
+        <p:cNvPr id="1" name=""/>
+        <p:cNvGrpSpPr/>
+        <p:nvPr/>
+      </p:nvGrpSpPr>
+      <p:grpSpPr>
+        <a:xfrm>
+          <a:off x="0" y="0"/>
+          <a:ext cx="0" cy="0"/>
+          <a:chOff x="0" y="0"/>
+          <a:chExt cx="0" cy="0"/>
+        </a:xfrm>
+      </p:grpSpPr>
+      <p:sp>
+        <p:nvSpPr>
+          <p:cNvPr id="2" name="Title 1"/>
+          <p:cNvSpPr>
+            <a:spLocks noGrp="1"/>
+          </p:cNvSpPr>
+          <p:nvPr>
+            <p:ph type="title"/>
+          </p:nvPr>
+        </p:nvSpPr>
+        <p:spPr/>
+        <p:txBody>
+          <a:bodyPr/>
+          <a:lstStyle>
+            <a:lvl1pPr>
+              <a:defRPr sz="4200"/>
+            </a:lvl1pPr>
+          </a:lstStyle>
+          <a:p>
+            <a:r>
+              <a:rPr lang="en-US" smtClean="0"/>
+              <a:t>Click to edit Master title style</a:t>
+            </a:r>
+            <a:endParaRPr lang="en-US" dirty="0"/>
+          </a:p>
+        </p:txBody>
+      </p:sp>
+      <p:sp>
+        <p:nvSpPr>
+          <p:cNvPr id="3" name="Text Placeholder 2"/>
+          <p:cNvSpPr>
+            <a:spLocks noGrp="1"/>
+          </p:cNvSpPr>
+          <p:nvPr>
+            <p:ph type="body" idx="1"/>
+          </p:nvPr>
+        </p:nvSpPr>
+        <p:spPr>
+          <a:xfrm>
+            <a:off x="632947" y="1981200"/>
+            <a:ext cx="2946866" cy="576262"/>
+          </a:xfrm>
+        </p:spPr>
+        <p:txBody>
+          <a:bodyPr anchor="b">
+            <a:noAutofit/>
+          </a:bodyPr>
+          <a:lstStyle>
+            <a:lvl1pPr marL="0" indent="0">
+              <a:buNone/>
+              <a:defRPr sz="2400" b="0">
+                <a:solidFill>
+                  <a:schemeClr val="bg2">
+                    <a:lumMod val="40000"/>
+                    <a:lumOff val="60000"/>
+                  </a:schemeClr>
+                </a:solidFill>
+              </a:defRPr>
+            </a:lvl1pPr>
+            <a:lvl2pPr marL="457200" indent="0">
+              <a:buNone/>
+              <a:defRPr sz="2000" b="1"/>
+            </a:lvl2pPr>
+            <a:lvl3pPr marL="914400" indent="0">
+              <a:buNone/>
+              <a:defRPr sz="1800" b="1"/>
+            </a:lvl3pPr>
+            <a:lvl4pPr marL="1371600" indent="0">
+              <a:buNone/>
+              <a:defRPr sz="1600" b="1"/>
+            </a:lvl4pPr>
+            <a:lvl5pPr marL="1828800" indent="0">
+              <a:buNone/>
+              <a:defRPr sz="1600" b="1"/>
+            </a:lvl5pPr>
+            <a:lvl6pPr marL="2286000" indent="0">
+              <a:buNone/>
+              <a:defRPr sz="1600" b="1"/>
+            </a:lvl6pPr>
+            <a:lvl7pPr marL="2743200" indent="0">
+              <a:buNone/>
+              <a:defRPr sz="1600" b="1"/>
+            </a:lvl7pPr>
+            <a:lvl8pPr marL="3200400" indent="0">
+              <a:buNone/>
+              <a:defRPr sz="1600" b="1"/>
+            </a:lvl8pPr>
+            <a:lvl9pPr marL="3657600" indent="0">
+              <a:buNone/>
+              <a:defRPr sz="1600" b="1"/>
+            </a:lvl9pPr>
+          </a:lstStyle>
+          <a:p>
+            <a:pPr lvl="0"/>
+            <a:r>
+              <a:rPr lang="en-US" smtClean="0"/>
+              <a:t>Edit Master text styles</a:t>
+            </a:r>
+          </a:p>
+        </p:txBody>
+      </p:sp>
+      <p:sp>
+        <p:nvSpPr>
+          <p:cNvPr id="16" name="Text Placeholder 3"/>
+          <p:cNvSpPr>
+            <a:spLocks noGrp="1"/>
+          </p:cNvSpPr>
+          <p:nvPr>
+            <p:ph type="body" sz="half" idx="15"/>
+          </p:nvPr>
+        </p:nvSpPr>
+        <p:spPr>
+          <a:xfrm>
+            <a:off x="652463" y="2667000"/>
+            <a:ext cx="2927350" cy="3589338"/>
+          </a:xfrm>
+        </p:spPr>
+        <p:txBody>
+          <a:bodyPr anchor="t">
+            <a:normAutofit/>
+          </a:bodyPr>
+          <a:lstStyle>
+            <a:lvl1pPr marL="0" indent="0">
+              <a:buNone/>
+              <a:defRPr sz="1400"/>
+            </a:lvl1pPr>
+            <a:lvl2pPr marL="457200" indent="0">
+              <a:buNone/>
+              <a:defRPr sz="1200"/>
+            </a:lvl2pPr>
+            <a:lvl3pPr marL="914400" indent="0">
+              <a:buNone/>
+              <a:defRPr sz="1000"/>
+            </a:lvl3pPr>
+            <a:lvl4pPr marL="1371600" indent="0">
+              <a:buNone/>
+              <a:defRPr sz="900"/>
+            </a:lvl4pPr>
+            <a:lvl5pPr marL="1828800" indent="0">
+              <a:buNone/>
+              <a:defRPr sz="900"/>
+            </a:lvl5pPr>
+            <a:lvl6pPr marL="2286000" indent="0">
+              <a:buNone/>
+              <a:defRPr sz="900"/>
+            </a:lvl6pPr>
+            <a:lvl7pPr marL="2743200" indent="0">
+              <a:buNone/>
+              <a:defRPr sz="900"/>
+            </a:lvl7pPr>
+            <a:lvl8pPr marL="3200400" indent="0">
+              <a:buNone/>
+              <a:defRPr sz="900"/>
+            </a:lvl8pPr>
+            <a:lvl9pPr marL="3657600" indent="0">
+              <a:buNone/>
+              <a:defRPr sz="900"/>
+            </a:lvl9pPr>
+          </a:lstStyle>
+          <a:p>
+            <a:pPr lvl="0"/>
+            <a:r>
+              <a:rPr lang="en-US" smtClean="0"/>
+              <a:t>Edit Master text styles</a:t>
+            </a:r>
+          </a:p>
+        </p:txBody>
+      </p:sp>
+      <p:sp>
+        <p:nvSpPr>
+          <p:cNvPr id="5" name="Text Placeholder 4"/>
+          <p:cNvSpPr>
+            <a:spLocks noGrp="1"/>
+          </p:cNvSpPr>
+          <p:nvPr>
+            <p:ph type="body" sz="quarter" idx="3"/>
+          </p:nvPr>
+        </p:nvSpPr>
+        <p:spPr>
+          <a:xfrm>
+            <a:off x="3883659" y="1981200"/>
+            <a:ext cx="2936241" cy="576262"/>
+          </a:xfrm>
+        </p:spPr>
+        <p:txBody>
+          <a:bodyPr anchor="b">
+            <a:noAutofit/>
+          </a:bodyPr>
+          <a:lstStyle>
+            <a:lvl1pPr marL="0" indent="0">
+              <a:buNone/>
+              <a:defRPr sz="2400" b="0">
+                <a:solidFill>
+                  <a:schemeClr val="bg2">
+                    <a:lumMod val="40000"/>
+                    <a:lumOff val="60000"/>
+                  </a:schemeClr>
+                </a:solidFill>
+              </a:defRPr>
+            </a:lvl1pPr>
+            <a:lvl2pPr marL="457200" indent="0">
+              <a:buNone/>
+              <a:defRPr sz="2000" b="1"/>
+            </a:lvl2pPr>
+            <a:lvl3pPr marL="914400" indent="0">
+              <a:buNone/>
+              <a:defRPr sz="1800" b="1"/>
+            </a:lvl3pPr>
+            <a:lvl4pPr marL="1371600" indent="0">
+              <a:buNone/>
+              <a:defRPr sz="1600" b="1"/>
+            </a:lvl4pPr>
+            <a:lvl5pPr marL="1828800" indent="0">
+              <a:buNone/>
+              <a:defRPr sz="1600" b="1"/>
+            </a:lvl5pPr>
+            <a:lvl6pPr marL="2286000" indent="0">
+              <a:buNone/>
+              <a:defRPr sz="1600" b="1"/>
+            </a:lvl6pPr>
+            <a:lvl7pPr marL="2743200" indent="0">
+              <a:buNone/>
+              <a:defRPr sz="1600" b="1"/>
+            </a:lvl7pPr>
+            <a:lvl8pPr marL="3200400" indent="0">
+              <a:buNone/>
+              <a:defRPr sz="1600" b="1"/>
+            </a:lvl8pPr>
+            <a:lvl9pPr marL="3657600" indent="0">
+              <a:buNone/>
+              <a:defRPr sz="1600" b="1"/>
+            </a:lvl9pPr>
+          </a:lstStyle>
+          <a:p>
+            <a:pPr lvl="0"/>
+            <a:r>
+              <a:rPr lang="en-US" smtClean="0"/>
+              <a:t>Edit Master text styles</a:t>
+            </a:r>
+          </a:p>
+        </p:txBody>
+      </p:sp>
+      <p:sp>
+        <p:nvSpPr>
+          <p:cNvPr id="19" name="Text Placeholder 3"/>
+          <p:cNvSpPr>
+            <a:spLocks noGrp="1"/>
+          </p:cNvSpPr>
+          <p:nvPr>
+            <p:ph type="body" sz="half" idx="16"/>
+          </p:nvPr>
+        </p:nvSpPr>
+        <p:spPr>
+          <a:xfrm>
+            <a:off x="3873106" y="2667000"/>
+            <a:ext cx="2946794" cy="3589338"/>
+          </a:xfrm>
+        </p:spPr>
+        <p:txBody>
+          <a:bodyPr anchor="t">
+            <a:normAutofit/>
+          </a:bodyPr>
+          <a:lstStyle>
+            <a:lvl1pPr marL="0" indent="0">
+              <a:buNone/>
+              <a:defRPr sz="1400"/>
+            </a:lvl1pPr>
+            <a:lvl2pPr marL="457200" indent="0">
+              <a:buNone/>
+              <a:defRPr sz="1200"/>
+            </a:lvl2pPr>
+            <a:lvl3pPr marL="914400" indent="0">
+              <a:buNone/>
+              <a:defRPr sz="1000"/>
+            </a:lvl3pPr>
+            <a:lvl4pPr marL="1371600" indent="0">
+              <a:buNone/>
+              <a:defRPr sz="900"/>
+            </a:lvl4pPr>
+            <a:lvl5pPr marL="1828800" indent="0">
+              <a:buNone/>
+              <a:defRPr sz="900"/>
+            </a:lvl5pPr>
+            <a:lvl6pPr marL="2286000" indent="0">
+              <a:buNone/>
+              <a:defRPr sz="900"/>
+            </a:lvl6pPr>
+            <a:lvl7pPr marL="2743200" indent="0">
+              <a:buNone/>
+              <a:defRPr sz="900"/>
+            </a:lvl7pPr>
+            <a:lvl8pPr marL="3200400" indent="0">
+              <a:buNone/>
+              <a:defRPr sz="900"/>
+            </a:lvl8pPr>
+            <a:lvl9pPr marL="3657600" indent="0">
+              <a:buNone/>
+              <a:defRPr sz="900"/>
+            </a:lvl9pPr>
+          </a:lstStyle>
+          <a:p>
+            <a:pPr lvl="0"/>
+            <a:r>
+              <a:rPr lang="en-US" smtClean="0"/>
+              <a:t>Edit Master text styles</a:t>
+            </a:r>
+          </a:p>
+        </p:txBody>
+      </p:sp>
+      <p:sp>
+        <p:nvSpPr>
+          <p:cNvPr id="14" name="Text Placeholder 4"/>
+          <p:cNvSpPr>
+            <a:spLocks noGrp="1"/>
+          </p:cNvSpPr>
+          <p:nvPr>
+            <p:ph type="body" sz="quarter" idx="13"/>
+          </p:nvPr>
+        </p:nvSpPr>
+        <p:spPr>
+          <a:xfrm>
+            <a:off x="7124700" y="1981200"/>
+            <a:ext cx="2932113" cy="576262"/>
+          </a:xfrm>
+        </p:spPr>
+        <p:txBody>
+          <a:bodyPr anchor="b">
+            <a:noAutofit/>
+          </a:bodyPr>
+          <a:lstStyle>
+            <a:lvl1pPr marL="0" indent="0">
+              <a:buNone/>
+              <a:defRPr sz="2400" b="0">
+                <a:solidFill>
+                  <a:schemeClr val="bg2">
+                    <a:lumMod val="40000"/>
+                    <a:lumOff val="60000"/>
+                  </a:schemeClr>
+                </a:solidFill>
+              </a:defRPr>
+            </a:lvl1pPr>
+            <a:lvl2pPr marL="457200" indent="0">
+              <a:buNone/>
+              <a:defRPr sz="2000" b="1"/>
+            </a:lvl2pPr>
+            <a:lvl3pPr marL="914400" indent="0">
+              <a:buNone/>
+              <a:defRPr sz="1800" b="1"/>
+            </a:lvl3pPr>
+            <a:lvl4pPr marL="1371600" indent="0">
+              <a:buNone/>
+              <a:defRPr sz="1600" b="1"/>
+            </a:lvl4pPr>
+            <a:lvl5pPr marL="1828800" indent="0">
+              <a:buNone/>
+              <a:defRPr sz="1600" b="1"/>
+            </a:lvl5pPr>
+            <a:lvl6pPr marL="2286000" indent="0">
+              <a:buNone/>
+              <a:defRPr sz="1600" b="1"/>
+            </a:lvl6pPr>
+            <a:lvl7pPr marL="2743200" indent="0">
+              <a:buNone/>
+              <a:defRPr sz="1600" b="1"/>
+            </a:lvl7pPr>
+            <a:lvl8pPr marL="3200400" indent="0">
+              <a:buNone/>
+              <a:defRPr sz="1600" b="1"/>
+            </a:lvl8pPr>
+            <a:lvl9pPr marL="3657600" indent="0">
+              <a:buNone/>
+              <a:defRPr sz="1600" b="1"/>
+            </a:lvl9pPr>
+          </a:lstStyle>
+          <a:p>
+            <a:pPr lvl="0"/>
+            <a:r>
+              <a:rPr lang="en-US" smtClean="0"/>
+              <a:t>Edit Master text styles</a:t>
+            </a:r>
+          </a:p>
+        </p:txBody>
+      </p:sp>
+      <p:sp>
+        <p:nvSpPr>
+          <p:cNvPr id="20" name="Text Placeholder 3"/>
+          <p:cNvSpPr>
+            <a:spLocks noGrp="1"/>
+          </p:cNvSpPr>
+          <p:nvPr>
+            <p:ph type="body" sz="half" idx="17"/>
+          </p:nvPr>
+        </p:nvSpPr>
+        <p:spPr>
+          <a:xfrm>
+            <a:off x="7124700" y="2667000"/>
+            <a:ext cx="2932113" cy="3589338"/>
+          </a:xfrm>
+        </p:spPr>
+        <p:txBody>
+          <a:bodyPr anchor="t">
+            <a:normAutofit/>
+          </a:bodyPr>
+          <a:lstStyle>
+            <a:lvl1pPr marL="0" indent="0">
+              <a:buNone/>
+              <a:defRPr sz="1400"/>
+            </a:lvl1pPr>
+            <a:lvl2pPr marL="457200" indent="0">
+              <a:buNone/>
+              <a:defRPr sz="1200"/>
+            </a:lvl2pPr>
+            <a:lvl3pPr marL="914400" indent="0">
+              <a:buNone/>
+              <a:defRPr sz="1000"/>
+            </a:lvl3pPr>
+            <a:lvl4pPr marL="1371600" indent="0">
+              <a:buNone/>
+              <a:defRPr sz="900"/>
+            </a:lvl4pPr>
+            <a:lvl5pPr marL="1828800" indent="0">
+              <a:buNone/>
+              <a:defRPr sz="900"/>
+            </a:lvl5pPr>
+            <a:lvl6pPr marL="2286000" indent="0">
+              <a:buNone/>
+              <a:defRPr sz="900"/>
+            </a:lvl6pPr>
+            <a:lvl7pPr marL="2743200" indent="0">
+              <a:buNone/>
+              <a:defRPr sz="900"/>
+            </a:lvl7pPr>
+            <a:lvl8pPr marL="3200400" indent="0">
+              <a:buNone/>
+              <a:defRPr sz="900"/>
+            </a:lvl8pPr>
+            <a:lvl9pPr marL="3657600" indent="0">
+              <a:buNone/>
+              <a:defRPr sz="900"/>
+            </a:lvl9pPr>
+          </a:lstStyle>
+          <a:p>
+            <a:pPr lvl="0"/>
+            <a:r>
+              <a:rPr lang="en-US" smtClean="0"/>
+              <a:t>Edit Master text styles</a:t>
+            </a:r>
+          </a:p>
+        </p:txBody>
+      </p:sp>
+      <p:cxnSp>
+        <p:nvCxnSpPr>
+          <p:cNvPr id="17" name="Straight Connector 16"/>
+          <p:cNvCxnSpPr/>
+          <p:nvPr/>
+        </p:nvCxnSpPr>
+        <p:spPr>
+          <a:xfrm>
+            <a:off x="3726142" y="2133600"/>
+            <a:ext cx="0" cy="3962400"/>
+          </a:xfrm>
+          <a:prstGeom prst="line">
+            <a:avLst/>
+          </a:prstGeom>
+          <a:ln w="12700" cmpd="sng">
+            <a:solidFill>
+              <a:schemeClr val="bg2">
+                <a:lumMod val="40000"/>
+                <a:lumOff val="60000"/>
+                <a:alpha val="40000"/>
+              </a:schemeClr>
+            </a:solidFill>
+          </a:ln>
+        </p:spPr>
+        <p:style>
+          <a:lnRef idx="2">
+            <a:schemeClr val="accent1"/>
+          </a:lnRef>
+          <a:fillRef idx="0">
+            <a:schemeClr val="accent1"/>
+          </a:fillRef>
+          <a:effectRef idx="1">
+            <a:schemeClr val="accent1"/>
+          </a:effectRef>
+          <a:fontRef idx="minor">
+            <a:schemeClr val="tx1"/>
+          </a:fontRef>
+        </p:style>
+      </p:cxnSp>
+      <p:cxnSp>
+        <p:nvCxnSpPr>
+          <p:cNvPr id="18" name="Straight Connector 17"/>
+          <p:cNvCxnSpPr/>
+          <p:nvPr/>
+        </p:nvCxnSpPr>
+        <p:spPr>
+          <a:xfrm>
+            <a:off x="6962227" y="2133600"/>
+            <a:ext cx="0" cy="3966882"/>
+          </a:xfrm>
+          <a:prstGeom prst="line">
+            <a:avLst/>
+          </a:prstGeom>
+          <a:ln w="12700" cmpd="sng">
+            <a:solidFill>
+              <a:schemeClr val="bg2">
+                <a:lumMod val="40000"/>
+                <a:lumOff val="60000"/>
+                <a:alpha val="40000"/>
+              </a:schemeClr>
+            </a:solidFill>
+          </a:ln>
+        </p:spPr>
+        <p:style>
+          <a:lnRef idx="2">
+            <a:schemeClr val="accent1"/>
+          </a:lnRef>
+          <a:fillRef idx="0">
+            <a:schemeClr val="accent1"/>
+          </a:fillRef>
+          <a:effectRef idx="1">
+            <a:schemeClr val="accent1"/>
+          </a:effectRef>
+          <a:fontRef idx="minor">
+            <a:schemeClr val="tx1"/>
+          </a:fontRef>
+        </p:style>
+      </p:cxnSp>
+      <p:sp>
+        <p:nvSpPr>
+          <p:cNvPr id="7" name="Date Placeholder 3"/>
+          <p:cNvSpPr>
+            <a:spLocks noGrp="1"/>
+          </p:cNvSpPr>
+          <p:nvPr>
+            <p:ph type="dt" sz="half" idx="10"/>
+          </p:nvPr>
+        </p:nvSpPr>
+        <p:spPr/>
+        <p:txBody>
+          <a:bodyPr/>
+          <a:lstStyle/>
+          <a:p>
+            <a:fld id="{54F6BBB5-41A2-428D-A1DC-B9962BD0CBCA}" type="datetimeFigureOut">
+              <a:rPr lang="en-IE" smtClean="0"/>
+              <a:t>04/04/2019</a:t>
+            </a:fld>
+            <a:endParaRPr lang="en-IE" dirty="0"/>
+          </a:p>
+        </p:txBody>
+      </p:sp>
+      <p:sp>
+        <p:nvSpPr>
+          <p:cNvPr id="4" name="Footer Placeholder 4"/>
+          <p:cNvSpPr>
+            <a:spLocks noGrp="1"/>
+          </p:cNvSpPr>
+          <p:nvPr>
+            <p:ph type="ftr" sz="quarter" idx="11"/>
+          </p:nvPr>
+        </p:nvSpPr>
+        <p:spPr/>
+        <p:txBody>
+          <a:bodyPr/>
+          <a:lstStyle/>
+          <a:p>
+            <a:endParaRPr lang="en-IE" dirty="0"/>
+          </a:p>
+        </p:txBody>
+      </p:sp>
+      <p:sp>
+        <p:nvSpPr>
+          <p:cNvPr id="6" name="Slide Number Placeholder 5"/>
+          <p:cNvSpPr>
+            <a:spLocks noGrp="1"/>
+          </p:cNvSpPr>
+          <p:nvPr>
+            <p:ph type="sldNum" sz="quarter" idx="12"/>
+          </p:nvPr>
+        </p:nvSpPr>
+        <p:spPr/>
+        <p:txBody>
+          <a:bodyPr/>
+          <a:lstStyle/>
+          <a:p>
+            <a:fld id="{468A7714-5758-42D2-95CC-E45B8F8FAA69}" type="slidenum">
+              <a:rPr lang="en-IE" smtClean="0"/>
+              <a:t>‹#›</a:t>
+            </a:fld>
+            <a:endParaRPr lang="en-IE" dirty="0"/>
+          </a:p>
+        </p:txBody>
+      </p:sp>
+    </p:spTree>
+    <p:extLst>
+      <p:ext uri="{BB962C8B-B14F-4D97-AF65-F5344CB8AC3E}">
+        <p14:creationId xmlns:p14="http://schemas.microsoft.com/office/powerpoint/2010/main" val="1394596906"/>
+      </p:ext>
+    </p:extLst>
+  </p:cSld>
+  <p:clrMapOvr>
+    <a:masterClrMapping/>
+  </p:clrMapOvr>
+</p:sldLayout>
+</file>
+
+<file path=ppt/slideLayouts/slideLayout15.xml><?xml version="1.0" encoding="utf-8"?>
+<p:sldLayout xmlns:a="http://schemas.openxmlformats.org/drawingml/2006/main" xmlns:r="http://schemas.openxmlformats.org/officeDocument/2006/relationships" xmlns:p="http://schemas.openxmlformats.org/presentationml/2006/main" preserve="1">
+  <p:cSld name="3 Picture Column">
+    <p:spTree>
+      <p:nvGrpSpPr>
+        <p:cNvPr id="1" name=""/>
+        <p:cNvGrpSpPr/>
+        <p:nvPr/>
+      </p:nvGrpSpPr>
+      <p:grpSpPr>
+        <a:xfrm>
+          <a:off x="0" y="0"/>
+          <a:ext cx="0" cy="0"/>
+          <a:chOff x="0" y="0"/>
+          <a:chExt cx="0" cy="0"/>
+        </a:xfrm>
+      </p:grpSpPr>
+      <p:sp>
+        <p:nvSpPr>
+          <p:cNvPr id="2" name="Title 1"/>
+          <p:cNvSpPr>
+            <a:spLocks noGrp="1"/>
+          </p:cNvSpPr>
+          <p:nvPr>
+            <p:ph type="title"/>
+          </p:nvPr>
+        </p:nvSpPr>
+        <p:spPr/>
+        <p:txBody>
+          <a:bodyPr/>
+          <a:lstStyle>
+            <a:lvl1pPr>
+              <a:defRPr sz="4200"/>
+            </a:lvl1pPr>
+          </a:lstStyle>
+          <a:p>
+            <a:r>
+              <a:rPr lang="en-US" smtClean="0"/>
+              <a:t>Click to edit Master title style</a:t>
+            </a:r>
+            <a:endParaRPr lang="en-US" dirty="0"/>
+          </a:p>
+        </p:txBody>
+      </p:sp>
+      <p:sp>
+        <p:nvSpPr>
+          <p:cNvPr id="3" name="Text Placeholder 2"/>
+          <p:cNvSpPr>
+            <a:spLocks noGrp="1"/>
+          </p:cNvSpPr>
+          <p:nvPr>
+            <p:ph type="body" idx="1"/>
+          </p:nvPr>
+        </p:nvSpPr>
+        <p:spPr>
+          <a:xfrm>
+            <a:off x="652463" y="4250949"/>
+            <a:ext cx="2940050" cy="576262"/>
+          </a:xfrm>
+        </p:spPr>
+        <p:txBody>
+          <a:bodyPr anchor="b">
+            <a:noAutofit/>
+          </a:bodyPr>
+          <a:lstStyle>
+            <a:lvl1pPr marL="0" indent="0">
+              <a:buNone/>
+              <a:defRPr sz="2400" b="0">
+                <a:solidFill>
+                  <a:schemeClr val="bg2">
+                    <a:lumMod val="40000"/>
+                    <a:lumOff val="60000"/>
+                  </a:schemeClr>
+                </a:solidFill>
+              </a:defRPr>
+            </a:lvl1pPr>
+            <a:lvl2pPr marL="457200" indent="0">
+              <a:buNone/>
+              <a:defRPr sz="2000" b="1"/>
+            </a:lvl2pPr>
+            <a:lvl3pPr marL="914400" indent="0">
+              <a:buNone/>
+              <a:defRPr sz="1800" b="1"/>
+            </a:lvl3pPr>
+            <a:lvl4pPr marL="1371600" indent="0">
+              <a:buNone/>
+              <a:defRPr sz="1600" b="1"/>
+            </a:lvl4pPr>
+            <a:lvl5pPr marL="1828800" indent="0">
+              <a:buNone/>
+              <a:defRPr sz="1600" b="1"/>
+            </a:lvl5pPr>
+            <a:lvl6pPr marL="2286000" indent="0">
+              <a:buNone/>
+              <a:defRPr sz="1600" b="1"/>
+            </a:lvl6pPr>
+            <a:lvl7pPr marL="2743200" indent="0">
+              <a:buNone/>
+              <a:defRPr sz="1600" b="1"/>
+            </a:lvl7pPr>
+            <a:lvl8pPr marL="3200400" indent="0">
+              <a:buNone/>
+              <a:defRPr sz="1600" b="1"/>
+            </a:lvl8pPr>
+            <a:lvl9pPr marL="3657600" indent="0">
+              <a:buNone/>
+              <a:defRPr sz="1600" b="1"/>
+            </a:lvl9pPr>
+          </a:lstStyle>
+          <a:p>
+            <a:pPr lvl="0"/>
+            <a:r>
+              <a:rPr lang="en-US" smtClean="0"/>
+              <a:t>Edit Master text styles</a:t>
+            </a:r>
+          </a:p>
+        </p:txBody>
+      </p:sp>
+      <p:sp>
+        <p:nvSpPr>
+          <p:cNvPr id="29" name="Picture Placeholder 2"/>
+          <p:cNvSpPr>
+            <a:spLocks noGrp="1" noChangeAspect="1"/>
+          </p:cNvSpPr>
+          <p:nvPr>
+            <p:ph type="pic" idx="15"/>
+          </p:nvPr>
+        </p:nvSpPr>
+        <p:spPr>
+          <a:xfrm>
+            <a:off x="652463" y="2209800"/>
+            <a:ext cx="2940050" cy="1524000"/>
+          </a:xfrm>
+          <a:prstGeom prst="roundRect">
+            <a:avLst>
+              <a:gd name="adj" fmla="val 1858"/>
+            </a:avLst>
+          </a:prstGeom>
+          <a:effectLst>
+            <a:outerShdw blurRad="50800" dist="50800" dir="5400000" algn="tl" rotWithShape="0">
+              <a:srgbClr val="000000">
+                <a:alpha val="43000"/>
+              </a:srgbClr>
+            </a:outerShdw>
+          </a:effectLst>
+        </p:spPr>
+        <p:txBody>
+          <a:bodyPr anchor="t">
+            <a:normAutofit/>
+          </a:bodyPr>
+          <a:lstStyle>
+            <a:lvl1pPr marL="0" indent="0" algn="ctr">
+              <a:buNone/>
+              <a:defRPr sz="1600"/>
+            </a:lvl1pPr>
+            <a:lvl2pPr marL="457200" indent="0">
+              <a:buNone/>
+              <a:defRPr sz="1600"/>
+            </a:lvl2pPr>
+            <a:lvl3pPr marL="914400" indent="0">
+              <a:buNone/>
+              <a:defRPr sz="1600"/>
+            </a:lvl3pPr>
+            <a:lvl4pPr marL="1371600" indent="0">
+              <a:buNone/>
+              <a:defRPr sz="1600"/>
+            </a:lvl4pPr>
+            <a:lvl5pPr marL="1828800" indent="0">
+              <a:buNone/>
+              <a:defRPr sz="1600"/>
+            </a:lvl5pPr>
+            <a:lvl6pPr marL="2286000" indent="0">
+              <a:buNone/>
+              <a:defRPr sz="1600"/>
+            </a:lvl6pPr>
+            <a:lvl7pPr marL="2743200" indent="0">
+              <a:buNone/>
+              <a:defRPr sz="1600"/>
+            </a:lvl7pPr>
+            <a:lvl8pPr marL="3200400" indent="0">
+              <a:buNone/>
+              <a:defRPr sz="1600"/>
+            </a:lvl8pPr>
+            <a:lvl9pPr marL="3657600" indent="0">
+              <a:buNone/>
+              <a:defRPr sz="1600"/>
+            </a:lvl9pPr>
+          </a:lstStyle>
+          <a:p>
+            <a:r>
+              <a:rPr lang="en-US" smtClean="0"/>
+              <a:t>Click icon to add picture</a:t>
+            </a:r>
+            <a:endParaRPr lang="en-US" dirty="0"/>
+          </a:p>
+        </p:txBody>
+      </p:sp>
+      <p:sp>
+        <p:nvSpPr>
+          <p:cNvPr id="22" name="Text Placeholder 3"/>
+          <p:cNvSpPr>
+            <a:spLocks noGrp="1"/>
+          </p:cNvSpPr>
+          <p:nvPr>
+            <p:ph type="body" sz="half" idx="18"/>
+          </p:nvPr>
+        </p:nvSpPr>
+        <p:spPr>
+          <a:xfrm>
+            <a:off x="652463" y="4827211"/>
+            <a:ext cx="2940050" cy="659189"/>
+          </a:xfrm>
+        </p:spPr>
+        <p:txBody>
+          <a:bodyPr anchor="t">
+            <a:normAutofit/>
+          </a:bodyPr>
+          <a:lstStyle>
+            <a:lvl1pPr marL="0" indent="0">
+              <a:buNone/>
+              <a:defRPr sz="1400"/>
+            </a:lvl1pPr>
+            <a:lvl2pPr marL="457200" indent="0">
+              <a:buNone/>
+              <a:defRPr sz="1200"/>
+            </a:lvl2pPr>
+            <a:lvl3pPr marL="914400" indent="0">
+              <a:buNone/>
+              <a:defRPr sz="1000"/>
+            </a:lvl3pPr>
+            <a:lvl4pPr marL="1371600" indent="0">
+              <a:buNone/>
+              <a:defRPr sz="900"/>
+            </a:lvl4pPr>
+            <a:lvl5pPr marL="1828800" indent="0">
+              <a:buNone/>
+              <a:defRPr sz="900"/>
+            </a:lvl5pPr>
+            <a:lvl6pPr marL="2286000" indent="0">
+              <a:buNone/>
+              <a:defRPr sz="900"/>
+            </a:lvl6pPr>
+            <a:lvl7pPr marL="2743200" indent="0">
+              <a:buNone/>
+              <a:defRPr sz="900"/>
+            </a:lvl7pPr>
+            <a:lvl8pPr marL="3200400" indent="0">
+              <a:buNone/>
+              <a:defRPr sz="900"/>
+            </a:lvl8pPr>
+            <a:lvl9pPr marL="3657600" indent="0">
+              <a:buNone/>
+              <a:defRPr sz="900"/>
+            </a:lvl9pPr>
+          </a:lstStyle>
+          <a:p>
+            <a:pPr lvl="0"/>
+            <a:r>
+              <a:rPr lang="en-US" smtClean="0"/>
+              <a:t>Edit Master text styles</a:t>
+            </a:r>
+          </a:p>
+        </p:txBody>
+      </p:sp>
+      <p:sp>
+        <p:nvSpPr>
+          <p:cNvPr id="5" name="Text Placeholder 4"/>
+          <p:cNvSpPr>
+            <a:spLocks noGrp="1"/>
+          </p:cNvSpPr>
+          <p:nvPr>
+            <p:ph type="body" sz="quarter" idx="3"/>
+          </p:nvPr>
+        </p:nvSpPr>
+        <p:spPr>
+          <a:xfrm>
+            <a:off x="3889375" y="4250949"/>
+            <a:ext cx="2930525" cy="576262"/>
+          </a:xfrm>
+        </p:spPr>
+        <p:txBody>
+          <a:bodyPr anchor="b">
+            <a:noAutofit/>
+          </a:bodyPr>
+          <a:lstStyle>
+            <a:lvl1pPr marL="0" indent="0">
+              <a:buNone/>
+              <a:defRPr sz="2400" b="0">
+                <a:solidFill>
+                  <a:schemeClr val="bg2">
+                    <a:lumMod val="40000"/>
+                    <a:lumOff val="60000"/>
+                  </a:schemeClr>
+                </a:solidFill>
+              </a:defRPr>
+            </a:lvl1pPr>
+            <a:lvl2pPr marL="457200" indent="0">
+              <a:buNone/>
+              <a:defRPr sz="2000" b="1"/>
+            </a:lvl2pPr>
+            <a:lvl3pPr marL="914400" indent="0">
+              <a:buNone/>
+              <a:defRPr sz="1800" b="1"/>
+            </a:lvl3pPr>
+            <a:lvl4pPr marL="1371600" indent="0">
+              <a:buNone/>
+              <a:defRPr sz="1600" b="1"/>
+            </a:lvl4pPr>
+            <a:lvl5pPr marL="1828800" indent="0">
+              <a:buNone/>
+              <a:defRPr sz="1600" b="1"/>
+            </a:lvl5pPr>
+            <a:lvl6pPr marL="2286000" indent="0">
+              <a:buNone/>
+              <a:defRPr sz="1600" b="1"/>
+            </a:lvl6pPr>
+            <a:lvl7pPr marL="2743200" indent="0">
+              <a:buNone/>
+              <a:defRPr sz="1600" b="1"/>
+            </a:lvl7pPr>
+            <a:lvl8pPr marL="3200400" indent="0">
+              <a:buNone/>
+              <a:defRPr sz="1600" b="1"/>
+            </a:lvl8pPr>
+            <a:lvl9pPr marL="3657600" indent="0">
+              <a:buNone/>
+              <a:defRPr sz="1600" b="1"/>
+            </a:lvl9pPr>
+          </a:lstStyle>
+          <a:p>
+            <a:pPr lvl="0"/>
+            <a:r>
+              <a:rPr lang="en-US" smtClean="0"/>
+              <a:t>Edit Master text styles</a:t>
+            </a:r>
+          </a:p>
+        </p:txBody>
+      </p:sp>
+      <p:sp>
+        <p:nvSpPr>
+          <p:cNvPr id="30" name="Picture Placeholder 2"/>
+          <p:cNvSpPr>
+            <a:spLocks noGrp="1" noChangeAspect="1"/>
+          </p:cNvSpPr>
+          <p:nvPr>
+            <p:ph type="pic" idx="21"/>
+          </p:nvPr>
+        </p:nvSpPr>
+        <p:spPr>
+          <a:xfrm>
+            <a:off x="3889374" y="2209800"/>
+            <a:ext cx="2930525" cy="1524000"/>
+          </a:xfrm>
+          <a:prstGeom prst="roundRect">
+            <a:avLst>
+              <a:gd name="adj" fmla="val 1858"/>
+            </a:avLst>
+          </a:prstGeom>
+          <a:effectLst>
+            <a:outerShdw blurRad="50800" dist="50800" dir="5400000" algn="tl" rotWithShape="0">
+              <a:srgbClr val="000000">
+                <a:alpha val="43000"/>
+              </a:srgbClr>
+            </a:outerShdw>
+          </a:effectLst>
+        </p:spPr>
+        <p:txBody>
+          <a:bodyPr anchor="t">
+            <a:normAutofit/>
+          </a:bodyPr>
+          <a:lstStyle>
+            <a:lvl1pPr marL="0" indent="0" algn="ctr">
+              <a:buNone/>
+              <a:defRPr sz="1600"/>
+            </a:lvl1pPr>
+            <a:lvl2pPr marL="457200" indent="0">
+              <a:buNone/>
+              <a:defRPr sz="1600"/>
+            </a:lvl2pPr>
+            <a:lvl3pPr marL="914400" indent="0">
+              <a:buNone/>
+              <a:defRPr sz="1600"/>
+            </a:lvl3pPr>
+            <a:lvl4pPr marL="1371600" indent="0">
+              <a:buNone/>
+              <a:defRPr sz="1600"/>
+            </a:lvl4pPr>
+            <a:lvl5pPr marL="1828800" indent="0">
+              <a:buNone/>
+              <a:defRPr sz="1600"/>
+            </a:lvl5pPr>
+            <a:lvl6pPr marL="2286000" indent="0">
+              <a:buNone/>
+              <a:defRPr sz="1600"/>
+            </a:lvl6pPr>
+            <a:lvl7pPr marL="2743200" indent="0">
+              <a:buNone/>
+              <a:defRPr sz="1600"/>
+            </a:lvl7pPr>
+            <a:lvl8pPr marL="3200400" indent="0">
+              <a:buNone/>
+              <a:defRPr sz="1600"/>
+            </a:lvl8pPr>
+            <a:lvl9pPr marL="3657600" indent="0">
+              <a:buNone/>
+              <a:defRPr sz="1600"/>
+            </a:lvl9pPr>
+          </a:lstStyle>
+          <a:p>
+            <a:r>
+              <a:rPr lang="en-US" smtClean="0"/>
+              <a:t>Click icon to add picture</a:t>
+            </a:r>
+            <a:endParaRPr lang="en-US" dirty="0"/>
+          </a:p>
+        </p:txBody>
+      </p:sp>
+      <p:sp>
+        <p:nvSpPr>
+          <p:cNvPr id="23" name="Text Placeholder 3"/>
+          <p:cNvSpPr>
+            <a:spLocks noGrp="1"/>
+          </p:cNvSpPr>
+          <p:nvPr>
+            <p:ph type="body" sz="half" idx="19"/>
+          </p:nvPr>
+        </p:nvSpPr>
+        <p:spPr>
+          <a:xfrm>
+            <a:off x="3888022" y="4827210"/>
+            <a:ext cx="2934406" cy="659189"/>
+          </a:xfrm>
+        </p:spPr>
+        <p:txBody>
+          <a:bodyPr anchor="t">
+            <a:normAutofit/>
+          </a:bodyPr>
+          <a:lstStyle>
+            <a:lvl1pPr marL="0" indent="0">
+              <a:buNone/>
+              <a:defRPr sz="1400"/>
+            </a:lvl1pPr>
+            <a:lvl2pPr marL="457200" indent="0">
+              <a:buNone/>
+              <a:defRPr sz="1200"/>
+            </a:lvl2pPr>
+            <a:lvl3pPr marL="914400" indent="0">
+              <a:buNone/>
+              <a:defRPr sz="1000"/>
+            </a:lvl3pPr>
+            <a:lvl4pPr marL="1371600" indent="0">
+              <a:buNone/>
+              <a:defRPr sz="900"/>
+            </a:lvl4pPr>
+            <a:lvl5pPr marL="1828800" indent="0">
+              <a:buNone/>
+              <a:defRPr sz="900"/>
+            </a:lvl5pPr>
+            <a:lvl6pPr marL="2286000" indent="0">
+              <a:buNone/>
+              <a:defRPr sz="900"/>
+            </a:lvl6pPr>
+            <a:lvl7pPr marL="2743200" indent="0">
+              <a:buNone/>
+              <a:defRPr sz="900"/>
+            </a:lvl7pPr>
+            <a:lvl8pPr marL="3200400" indent="0">
+              <a:buNone/>
+              <a:defRPr sz="900"/>
+            </a:lvl8pPr>
+            <a:lvl9pPr marL="3657600" indent="0">
+              <a:buNone/>
+              <a:defRPr sz="900"/>
+            </a:lvl9pPr>
+          </a:lstStyle>
+          <a:p>
+            <a:pPr lvl="0"/>
+            <a:r>
+              <a:rPr lang="en-US" smtClean="0"/>
+              <a:t>Edit Master text styles</a:t>
+            </a:r>
+          </a:p>
+        </p:txBody>
+      </p:sp>
+      <p:sp>
+        <p:nvSpPr>
+          <p:cNvPr id="14" name="Text Placeholder 4"/>
+          <p:cNvSpPr>
+            <a:spLocks noGrp="1"/>
+          </p:cNvSpPr>
+          <p:nvPr>
+            <p:ph type="body" sz="quarter" idx="13"/>
+          </p:nvPr>
+        </p:nvSpPr>
+        <p:spPr>
+          <a:xfrm>
+            <a:off x="7124700" y="4250949"/>
+            <a:ext cx="2932113" cy="576262"/>
+          </a:xfrm>
+        </p:spPr>
+        <p:txBody>
+          <a:bodyPr anchor="b">
+            <a:noAutofit/>
+          </a:bodyPr>
+          <a:lstStyle>
+            <a:lvl1pPr marL="0" indent="0">
+              <a:buNone/>
+              <a:defRPr sz="2400" b="0">
+                <a:solidFill>
+                  <a:schemeClr val="bg2">
+                    <a:lumMod val="40000"/>
+                    <a:lumOff val="60000"/>
+                  </a:schemeClr>
+                </a:solidFill>
+              </a:defRPr>
+            </a:lvl1pPr>
+            <a:lvl2pPr marL="457200" indent="0">
+              <a:buNone/>
+              <a:defRPr sz="2000" b="1"/>
+            </a:lvl2pPr>
+            <a:lvl3pPr marL="914400" indent="0">
+              <a:buNone/>
+              <a:defRPr sz="1800" b="1"/>
+            </a:lvl3pPr>
+            <a:lvl4pPr marL="1371600" indent="0">
+              <a:buNone/>
+              <a:defRPr sz="1600" b="1"/>
+            </a:lvl4pPr>
+            <a:lvl5pPr marL="1828800" indent="0">
+              <a:buNone/>
+              <a:defRPr sz="1600" b="1"/>
+            </a:lvl5pPr>
+            <a:lvl6pPr marL="2286000" indent="0">
+              <a:buNone/>
+              <a:defRPr sz="1600" b="1"/>
+            </a:lvl6pPr>
+            <a:lvl7pPr marL="2743200" indent="0">
+              <a:buNone/>
+              <a:defRPr sz="1600" b="1"/>
+            </a:lvl7pPr>
+            <a:lvl8pPr marL="3200400" indent="0">
+              <a:buNone/>
+              <a:defRPr sz="1600" b="1"/>
+            </a:lvl8pPr>
+            <a:lvl9pPr marL="3657600" indent="0">
+              <a:buNone/>
+              <a:defRPr sz="1600" b="1"/>
+            </a:lvl9pPr>
+          </a:lstStyle>
+          <a:p>
+            <a:pPr lvl="0"/>
+            <a:r>
+              <a:rPr lang="en-US" smtClean="0"/>
+              <a:t>Edit Master text styles</a:t>
+            </a:r>
+          </a:p>
+        </p:txBody>
+      </p:sp>
+      <p:sp>
+        <p:nvSpPr>
+          <p:cNvPr id="31" name="Picture Placeholder 2"/>
+          <p:cNvSpPr>
+            <a:spLocks noGrp="1" noChangeAspect="1"/>
+          </p:cNvSpPr>
+          <p:nvPr>
+            <p:ph type="pic" idx="22"/>
+          </p:nvPr>
+        </p:nvSpPr>
+        <p:spPr>
+          <a:xfrm>
+            <a:off x="7124699" y="2209800"/>
+            <a:ext cx="2932113" cy="1524000"/>
+          </a:xfrm>
+          <a:prstGeom prst="roundRect">
+            <a:avLst>
+              <a:gd name="adj" fmla="val 1858"/>
+            </a:avLst>
+          </a:prstGeom>
+          <a:effectLst>
+            <a:outerShdw blurRad="50800" dist="50800" dir="5400000" algn="tl" rotWithShape="0">
+              <a:srgbClr val="000000">
+                <a:alpha val="43000"/>
+              </a:srgbClr>
+            </a:outerShdw>
+          </a:effectLst>
+        </p:spPr>
+        <p:txBody>
+          <a:bodyPr anchor="t">
+            <a:normAutofit/>
+          </a:bodyPr>
+          <a:lstStyle>
+            <a:lvl1pPr marL="0" indent="0" algn="ctr">
+              <a:buNone/>
+              <a:defRPr sz="1600"/>
+            </a:lvl1pPr>
+            <a:lvl2pPr marL="457200" indent="0">
+              <a:buNone/>
+              <a:defRPr sz="1600"/>
+            </a:lvl2pPr>
+            <a:lvl3pPr marL="914400" indent="0">
+              <a:buNone/>
+              <a:defRPr sz="1600"/>
+            </a:lvl3pPr>
+            <a:lvl4pPr marL="1371600" indent="0">
+              <a:buNone/>
+              <a:defRPr sz="1600"/>
+            </a:lvl4pPr>
+            <a:lvl5pPr marL="1828800" indent="0">
+              <a:buNone/>
+              <a:defRPr sz="1600"/>
+            </a:lvl5pPr>
+            <a:lvl6pPr marL="2286000" indent="0">
+              <a:buNone/>
+              <a:defRPr sz="1600"/>
+            </a:lvl6pPr>
+            <a:lvl7pPr marL="2743200" indent="0">
+              <a:buNone/>
+              <a:defRPr sz="1600"/>
+            </a:lvl7pPr>
+            <a:lvl8pPr marL="3200400" indent="0">
+              <a:buNone/>
+              <a:defRPr sz="1600"/>
+            </a:lvl8pPr>
+            <a:lvl9pPr marL="3657600" indent="0">
+              <a:buNone/>
+              <a:defRPr sz="1600"/>
+            </a:lvl9pPr>
+          </a:lstStyle>
+          <a:p>
+            <a:r>
+              <a:rPr lang="en-US" smtClean="0"/>
+              <a:t>Click icon to add picture</a:t>
+            </a:r>
+            <a:endParaRPr lang="en-US" dirty="0"/>
+          </a:p>
+        </p:txBody>
+      </p:sp>
+      <p:sp>
+        <p:nvSpPr>
+          <p:cNvPr id="24" name="Text Placeholder 3"/>
+          <p:cNvSpPr>
+            <a:spLocks noGrp="1"/>
+          </p:cNvSpPr>
+          <p:nvPr>
+            <p:ph type="body" sz="half" idx="20"/>
+          </p:nvPr>
+        </p:nvSpPr>
+        <p:spPr>
+          <a:xfrm>
+            <a:off x="7124575" y="4827208"/>
+            <a:ext cx="2935997" cy="659189"/>
+          </a:xfrm>
+        </p:spPr>
+        <p:txBody>
+          <a:bodyPr anchor="t">
+            <a:normAutofit/>
+          </a:bodyPr>
+          <a:lstStyle>
+            <a:lvl1pPr marL="0" indent="0">
+              <a:buNone/>
+              <a:defRPr sz="1400"/>
+            </a:lvl1pPr>
+            <a:lvl2pPr marL="457200" indent="0">
+              <a:buNone/>
+              <a:defRPr sz="1200"/>
+            </a:lvl2pPr>
+            <a:lvl3pPr marL="914400" indent="0">
+              <a:buNone/>
+              <a:defRPr sz="1000"/>
+            </a:lvl3pPr>
+            <a:lvl4pPr marL="1371600" indent="0">
+              <a:buNone/>
+              <a:defRPr sz="900"/>
+            </a:lvl4pPr>
+            <a:lvl5pPr marL="1828800" indent="0">
+              <a:buNone/>
+              <a:defRPr sz="900"/>
+            </a:lvl5pPr>
+            <a:lvl6pPr marL="2286000" indent="0">
+              <a:buNone/>
+              <a:defRPr sz="900"/>
+            </a:lvl6pPr>
+            <a:lvl7pPr marL="2743200" indent="0">
+              <a:buNone/>
+              <a:defRPr sz="900"/>
+            </a:lvl7pPr>
+            <a:lvl8pPr marL="3200400" indent="0">
+              <a:buNone/>
+              <a:defRPr sz="900"/>
+            </a:lvl8pPr>
+            <a:lvl9pPr marL="3657600" indent="0">
+              <a:buNone/>
+              <a:defRPr sz="900"/>
+            </a:lvl9pPr>
+          </a:lstStyle>
+          <a:p>
+            <a:pPr lvl="0"/>
+            <a:r>
+              <a:rPr lang="en-US" smtClean="0"/>
+              <a:t>Edit Master text styles</a:t>
+            </a:r>
+          </a:p>
+        </p:txBody>
+      </p:sp>
+      <p:cxnSp>
+        <p:nvCxnSpPr>
+          <p:cNvPr id="19" name="Straight Connector 18"/>
+          <p:cNvCxnSpPr/>
+          <p:nvPr/>
+        </p:nvCxnSpPr>
+        <p:spPr>
+          <a:xfrm>
+            <a:off x="3726142" y="2133600"/>
+            <a:ext cx="0" cy="3962400"/>
+          </a:xfrm>
+          <a:prstGeom prst="line">
+            <a:avLst/>
+          </a:prstGeom>
+          <a:ln w="12700" cmpd="sng">
+            <a:solidFill>
+              <a:schemeClr val="bg2">
+                <a:lumMod val="40000"/>
+                <a:lumOff val="60000"/>
+                <a:alpha val="40000"/>
+              </a:schemeClr>
+            </a:solidFill>
+          </a:ln>
+        </p:spPr>
+        <p:style>
+          <a:lnRef idx="2">
+            <a:schemeClr val="accent1"/>
+          </a:lnRef>
+          <a:fillRef idx="0">
+            <a:schemeClr val="accent1"/>
+          </a:fillRef>
+          <a:effectRef idx="1">
+            <a:schemeClr val="accent1"/>
+          </a:effectRef>
+          <a:fontRef idx="minor">
+            <a:schemeClr val="tx1"/>
+          </a:fontRef>
+        </p:style>
+      </p:cxnSp>
+      <p:cxnSp>
+        <p:nvCxnSpPr>
+          <p:cNvPr id="20" name="Straight Connector 19"/>
+          <p:cNvCxnSpPr/>
+          <p:nvPr/>
+        </p:nvCxnSpPr>
+        <p:spPr>
+          <a:xfrm>
+            <a:off x="6962227" y="2133600"/>
+            <a:ext cx="0" cy="3966882"/>
+          </a:xfrm>
+          <a:prstGeom prst="line">
+            <a:avLst/>
+          </a:prstGeom>
+          <a:ln w="12700" cmpd="sng">
+            <a:solidFill>
+              <a:schemeClr val="bg2">
+                <a:lumMod val="40000"/>
+                <a:lumOff val="60000"/>
+                <a:alpha val="40000"/>
+              </a:schemeClr>
+            </a:solidFill>
+          </a:ln>
+        </p:spPr>
+        <p:style>
+          <a:lnRef idx="2">
+            <a:schemeClr val="accent1"/>
+          </a:lnRef>
+          <a:fillRef idx="0">
+            <a:schemeClr val="accent1"/>
+          </a:fillRef>
+          <a:effectRef idx="1">
+            <a:schemeClr val="accent1"/>
+          </a:effectRef>
+          <a:fontRef idx="minor">
+            <a:schemeClr val="tx1"/>
+          </a:fontRef>
+        </p:style>
+      </p:cxnSp>
+      <p:sp>
+        <p:nvSpPr>
+          <p:cNvPr id="7" name="Date Placeholder 3"/>
+          <p:cNvSpPr>
+            <a:spLocks noGrp="1"/>
+          </p:cNvSpPr>
+          <p:nvPr>
+            <p:ph type="dt" sz="half" idx="10"/>
+          </p:nvPr>
+        </p:nvSpPr>
+        <p:spPr/>
+        <p:txBody>
+          <a:bodyPr/>
+          <a:lstStyle/>
+          <a:p>
+            <a:fld id="{54F6BBB5-41A2-428D-A1DC-B9962BD0CBCA}" type="datetimeFigureOut">
+              <a:rPr lang="en-IE" smtClean="0"/>
+              <a:t>04/04/2019</a:t>
+            </a:fld>
+            <a:endParaRPr lang="en-IE" dirty="0"/>
+          </a:p>
+        </p:txBody>
+      </p:sp>
+      <p:sp>
+        <p:nvSpPr>
+          <p:cNvPr id="4" name="Footer Placeholder 4"/>
+          <p:cNvSpPr>
+            <a:spLocks noGrp="1"/>
+          </p:cNvSpPr>
+          <p:nvPr>
+            <p:ph type="ftr" sz="quarter" idx="11"/>
+          </p:nvPr>
+        </p:nvSpPr>
+        <p:spPr/>
+        <p:txBody>
+          <a:bodyPr/>
+          <a:lstStyle/>
+          <a:p>
+            <a:endParaRPr lang="en-IE" dirty="0"/>
+          </a:p>
+        </p:txBody>
+      </p:sp>
+      <p:sp>
+        <p:nvSpPr>
+          <p:cNvPr id="6" name="Slide Number Placeholder 5"/>
+          <p:cNvSpPr>
+            <a:spLocks noGrp="1"/>
+          </p:cNvSpPr>
+          <p:nvPr>
+            <p:ph type="sldNum" sz="quarter" idx="12"/>
+          </p:nvPr>
+        </p:nvSpPr>
+        <p:spPr/>
+        <p:txBody>
+          <a:bodyPr/>
+          <a:lstStyle/>
+          <a:p>
+            <a:fld id="{468A7714-5758-42D2-95CC-E45B8F8FAA69}" type="slidenum">
+              <a:rPr lang="en-IE" smtClean="0"/>
+              <a:t>‹#›</a:t>
+            </a:fld>
+            <a:endParaRPr lang="en-IE" dirty="0"/>
+          </a:p>
+        </p:txBody>
+      </p:sp>
+    </p:spTree>
+    <p:extLst>
+      <p:ext uri="{BB962C8B-B14F-4D97-AF65-F5344CB8AC3E}">
+        <p14:creationId xmlns:p14="http://schemas.microsoft.com/office/powerpoint/2010/main" val="2122289470"/>
+      </p:ext>
+    </p:extLst>
+  </p:cSld>
+  <p:clrMapOvr>
+    <a:masterClrMapping/>
+  </p:clrMapOvr>
+</p:sldLayout>
+</file>
+
+<file path=ppt/slideLayouts/slideLayout16.xml><?xml version="1.0" encoding="utf-8"?>
 <p:sldLayout xmlns:a="http://schemas.openxmlformats.org/drawingml/2006/main" xmlns:r="http://schemas.openxmlformats.org/officeDocument/2006/relationships" xmlns:p="http://schemas.openxmlformats.org/presentationml/2006/main" type="vertTx" preserve="1">
   <p:cSld name="Title and Vertical Text">
     <p:spTree>
@@ -348,7 +2968,7 @@
               <a:rPr lang="en-US" smtClean="0"/>
               <a:t>Click to edit Master title style</a:t>
             </a:r>
-            <a:endParaRPr lang="en-IE"/>
+            <a:endParaRPr lang="en-US" dirty="0"/>
           </a:p>
         </p:txBody>
       </p:sp>
@@ -364,7 +2984,7 @@
         </p:nvSpPr>
         <p:spPr/>
         <p:txBody>
-          <a:bodyPr vert="eaVert"/>
+          <a:bodyPr vert="eaVert" anchor="t" anchorCtr="0"/>
           <a:lstStyle/>
           <a:p>
             <a:pPr lvl="0"/>
@@ -400,7 +3020,7 @@
               <a:rPr lang="en-US" smtClean="0"/>
               <a:t>Fifth level</a:t>
             </a:r>
-            <a:endParaRPr lang="en-IE"/>
+            <a:endParaRPr lang="en-US" dirty="0"/>
           </a:p>
         </p:txBody>
       </p:sp>
@@ -421,7 +3041,7 @@
           <a:p>
             <a:fld id="{54F6BBB5-41A2-428D-A1DC-B9962BD0CBCA}" type="datetimeFigureOut">
               <a:rPr lang="en-IE" smtClean="0"/>
-              <a:t>02/04/2019</a:t>
+              <a:t>04/04/2019</a:t>
             </a:fld>
             <a:endParaRPr lang="en-IE" dirty="0"/>
           </a:p>
@@ -472,7 +3092,7 @@
     </p:spTree>
     <p:extLst>
       <p:ext uri="{BB962C8B-B14F-4D97-AF65-F5344CB8AC3E}">
-        <p14:creationId xmlns:p14="http://schemas.microsoft.com/office/powerpoint/2010/main" val="2154535751"/>
+        <p14:creationId xmlns:p14="http://schemas.microsoft.com/office/powerpoint/2010/main" val="4212896339"/>
       </p:ext>
     </p:extLst>
   </p:cSld>
@@ -482,7 +3102,7 @@
 </p:sldLayout>
 </file>
 
-<file path=ppt/slideLayouts/slideLayout11.xml><?xml version="1.0" encoding="utf-8"?>
+<file path=ppt/slideLayouts/slideLayout17.xml><?xml version="1.0" encoding="utf-8"?>
 <p:sldLayout xmlns:a="http://schemas.openxmlformats.org/drawingml/2006/main" xmlns:r="http://schemas.openxmlformats.org/officeDocument/2006/relationships" xmlns:p="http://schemas.openxmlformats.org/presentationml/2006/main" type="vertTitleAndTx" preserve="1">
   <p:cSld name="Vertical Title and Text">
     <p:spTree>
@@ -511,42 +3131,42 @@
         </p:nvSpPr>
         <p:spPr>
           <a:xfrm>
-            <a:off x="8724900" y="365125"/>
-            <a:ext cx="2628900" cy="5811838"/>
+            <a:off x="8304212" y="430213"/>
+            <a:ext cx="1752601" cy="5826125"/>
           </a:xfrm>
         </p:spPr>
         <p:txBody>
+          <a:bodyPr vert="eaVert" anchor="b" anchorCtr="0"/>
+          <a:lstStyle/>
+          <a:p>
+            <a:r>
+              <a:rPr lang="en-US" smtClean="0"/>
+              <a:t>Click to edit Master title style</a:t>
+            </a:r>
+            <a:endParaRPr lang="en-US" dirty="0"/>
+          </a:p>
+        </p:txBody>
+      </p:sp>
+      <p:sp>
+        <p:nvSpPr>
+          <p:cNvPr id="3" name="Vertical Text Placeholder 2"/>
+          <p:cNvSpPr>
+            <a:spLocks noGrp="1"/>
+          </p:cNvSpPr>
+          <p:nvPr>
+            <p:ph type="body" orient="vert" idx="1"/>
+          </p:nvPr>
+        </p:nvSpPr>
+        <p:spPr>
+          <a:xfrm>
+            <a:off x="652463" y="887414"/>
+            <a:ext cx="7423149" cy="5368924"/>
+          </a:xfrm>
+        </p:spPr>
+        <p:txBody>
           <a:bodyPr vert="eaVert"/>
           <a:lstStyle/>
           <a:p>
-            <a:r>
-              <a:rPr lang="en-US" smtClean="0"/>
-              <a:t>Click to edit Master title style</a:t>
-            </a:r>
-            <a:endParaRPr lang="en-IE"/>
-          </a:p>
-        </p:txBody>
-      </p:sp>
-      <p:sp>
-        <p:nvSpPr>
-          <p:cNvPr id="3" name="Vertical Text Placeholder 2"/>
-          <p:cNvSpPr>
-            <a:spLocks noGrp="1"/>
-          </p:cNvSpPr>
-          <p:nvPr>
-            <p:ph type="body" orient="vert" idx="1"/>
-          </p:nvPr>
-        </p:nvSpPr>
-        <p:spPr>
-          <a:xfrm>
-            <a:off x="838200" y="365125"/>
-            <a:ext cx="7734300" cy="5811838"/>
-          </a:xfrm>
-        </p:spPr>
-        <p:txBody>
-          <a:bodyPr vert="eaVert"/>
-          <a:lstStyle/>
-          <a:p>
             <a:pPr lvl="0"/>
             <a:r>
               <a:rPr lang="en-US" smtClean="0"/>
@@ -580,7 +3200,7 @@
               <a:rPr lang="en-US" smtClean="0"/>
               <a:t>Fifth level</a:t>
             </a:r>
-            <a:endParaRPr lang="en-IE"/>
+            <a:endParaRPr lang="en-US" dirty="0"/>
           </a:p>
         </p:txBody>
       </p:sp>
@@ -601,7 +3221,7 @@
           <a:p>
             <a:fld id="{54F6BBB5-41A2-428D-A1DC-B9962BD0CBCA}" type="datetimeFigureOut">
               <a:rPr lang="en-IE" smtClean="0"/>
-              <a:t>02/04/2019</a:t>
+              <a:t>04/04/2019</a:t>
             </a:fld>
             <a:endParaRPr lang="en-IE" dirty="0"/>
           </a:p>
@@ -652,7 +3272,7 @@
     </p:spTree>
     <p:extLst>
       <p:ext uri="{BB962C8B-B14F-4D97-AF65-F5344CB8AC3E}">
-        <p14:creationId xmlns:p14="http://schemas.microsoft.com/office/powerpoint/2010/main" val="1744671083"/>
+        <p14:creationId xmlns:p14="http://schemas.microsoft.com/office/powerpoint/2010/main" val="2615761236"/>
       </p:ext>
     </p:extLst>
   </p:cSld>
@@ -698,7 +3318,7 @@
               <a:rPr lang="en-US" smtClean="0"/>
               <a:t>Click to edit Master title style</a:t>
             </a:r>
-            <a:endParaRPr lang="en-IE"/>
+            <a:endParaRPr lang="en-US" dirty="0"/>
           </a:p>
         </p:txBody>
       </p:sp>
@@ -750,13 +3370,13 @@
               <a:rPr lang="en-US" smtClean="0"/>
               <a:t>Fifth level</a:t>
             </a:r>
-            <a:endParaRPr lang="en-IE"/>
-          </a:p>
-        </p:txBody>
-      </p:sp>
-      <p:sp>
-        <p:nvSpPr>
-          <p:cNvPr id="4" name="Date Placeholder 3"/>
+            <a:endParaRPr lang="en-US" dirty="0"/>
+          </a:p>
+        </p:txBody>
+      </p:sp>
+      <p:sp>
+        <p:nvSpPr>
+          <p:cNvPr id="7" name="Date Placeholder 3"/>
           <p:cNvSpPr>
             <a:spLocks noGrp="1"/>
           </p:cNvSpPr>
@@ -771,7 +3391,7 @@
           <a:p>
             <a:fld id="{54F6BBB5-41A2-428D-A1DC-B9962BD0CBCA}" type="datetimeFigureOut">
               <a:rPr lang="en-IE" smtClean="0"/>
-              <a:t>02/04/2019</a:t>
+              <a:t>04/04/2019</a:t>
             </a:fld>
             <a:endParaRPr lang="en-IE" dirty="0"/>
           </a:p>
@@ -822,7 +3442,7 @@
     </p:spTree>
     <p:extLst>
       <p:ext uri="{BB962C8B-B14F-4D97-AF65-F5344CB8AC3E}">
-        <p14:creationId xmlns:p14="http://schemas.microsoft.com/office/powerpoint/2010/main" val="4141378366"/>
+        <p14:creationId xmlns:p14="http://schemas.microsoft.com/office/powerpoint/2010/main" val="894948645"/>
       </p:ext>
     </p:extLst>
   </p:cSld>
@@ -861,15 +3481,15 @@
         </p:nvSpPr>
         <p:spPr>
           <a:xfrm>
-            <a:off x="831850" y="1709738"/>
-            <a:ext cx="10515600" cy="2852737"/>
+            <a:off x="1154956" y="2861733"/>
+            <a:ext cx="8825657" cy="1915647"/>
           </a:xfrm>
         </p:spPr>
         <p:txBody>
           <a:bodyPr anchor="b"/>
           <a:lstStyle>
-            <a:lvl1pPr>
-              <a:defRPr sz="6000"/>
+            <a:lvl1pPr algn="l">
+              <a:defRPr sz="4000" b="0" cap="none"/>
             </a:lvl1pPr>
           </a:lstStyle>
           <a:p>
@@ -877,7 +3497,7 @@
               <a:rPr lang="en-US" smtClean="0"/>
               <a:t>Click to edit Master title style</a:t>
             </a:r>
-            <a:endParaRPr lang="en-IE"/>
+            <a:endParaRPr lang="en-US" dirty="0"/>
           </a:p>
         </p:txBody>
       </p:sp>
@@ -893,26 +3513,27 @@
         </p:nvSpPr>
         <p:spPr>
           <a:xfrm>
-            <a:off x="831850" y="4589463"/>
-            <a:ext cx="10515600" cy="1500187"/>
+            <a:off x="1154955" y="4777381"/>
+            <a:ext cx="8825658" cy="860400"/>
           </a:xfrm>
         </p:spPr>
         <p:txBody>
-          <a:bodyPr/>
+          <a:bodyPr anchor="t"/>
           <a:lstStyle>
-            <a:lvl1pPr marL="0" indent="0">
-              <a:buNone/>
-              <a:defRPr sz="2400">
+            <a:lvl1pPr marL="0" indent="0" algn="l">
+              <a:buNone/>
+              <a:defRPr sz="2000" cap="all">
                 <a:solidFill>
-                  <a:schemeClr val="tx1">
-                    <a:tint val="75000"/>
+                  <a:schemeClr val="bg2">
+                    <a:lumMod val="40000"/>
+                    <a:lumOff val="60000"/>
                   </a:schemeClr>
                 </a:solidFill>
               </a:defRPr>
             </a:lvl1pPr>
             <a:lvl2pPr marL="457200" indent="0">
               <a:buNone/>
-              <a:defRPr sz="2000">
+              <a:defRPr sz="1800">
                 <a:solidFill>
                   <a:schemeClr val="tx1">
                     <a:tint val="75000"/>
@@ -922,7 +3543,7 @@
             </a:lvl2pPr>
             <a:lvl3pPr marL="914400" indent="0">
               <a:buNone/>
-              <a:defRPr sz="1800">
+              <a:defRPr sz="1600">
                 <a:solidFill>
                   <a:schemeClr val="tx1">
                     <a:tint val="75000"/>
@@ -932,7 +3553,7 @@
             </a:lvl3pPr>
             <a:lvl4pPr marL="1371600" indent="0">
               <a:buNone/>
-              <a:defRPr sz="1600">
+              <a:defRPr sz="1400">
                 <a:solidFill>
                   <a:schemeClr val="tx1">
                     <a:tint val="75000"/>
@@ -942,7 +3563,7 @@
             </a:lvl4pPr>
             <a:lvl5pPr marL="1828800" indent="0">
               <a:buNone/>
-              <a:defRPr sz="1600">
+              <a:defRPr sz="1400">
                 <a:solidFill>
                   <a:schemeClr val="tx1">
                     <a:tint val="75000"/>
@@ -952,7 +3573,7 @@
             </a:lvl5pPr>
             <a:lvl6pPr marL="2286000" indent="0">
               <a:buNone/>
-              <a:defRPr sz="1600">
+              <a:defRPr sz="1400">
                 <a:solidFill>
                   <a:schemeClr val="tx1">
                     <a:tint val="75000"/>
@@ -962,7 +3583,7 @@
             </a:lvl6pPr>
             <a:lvl7pPr marL="2743200" indent="0">
               <a:buNone/>
-              <a:defRPr sz="1600">
+              <a:defRPr sz="1400">
                 <a:solidFill>
                   <a:schemeClr val="tx1">
                     <a:tint val="75000"/>
@@ -972,7 +3593,7 @@
             </a:lvl7pPr>
             <a:lvl8pPr marL="3200400" indent="0">
               <a:buNone/>
-              <a:defRPr sz="1600">
+              <a:defRPr sz="1400">
                 <a:solidFill>
                   <a:schemeClr val="tx1">
                     <a:tint val="75000"/>
@@ -982,7 +3603,7 @@
             </a:lvl8pPr>
             <a:lvl9pPr marL="3657600" indent="0">
               <a:buNone/>
-              <a:defRPr sz="1600">
+              <a:defRPr sz="1400">
                 <a:solidFill>
                   <a:schemeClr val="tx1">
                     <a:tint val="75000"/>
@@ -1017,7 +3638,7 @@
           <a:p>
             <a:fld id="{54F6BBB5-41A2-428D-A1DC-B9962BD0CBCA}" type="datetimeFigureOut">
               <a:rPr lang="en-IE" smtClean="0"/>
-              <a:t>02/04/2019</a:t>
+              <a:t>04/04/2019</a:t>
             </a:fld>
             <a:endParaRPr lang="en-IE" dirty="0"/>
           </a:p>
@@ -1068,7 +3689,7 @@
     </p:spTree>
     <p:extLst>
       <p:ext uri="{BB962C8B-B14F-4D97-AF65-F5344CB8AC3E}">
-        <p14:creationId xmlns:p14="http://schemas.microsoft.com/office/powerpoint/2010/main" val="2313721088"/>
+        <p14:creationId xmlns:p14="http://schemas.microsoft.com/office/powerpoint/2010/main" val="750916775"/>
       </p:ext>
     </p:extLst>
   </p:cSld>
@@ -1114,7 +3735,7 @@
               <a:rPr lang="en-US" smtClean="0"/>
               <a:t>Click to edit Master title style</a:t>
             </a:r>
-            <a:endParaRPr lang="en-IE"/>
+            <a:endParaRPr lang="en-US" dirty="0"/>
           </a:p>
         </p:txBody>
       </p:sp>
@@ -1130,126 +3751,186 @@
         </p:nvSpPr>
         <p:spPr>
           <a:xfrm>
-            <a:off x="838200" y="1825625"/>
-            <a:ext cx="5181600" cy="4351338"/>
+            <a:off x="1103312" y="2060575"/>
+            <a:ext cx="4396339" cy="4195763"/>
           </a:xfrm>
         </p:spPr>
         <p:txBody>
+          <a:bodyPr>
+            <a:normAutofit/>
+          </a:bodyPr>
+          <a:lstStyle>
+            <a:lvl1pPr>
+              <a:defRPr sz="1800"/>
+            </a:lvl1pPr>
+            <a:lvl2pPr>
+              <a:defRPr sz="1600"/>
+            </a:lvl2pPr>
+            <a:lvl3pPr>
+              <a:defRPr sz="1400"/>
+            </a:lvl3pPr>
+            <a:lvl4pPr>
+              <a:defRPr sz="1200"/>
+            </a:lvl4pPr>
+            <a:lvl5pPr>
+              <a:defRPr sz="1200"/>
+            </a:lvl5pPr>
+            <a:lvl6pPr>
+              <a:defRPr sz="1200"/>
+            </a:lvl6pPr>
+            <a:lvl7pPr>
+              <a:defRPr sz="1200"/>
+            </a:lvl7pPr>
+            <a:lvl8pPr>
+              <a:defRPr sz="1200"/>
+            </a:lvl8pPr>
+            <a:lvl9pPr>
+              <a:defRPr sz="1200"/>
+            </a:lvl9pPr>
+          </a:lstStyle>
+          <a:p>
+            <a:pPr lvl="0"/>
+            <a:r>
+              <a:rPr lang="en-US" smtClean="0"/>
+              <a:t>Edit Master text styles</a:t>
+            </a:r>
+          </a:p>
+          <a:p>
+            <a:pPr lvl="1"/>
+            <a:r>
+              <a:rPr lang="en-US" smtClean="0"/>
+              <a:t>Second level</a:t>
+            </a:r>
+          </a:p>
+          <a:p>
+            <a:pPr lvl="2"/>
+            <a:r>
+              <a:rPr lang="en-US" smtClean="0"/>
+              <a:t>Third level</a:t>
+            </a:r>
+          </a:p>
+          <a:p>
+            <a:pPr lvl="3"/>
+            <a:r>
+              <a:rPr lang="en-US" smtClean="0"/>
+              <a:t>Fourth level</a:t>
+            </a:r>
+          </a:p>
+          <a:p>
+            <a:pPr lvl="4"/>
+            <a:r>
+              <a:rPr lang="en-US" smtClean="0"/>
+              <a:t>Fifth level</a:t>
+            </a:r>
+            <a:endParaRPr lang="en-US" dirty="0"/>
+          </a:p>
+        </p:txBody>
+      </p:sp>
+      <p:sp>
+        <p:nvSpPr>
+          <p:cNvPr id="4" name="Content Placeholder 3"/>
+          <p:cNvSpPr>
+            <a:spLocks noGrp="1"/>
+          </p:cNvSpPr>
+          <p:nvPr>
+            <p:ph sz="half" idx="2"/>
+          </p:nvPr>
+        </p:nvSpPr>
+        <p:spPr>
+          <a:xfrm>
+            <a:off x="5654493" y="2056092"/>
+            <a:ext cx="4396341" cy="4200245"/>
+          </a:xfrm>
+        </p:spPr>
+        <p:txBody>
+          <a:bodyPr>
+            <a:normAutofit/>
+          </a:bodyPr>
+          <a:lstStyle>
+            <a:lvl1pPr>
+              <a:defRPr sz="1800"/>
+            </a:lvl1pPr>
+            <a:lvl2pPr>
+              <a:defRPr sz="1600"/>
+            </a:lvl2pPr>
+            <a:lvl3pPr>
+              <a:defRPr sz="1400"/>
+            </a:lvl3pPr>
+            <a:lvl4pPr>
+              <a:defRPr sz="1200"/>
+            </a:lvl4pPr>
+            <a:lvl5pPr>
+              <a:defRPr sz="1200"/>
+            </a:lvl5pPr>
+            <a:lvl6pPr>
+              <a:defRPr sz="1200"/>
+            </a:lvl6pPr>
+            <a:lvl7pPr>
+              <a:defRPr sz="1200"/>
+            </a:lvl7pPr>
+            <a:lvl8pPr>
+              <a:defRPr sz="1200"/>
+            </a:lvl8pPr>
+            <a:lvl9pPr>
+              <a:defRPr sz="1200"/>
+            </a:lvl9pPr>
+          </a:lstStyle>
+          <a:p>
+            <a:pPr lvl="0"/>
+            <a:r>
+              <a:rPr lang="en-US" smtClean="0"/>
+              <a:t>Edit Master text styles</a:t>
+            </a:r>
+          </a:p>
+          <a:p>
+            <a:pPr lvl="1"/>
+            <a:r>
+              <a:rPr lang="en-US" smtClean="0"/>
+              <a:t>Second level</a:t>
+            </a:r>
+          </a:p>
+          <a:p>
+            <a:pPr lvl="2"/>
+            <a:r>
+              <a:rPr lang="en-US" smtClean="0"/>
+              <a:t>Third level</a:t>
+            </a:r>
+          </a:p>
+          <a:p>
+            <a:pPr lvl="3"/>
+            <a:r>
+              <a:rPr lang="en-US" smtClean="0"/>
+              <a:t>Fourth level</a:t>
+            </a:r>
+          </a:p>
+          <a:p>
+            <a:pPr lvl="4"/>
+            <a:r>
+              <a:rPr lang="en-US" smtClean="0"/>
+              <a:t>Fifth level</a:t>
+            </a:r>
+            <a:endParaRPr lang="en-US" dirty="0"/>
+          </a:p>
+        </p:txBody>
+      </p:sp>
+      <p:sp>
+        <p:nvSpPr>
+          <p:cNvPr id="5" name="Date Placeholder 4"/>
+          <p:cNvSpPr>
+            <a:spLocks noGrp="1"/>
+          </p:cNvSpPr>
+          <p:nvPr>
+            <p:ph type="dt" sz="half" idx="10"/>
+          </p:nvPr>
+        </p:nvSpPr>
+        <p:spPr/>
+        <p:txBody>
           <a:bodyPr/>
           <a:lstStyle/>
           <a:p>
-            <a:pPr lvl="0"/>
-            <a:r>
-              <a:rPr lang="en-US" smtClean="0"/>
-              <a:t>Edit Master text styles</a:t>
-            </a:r>
-          </a:p>
-          <a:p>
-            <a:pPr lvl="1"/>
-            <a:r>
-              <a:rPr lang="en-US" smtClean="0"/>
-              <a:t>Second level</a:t>
-            </a:r>
-          </a:p>
-          <a:p>
-            <a:pPr lvl="2"/>
-            <a:r>
-              <a:rPr lang="en-US" smtClean="0"/>
-              <a:t>Third level</a:t>
-            </a:r>
-          </a:p>
-          <a:p>
-            <a:pPr lvl="3"/>
-            <a:r>
-              <a:rPr lang="en-US" smtClean="0"/>
-              <a:t>Fourth level</a:t>
-            </a:r>
-          </a:p>
-          <a:p>
-            <a:pPr lvl="4"/>
-            <a:r>
-              <a:rPr lang="en-US" smtClean="0"/>
-              <a:t>Fifth level</a:t>
-            </a:r>
-            <a:endParaRPr lang="en-IE"/>
-          </a:p>
-        </p:txBody>
-      </p:sp>
-      <p:sp>
-        <p:nvSpPr>
-          <p:cNvPr id="4" name="Content Placeholder 3"/>
-          <p:cNvSpPr>
-            <a:spLocks noGrp="1"/>
-          </p:cNvSpPr>
-          <p:nvPr>
-            <p:ph sz="half" idx="2"/>
-          </p:nvPr>
-        </p:nvSpPr>
-        <p:spPr>
-          <a:xfrm>
-            <a:off x="6172200" y="1825625"/>
-            <a:ext cx="5181600" cy="4351338"/>
-          </a:xfrm>
-        </p:spPr>
-        <p:txBody>
-          <a:bodyPr/>
-          <a:lstStyle/>
-          <a:p>
-            <a:pPr lvl="0"/>
-            <a:r>
-              <a:rPr lang="en-US" smtClean="0"/>
-              <a:t>Edit Master text styles</a:t>
-            </a:r>
-          </a:p>
-          <a:p>
-            <a:pPr lvl="1"/>
-            <a:r>
-              <a:rPr lang="en-US" smtClean="0"/>
-              <a:t>Second level</a:t>
-            </a:r>
-          </a:p>
-          <a:p>
-            <a:pPr lvl="2"/>
-            <a:r>
-              <a:rPr lang="en-US" smtClean="0"/>
-              <a:t>Third level</a:t>
-            </a:r>
-          </a:p>
-          <a:p>
-            <a:pPr lvl="3"/>
-            <a:r>
-              <a:rPr lang="en-US" smtClean="0"/>
-              <a:t>Fourth level</a:t>
-            </a:r>
-          </a:p>
-          <a:p>
-            <a:pPr lvl="4"/>
-            <a:r>
-              <a:rPr lang="en-US" smtClean="0"/>
-              <a:t>Fifth level</a:t>
-            </a:r>
-            <a:endParaRPr lang="en-IE"/>
-          </a:p>
-        </p:txBody>
-      </p:sp>
-      <p:sp>
-        <p:nvSpPr>
-          <p:cNvPr id="5" name="Date Placeholder 4"/>
-          <p:cNvSpPr>
-            <a:spLocks noGrp="1"/>
-          </p:cNvSpPr>
-          <p:nvPr>
-            <p:ph type="dt" sz="half" idx="10"/>
-          </p:nvPr>
-        </p:nvSpPr>
-        <p:spPr/>
-        <p:txBody>
-          <a:bodyPr/>
-          <a:lstStyle/>
-          <a:p>
             <a:fld id="{54F6BBB5-41A2-428D-A1DC-B9962BD0CBCA}" type="datetimeFigureOut">
               <a:rPr lang="en-IE" smtClean="0"/>
-              <a:t>02/04/2019</a:t>
+              <a:t>04/04/2019</a:t>
             </a:fld>
             <a:endParaRPr lang="en-IE" dirty="0"/>
           </a:p>
@@ -1300,7 +3981,7 @@
     </p:spTree>
     <p:extLst>
       <p:ext uri="{BB962C8B-B14F-4D97-AF65-F5344CB8AC3E}">
-        <p14:creationId xmlns:p14="http://schemas.microsoft.com/office/powerpoint/2010/main" val="4236732339"/>
+        <p14:creationId xmlns:p14="http://schemas.microsoft.com/office/powerpoint/2010/main" val="420465181"/>
       </p:ext>
     </p:extLst>
   </p:cSld>
@@ -1337,46 +4018,54 @@
             <p:ph type="title"/>
           </p:nvPr>
         </p:nvSpPr>
+        <p:spPr/>
+        <p:txBody>
+          <a:bodyPr/>
+          <a:lstStyle>
+            <a:lvl1pPr>
+              <a:defRPr/>
+            </a:lvl1pPr>
+          </a:lstStyle>
+          <a:p>
+            <a:r>
+              <a:rPr lang="en-US" smtClean="0"/>
+              <a:t>Click to edit Master title style</a:t>
+            </a:r>
+            <a:endParaRPr lang="en-US" dirty="0"/>
+          </a:p>
+        </p:txBody>
+      </p:sp>
+      <p:sp>
+        <p:nvSpPr>
+          <p:cNvPr id="3" name="Text Placeholder 2"/>
+          <p:cNvSpPr>
+            <a:spLocks noGrp="1"/>
+          </p:cNvSpPr>
+          <p:nvPr>
+            <p:ph type="body" idx="1"/>
+          </p:nvPr>
+        </p:nvSpPr>
         <p:spPr>
           <a:xfrm>
-            <a:off x="839788" y="365125"/>
-            <a:ext cx="10515600" cy="1325563"/>
+            <a:off x="1103313" y="1905000"/>
+            <a:ext cx="4396338" cy="576262"/>
           </a:xfrm>
         </p:spPr>
         <p:txBody>
-          <a:bodyPr/>
-          <a:lstStyle/>
-          <a:p>
-            <a:r>
-              <a:rPr lang="en-US" smtClean="0"/>
-              <a:t>Click to edit Master title style</a:t>
-            </a:r>
-            <a:endParaRPr lang="en-IE"/>
-          </a:p>
-        </p:txBody>
-      </p:sp>
-      <p:sp>
-        <p:nvSpPr>
-          <p:cNvPr id="3" name="Text Placeholder 2"/>
-          <p:cNvSpPr>
-            <a:spLocks noGrp="1"/>
-          </p:cNvSpPr>
-          <p:nvPr>
-            <p:ph type="body" idx="1"/>
-          </p:nvPr>
-        </p:nvSpPr>
-        <p:spPr>
-          <a:xfrm>
-            <a:off x="839788" y="1681163"/>
-            <a:ext cx="5157787" cy="823912"/>
-          </a:xfrm>
-        </p:spPr>
-        <p:txBody>
-          <a:bodyPr anchor="b"/>
+          <a:bodyPr anchor="b">
+            <a:noAutofit/>
+          </a:bodyPr>
           <a:lstStyle>
             <a:lvl1pPr marL="0" indent="0">
               <a:buNone/>
-              <a:defRPr sz="2400" b="1"/>
+              <a:defRPr sz="2400" b="0">
+                <a:solidFill>
+                  <a:schemeClr val="bg2">
+                    <a:lumMod val="40000"/>
+                    <a:lumOff val="60000"/>
+                  </a:schemeClr>
+                </a:solidFill>
+              </a:defRPr>
             </a:lvl1pPr>
             <a:lvl2pPr marL="457200" indent="0">
               <a:buNone/>
@@ -1432,13 +4121,43 @@
         </p:nvSpPr>
         <p:spPr>
           <a:xfrm>
-            <a:off x="839788" y="2505075"/>
-            <a:ext cx="5157787" cy="3684588"/>
+            <a:off x="1103312" y="2514600"/>
+            <a:ext cx="4396339" cy="3741738"/>
           </a:xfrm>
         </p:spPr>
         <p:txBody>
-          <a:bodyPr/>
-          <a:lstStyle/>
+          <a:bodyPr>
+            <a:normAutofit/>
+          </a:bodyPr>
+          <a:lstStyle>
+            <a:lvl1pPr>
+              <a:defRPr sz="1800"/>
+            </a:lvl1pPr>
+            <a:lvl2pPr>
+              <a:defRPr sz="1600"/>
+            </a:lvl2pPr>
+            <a:lvl3pPr>
+              <a:defRPr sz="1400"/>
+            </a:lvl3pPr>
+            <a:lvl4pPr>
+              <a:defRPr sz="1200"/>
+            </a:lvl4pPr>
+            <a:lvl5pPr>
+              <a:defRPr sz="1200"/>
+            </a:lvl5pPr>
+            <a:lvl6pPr>
+              <a:defRPr sz="1200"/>
+            </a:lvl6pPr>
+            <a:lvl7pPr>
+              <a:defRPr sz="1200"/>
+            </a:lvl7pPr>
+            <a:lvl8pPr>
+              <a:defRPr sz="1200"/>
+            </a:lvl8pPr>
+            <a:lvl9pPr>
+              <a:defRPr sz="1200"/>
+            </a:lvl9pPr>
+          </a:lstStyle>
           <a:p>
             <a:pPr lvl="0"/>
             <a:r>
@@ -1473,7 +4192,7 @@
               <a:rPr lang="en-US" smtClean="0"/>
               <a:t>Fifth level</a:t>
             </a:r>
-            <a:endParaRPr lang="en-IE"/>
+            <a:endParaRPr lang="en-US" dirty="0"/>
           </a:p>
         </p:txBody>
       </p:sp>
@@ -1489,16 +4208,25 @@
         </p:nvSpPr>
         <p:spPr>
           <a:xfrm>
-            <a:off x="6172200" y="1681163"/>
-            <a:ext cx="5183188" cy="823912"/>
+            <a:off x="5654495" y="1905000"/>
+            <a:ext cx="4396339" cy="576262"/>
           </a:xfrm>
         </p:spPr>
         <p:txBody>
-          <a:bodyPr anchor="b"/>
+          <a:bodyPr anchor="b">
+            <a:noAutofit/>
+          </a:bodyPr>
           <a:lstStyle>
             <a:lvl1pPr marL="0" indent="0">
               <a:buNone/>
-              <a:defRPr sz="2400" b="1"/>
+              <a:defRPr sz="2400" b="0">
+                <a:solidFill>
+                  <a:schemeClr val="bg2">
+                    <a:lumMod val="40000"/>
+                    <a:lumOff val="60000"/>
+                  </a:schemeClr>
+                </a:solidFill>
+              </a:defRPr>
             </a:lvl1pPr>
             <a:lvl2pPr marL="457200" indent="0">
               <a:buNone/>
@@ -1554,69 +4282,99 @@
         </p:nvSpPr>
         <p:spPr>
           <a:xfrm>
-            <a:off x="6172200" y="2505075"/>
-            <a:ext cx="5183188" cy="3684588"/>
+            <a:off x="5654495" y="2514600"/>
+            <a:ext cx="4396339" cy="3741738"/>
           </a:xfrm>
         </p:spPr>
         <p:txBody>
+          <a:bodyPr>
+            <a:normAutofit/>
+          </a:bodyPr>
+          <a:lstStyle>
+            <a:lvl1pPr>
+              <a:defRPr sz="1800"/>
+            </a:lvl1pPr>
+            <a:lvl2pPr>
+              <a:defRPr sz="1600"/>
+            </a:lvl2pPr>
+            <a:lvl3pPr>
+              <a:defRPr sz="1400"/>
+            </a:lvl3pPr>
+            <a:lvl4pPr>
+              <a:defRPr sz="1200"/>
+            </a:lvl4pPr>
+            <a:lvl5pPr>
+              <a:defRPr sz="1200"/>
+            </a:lvl5pPr>
+            <a:lvl6pPr>
+              <a:defRPr sz="1200"/>
+            </a:lvl6pPr>
+            <a:lvl7pPr>
+              <a:defRPr sz="1200"/>
+            </a:lvl7pPr>
+            <a:lvl8pPr>
+              <a:defRPr sz="1200"/>
+            </a:lvl8pPr>
+            <a:lvl9pPr>
+              <a:defRPr sz="1200"/>
+            </a:lvl9pPr>
+          </a:lstStyle>
+          <a:p>
+            <a:pPr lvl="0"/>
+            <a:r>
+              <a:rPr lang="en-US" smtClean="0"/>
+              <a:t>Edit Master text styles</a:t>
+            </a:r>
+          </a:p>
+          <a:p>
+            <a:pPr lvl="1"/>
+            <a:r>
+              <a:rPr lang="en-US" smtClean="0"/>
+              <a:t>Second level</a:t>
+            </a:r>
+          </a:p>
+          <a:p>
+            <a:pPr lvl="2"/>
+            <a:r>
+              <a:rPr lang="en-US" smtClean="0"/>
+              <a:t>Third level</a:t>
+            </a:r>
+          </a:p>
+          <a:p>
+            <a:pPr lvl="3"/>
+            <a:r>
+              <a:rPr lang="en-US" smtClean="0"/>
+              <a:t>Fourth level</a:t>
+            </a:r>
+          </a:p>
+          <a:p>
+            <a:pPr lvl="4"/>
+            <a:r>
+              <a:rPr lang="en-US" smtClean="0"/>
+              <a:t>Fifth level</a:t>
+            </a:r>
+            <a:endParaRPr lang="en-US" dirty="0"/>
+          </a:p>
+        </p:txBody>
+      </p:sp>
+      <p:sp>
+        <p:nvSpPr>
+          <p:cNvPr id="7" name="Date Placeholder 6"/>
+          <p:cNvSpPr>
+            <a:spLocks noGrp="1"/>
+          </p:cNvSpPr>
+          <p:nvPr>
+            <p:ph type="dt" sz="half" idx="10"/>
+          </p:nvPr>
+        </p:nvSpPr>
+        <p:spPr/>
+        <p:txBody>
           <a:bodyPr/>
           <a:lstStyle/>
           <a:p>
-            <a:pPr lvl="0"/>
-            <a:r>
-              <a:rPr lang="en-US" smtClean="0"/>
-              <a:t>Edit Master text styles</a:t>
-            </a:r>
-          </a:p>
-          <a:p>
-            <a:pPr lvl="1"/>
-            <a:r>
-              <a:rPr lang="en-US" smtClean="0"/>
-              <a:t>Second level</a:t>
-            </a:r>
-          </a:p>
-          <a:p>
-            <a:pPr lvl="2"/>
-            <a:r>
-              <a:rPr lang="en-US" smtClean="0"/>
-              <a:t>Third level</a:t>
-            </a:r>
-          </a:p>
-          <a:p>
-            <a:pPr lvl="3"/>
-            <a:r>
-              <a:rPr lang="en-US" smtClean="0"/>
-              <a:t>Fourth level</a:t>
-            </a:r>
-          </a:p>
-          <a:p>
-            <a:pPr lvl="4"/>
-            <a:r>
-              <a:rPr lang="en-US" smtClean="0"/>
-              <a:t>Fifth level</a:t>
-            </a:r>
-            <a:endParaRPr lang="en-IE"/>
-          </a:p>
-        </p:txBody>
-      </p:sp>
-      <p:sp>
-        <p:nvSpPr>
-          <p:cNvPr id="7" name="Date Placeholder 6"/>
-          <p:cNvSpPr>
-            <a:spLocks noGrp="1"/>
-          </p:cNvSpPr>
-          <p:nvPr>
-            <p:ph type="dt" sz="half" idx="10"/>
-          </p:nvPr>
-        </p:nvSpPr>
-        <p:spPr/>
-        <p:txBody>
-          <a:bodyPr/>
-          <a:lstStyle/>
-          <a:p>
             <a:fld id="{54F6BBB5-41A2-428D-A1DC-B9962BD0CBCA}" type="datetimeFigureOut">
               <a:rPr lang="en-IE" smtClean="0"/>
-              <a:t>02/04/2019</a:t>
+              <a:t>04/04/2019</a:t>
             </a:fld>
             <a:endParaRPr lang="en-IE" dirty="0"/>
           </a:p>
@@ -1667,7 +4425,7 @@
     </p:spTree>
     <p:extLst>
       <p:ext uri="{BB962C8B-B14F-4D97-AF65-F5344CB8AC3E}">
-        <p14:creationId xmlns:p14="http://schemas.microsoft.com/office/powerpoint/2010/main" val="2764204492"/>
+        <p14:creationId xmlns:p14="http://schemas.microsoft.com/office/powerpoint/2010/main" val="1402698527"/>
       </p:ext>
     </p:extLst>
   </p:cSld>
@@ -1713,13 +4471,13 @@
               <a:rPr lang="en-US" smtClean="0"/>
               <a:t>Click to edit Master title style</a:t>
             </a:r>
-            <a:endParaRPr lang="en-IE"/>
-          </a:p>
-        </p:txBody>
-      </p:sp>
-      <p:sp>
-        <p:nvSpPr>
-          <p:cNvPr id="3" name="Date Placeholder 2"/>
+            <a:endParaRPr lang="en-US" dirty="0"/>
+          </a:p>
+        </p:txBody>
+      </p:sp>
+      <p:sp>
+        <p:nvSpPr>
+          <p:cNvPr id="7" name="Date Placeholder 2"/>
           <p:cNvSpPr>
             <a:spLocks noGrp="1"/>
           </p:cNvSpPr>
@@ -1734,7 +4492,7 @@
           <a:p>
             <a:fld id="{54F6BBB5-41A2-428D-A1DC-B9962BD0CBCA}" type="datetimeFigureOut">
               <a:rPr lang="en-IE" smtClean="0"/>
-              <a:t>02/04/2019</a:t>
+              <a:t>04/04/2019</a:t>
             </a:fld>
             <a:endParaRPr lang="en-IE" dirty="0"/>
           </a:p>
@@ -1742,7 +4500,7 @@
       </p:sp>
       <p:sp>
         <p:nvSpPr>
-          <p:cNvPr id="4" name="Footer Placeholder 3"/>
+          <p:cNvPr id="5" name="Footer Placeholder 3"/>
           <p:cNvSpPr>
             <a:spLocks noGrp="1"/>
           </p:cNvSpPr>
@@ -1761,7 +4519,7 @@
       </p:sp>
       <p:sp>
         <p:nvSpPr>
-          <p:cNvPr id="5" name="Slide Number Placeholder 4"/>
+          <p:cNvPr id="6" name="Slide Number Placeholder 4"/>
           <p:cNvSpPr>
             <a:spLocks noGrp="1"/>
           </p:cNvSpPr>
@@ -1785,7 +4543,7 @@
     </p:spTree>
     <p:extLst>
       <p:ext uri="{BB962C8B-B14F-4D97-AF65-F5344CB8AC3E}">
-        <p14:creationId xmlns:p14="http://schemas.microsoft.com/office/powerpoint/2010/main" val="30959914"/>
+        <p14:creationId xmlns:p14="http://schemas.microsoft.com/office/powerpoint/2010/main" val="1533988862"/>
       </p:ext>
     </p:extLst>
   </p:cSld>
@@ -1814,7 +4572,7 @@
       </p:grpSpPr>
       <p:sp>
         <p:nvSpPr>
-          <p:cNvPr id="2" name="Date Placeholder 1"/>
+          <p:cNvPr id="7" name="Date Placeholder 1"/>
           <p:cNvSpPr>
             <a:spLocks noGrp="1"/>
           </p:cNvSpPr>
@@ -1829,7 +4587,7 @@
           <a:p>
             <a:fld id="{54F6BBB5-41A2-428D-A1DC-B9962BD0CBCA}" type="datetimeFigureOut">
               <a:rPr lang="en-IE" smtClean="0"/>
-              <a:t>02/04/2019</a:t>
+              <a:t>04/04/2019</a:t>
             </a:fld>
             <a:endParaRPr lang="en-IE" dirty="0"/>
           </a:p>
@@ -1837,7 +4595,7 @@
       </p:sp>
       <p:sp>
         <p:nvSpPr>
-          <p:cNvPr id="3" name="Footer Placeholder 2"/>
+          <p:cNvPr id="5" name="Footer Placeholder 2"/>
           <p:cNvSpPr>
             <a:spLocks noGrp="1"/>
           </p:cNvSpPr>
@@ -1856,7 +4614,7 @@
       </p:sp>
       <p:sp>
         <p:nvSpPr>
-          <p:cNvPr id="4" name="Slide Number Placeholder 3"/>
+          <p:cNvPr id="6" name="Slide Number Placeholder 3"/>
           <p:cNvSpPr>
             <a:spLocks noGrp="1"/>
           </p:cNvSpPr>
@@ -1880,7 +4638,7 @@
     </p:spTree>
     <p:extLst>
       <p:ext uri="{BB962C8B-B14F-4D97-AF65-F5344CB8AC3E}">
-        <p14:creationId xmlns:p14="http://schemas.microsoft.com/office/powerpoint/2010/main" val="1431842858"/>
+        <p14:creationId xmlns:p14="http://schemas.microsoft.com/office/powerpoint/2010/main" val="1395189998"/>
       </p:ext>
     </p:extLst>
   </p:cSld>
@@ -1919,15 +4677,15 @@
         </p:nvSpPr>
         <p:spPr>
           <a:xfrm>
-            <a:off x="839788" y="457200"/>
-            <a:ext cx="3932237" cy="1600200"/>
+            <a:off x="1154953" y="1447800"/>
+            <a:ext cx="3401064" cy="1447800"/>
           </a:xfrm>
         </p:spPr>
         <p:txBody>
           <a:bodyPr anchor="b"/>
           <a:lstStyle>
-            <a:lvl1pPr>
-              <a:defRPr sz="3200"/>
+            <a:lvl1pPr algn="l">
+              <a:defRPr sz="2400" b="0"/>
             </a:lvl1pPr>
           </a:lstStyle>
           <a:p>
@@ -1935,7 +4693,7 @@
               <a:rPr lang="en-US" smtClean="0"/>
               <a:t>Click to edit Master title style</a:t>
             </a:r>
-            <a:endParaRPr lang="en-IE"/>
+            <a:endParaRPr lang="en-US" dirty="0"/>
           </a:p>
         </p:txBody>
       </p:sp>
@@ -1951,39 +4709,41 @@
         </p:nvSpPr>
         <p:spPr>
           <a:xfrm>
-            <a:off x="5183188" y="987425"/>
-            <a:ext cx="6172200" cy="4873625"/>
+            <a:off x="4784616" y="1447800"/>
+            <a:ext cx="5195997" cy="4572000"/>
           </a:xfrm>
         </p:spPr>
         <p:txBody>
-          <a:bodyPr/>
+          <a:bodyPr anchor="ctr">
+            <a:normAutofit/>
+          </a:bodyPr>
           <a:lstStyle>
             <a:lvl1pPr>
-              <a:defRPr sz="3200"/>
+              <a:defRPr sz="2000"/>
             </a:lvl1pPr>
             <a:lvl2pPr>
-              <a:defRPr sz="2800"/>
+              <a:defRPr sz="1800"/>
             </a:lvl2pPr>
             <a:lvl3pPr>
-              <a:defRPr sz="2400"/>
+              <a:defRPr sz="1600"/>
             </a:lvl3pPr>
             <a:lvl4pPr>
-              <a:defRPr sz="2000"/>
+              <a:defRPr sz="1400"/>
             </a:lvl4pPr>
             <a:lvl5pPr>
-              <a:defRPr sz="2000"/>
+              <a:defRPr sz="1400"/>
             </a:lvl5pPr>
             <a:lvl6pPr>
-              <a:defRPr sz="2000"/>
+              <a:defRPr sz="1400"/>
             </a:lvl6pPr>
             <a:lvl7pPr>
-              <a:defRPr sz="2000"/>
+              <a:defRPr sz="1400"/>
             </a:lvl7pPr>
             <a:lvl8pPr>
-              <a:defRPr sz="2000"/>
+              <a:defRPr sz="1400"/>
             </a:lvl8pPr>
             <a:lvl9pPr>
-              <a:defRPr sz="2000"/>
+              <a:defRPr sz="1400"/>
             </a:lvl9pPr>
           </a:lstStyle>
           <a:p>
@@ -2020,7 +4780,7 @@
               <a:rPr lang="en-US" smtClean="0"/>
               <a:t>Fifth level</a:t>
             </a:r>
-            <a:endParaRPr lang="en-IE"/>
+            <a:endParaRPr lang="en-US" dirty="0"/>
           </a:p>
         </p:txBody>
       </p:sp>
@@ -2036,8 +4796,8 @@
         </p:nvSpPr>
         <p:spPr>
           <a:xfrm>
-            <a:off x="839788" y="2057400"/>
-            <a:ext cx="3932237" cy="3811588"/>
+            <a:off x="1154953" y="3129280"/>
+            <a:ext cx="3401063" cy="2895599"/>
           </a:xfrm>
         </p:spPr>
         <p:txBody>
@@ -2045,39 +4805,39 @@
           <a:lstStyle>
             <a:lvl1pPr marL="0" indent="0">
               <a:buNone/>
-              <a:defRPr sz="1600"/>
+              <a:defRPr sz="1400"/>
             </a:lvl1pPr>
             <a:lvl2pPr marL="457200" indent="0">
               <a:buNone/>
-              <a:defRPr sz="1400"/>
+              <a:defRPr sz="1200"/>
             </a:lvl2pPr>
             <a:lvl3pPr marL="914400" indent="0">
               <a:buNone/>
-              <a:defRPr sz="1200"/>
+              <a:defRPr sz="1000"/>
             </a:lvl3pPr>
             <a:lvl4pPr marL="1371600" indent="0">
               <a:buNone/>
-              <a:defRPr sz="1000"/>
+              <a:defRPr sz="900"/>
             </a:lvl4pPr>
             <a:lvl5pPr marL="1828800" indent="0">
               <a:buNone/>
-              <a:defRPr sz="1000"/>
+              <a:defRPr sz="900"/>
             </a:lvl5pPr>
             <a:lvl6pPr marL="2286000" indent="0">
               <a:buNone/>
-              <a:defRPr sz="1000"/>
+              <a:defRPr sz="900"/>
             </a:lvl6pPr>
             <a:lvl7pPr marL="2743200" indent="0">
               <a:buNone/>
-              <a:defRPr sz="1000"/>
+              <a:defRPr sz="900"/>
             </a:lvl7pPr>
             <a:lvl8pPr marL="3200400" indent="0">
               <a:buNone/>
-              <a:defRPr sz="1000"/>
+              <a:defRPr sz="900"/>
             </a:lvl8pPr>
             <a:lvl9pPr marL="3657600" indent="0">
               <a:buNone/>
-              <a:defRPr sz="1000"/>
+              <a:defRPr sz="900"/>
             </a:lvl9pPr>
           </a:lstStyle>
           <a:p>
@@ -2091,7 +4851,7 @@
       </p:sp>
       <p:sp>
         <p:nvSpPr>
-          <p:cNvPr id="5" name="Date Placeholder 4"/>
+          <p:cNvPr id="7" name="Date Placeholder 4"/>
           <p:cNvSpPr>
             <a:spLocks noGrp="1"/>
           </p:cNvSpPr>
@@ -2106,7 +4866,7 @@
           <a:p>
             <a:fld id="{54F6BBB5-41A2-428D-A1DC-B9962BD0CBCA}" type="datetimeFigureOut">
               <a:rPr lang="en-IE" smtClean="0"/>
-              <a:t>02/04/2019</a:t>
+              <a:t>04/04/2019</a:t>
             </a:fld>
             <a:endParaRPr lang="en-IE" dirty="0"/>
           </a:p>
@@ -2114,7 +4874,7 @@
       </p:sp>
       <p:sp>
         <p:nvSpPr>
-          <p:cNvPr id="6" name="Footer Placeholder 5"/>
+          <p:cNvPr id="5" name="Footer Placeholder 5"/>
           <p:cNvSpPr>
             <a:spLocks noGrp="1"/>
           </p:cNvSpPr>
@@ -2133,7 +4893,7 @@
       </p:sp>
       <p:sp>
         <p:nvSpPr>
-          <p:cNvPr id="7" name="Slide Number Placeholder 6"/>
+          <p:cNvPr id="6" name="Slide Number Placeholder 6"/>
           <p:cNvSpPr>
             <a:spLocks noGrp="1"/>
           </p:cNvSpPr>
@@ -2157,7 +4917,7 @@
     </p:spTree>
     <p:extLst>
       <p:ext uri="{BB962C8B-B14F-4D97-AF65-F5344CB8AC3E}">
-        <p14:creationId xmlns:p14="http://schemas.microsoft.com/office/powerpoint/2010/main" val="1757263759"/>
+        <p14:creationId xmlns:p14="http://schemas.microsoft.com/office/powerpoint/2010/main" val="3864318414"/>
       </p:ext>
     </p:extLst>
   </p:cSld>
@@ -2196,15 +4956,17 @@
         </p:nvSpPr>
         <p:spPr>
           <a:xfrm>
-            <a:off x="839788" y="457200"/>
-            <a:ext cx="3932237" cy="1600200"/>
+            <a:off x="1153907" y="1854192"/>
+            <a:ext cx="5092906" cy="1574808"/>
           </a:xfrm>
         </p:spPr>
         <p:txBody>
-          <a:bodyPr anchor="b"/>
+          <a:bodyPr anchor="b">
+            <a:normAutofit/>
+          </a:bodyPr>
           <a:lstStyle>
-            <a:lvl1pPr>
-              <a:defRPr sz="3200"/>
+            <a:lvl1pPr algn="l">
+              <a:defRPr sz="3600" b="0"/>
             </a:lvl1pPr>
           </a:lstStyle>
           <a:p>
@@ -2212,7 +4974,7 @@
               <a:rPr lang="en-US" smtClean="0"/>
               <a:t>Click to edit Master title style</a:t>
             </a:r>
-            <a:endParaRPr lang="en-IE"/>
+            <a:endParaRPr lang="en-US" dirty="0"/>
           </a:p>
         </p:txBody>
       </p:sp>
@@ -2220,7 +4982,7 @@
         <p:nvSpPr>
           <p:cNvPr id="3" name="Picture Placeholder 2"/>
           <p:cNvSpPr>
-            <a:spLocks noGrp="1"/>
+            <a:spLocks noGrp="1" noChangeAspect="1"/>
           </p:cNvSpPr>
           <p:nvPr>
             <p:ph type="pic" idx="1"/>
@@ -2228,112 +4990,132 @@
         </p:nvSpPr>
         <p:spPr>
           <a:xfrm>
-            <a:off x="5183188" y="987425"/>
-            <a:ext cx="6172200" cy="4873625"/>
+            <a:off x="6949546" y="1143000"/>
+            <a:ext cx="3200400" cy="4572000"/>
           </a:xfrm>
+          <a:prstGeom prst="roundRect">
+            <a:avLst>
+              <a:gd name="adj" fmla="val 1858"/>
+            </a:avLst>
+          </a:prstGeom>
+          <a:effectLst>
+            <a:outerShdw blurRad="50800" dist="50800" dir="5400000" algn="tl" rotWithShape="0">
+              <a:srgbClr val="000000">
+                <a:alpha val="43000"/>
+              </a:srgbClr>
+            </a:outerShdw>
+          </a:effectLst>
         </p:spPr>
         <p:txBody>
-          <a:bodyPr/>
+          <a:bodyPr anchor="t">
+            <a:normAutofit/>
+          </a:bodyPr>
           <a:lstStyle>
-            <a:lvl1pPr marL="0" indent="0">
-              <a:buNone/>
-              <a:defRPr sz="3200"/>
-            </a:lvl1pPr>
-            <a:lvl2pPr marL="457200" indent="0">
-              <a:buNone/>
-              <a:defRPr sz="2800"/>
-            </a:lvl2pPr>
-            <a:lvl3pPr marL="914400" indent="0">
-              <a:buNone/>
-              <a:defRPr sz="2400"/>
-            </a:lvl3pPr>
-            <a:lvl4pPr marL="1371600" indent="0">
-              <a:buNone/>
-              <a:defRPr sz="2000"/>
-            </a:lvl4pPr>
-            <a:lvl5pPr marL="1828800" indent="0">
-              <a:buNone/>
-              <a:defRPr sz="2000"/>
-            </a:lvl5pPr>
-            <a:lvl6pPr marL="2286000" indent="0">
-              <a:buNone/>
-              <a:defRPr sz="2000"/>
-            </a:lvl6pPr>
-            <a:lvl7pPr marL="2743200" indent="0">
-              <a:buNone/>
-              <a:defRPr sz="2000"/>
-            </a:lvl7pPr>
-            <a:lvl8pPr marL="3200400" indent="0">
-              <a:buNone/>
-              <a:defRPr sz="2000"/>
-            </a:lvl8pPr>
-            <a:lvl9pPr marL="3657600" indent="0">
-              <a:buNone/>
-              <a:defRPr sz="2000"/>
-            </a:lvl9pPr>
-          </a:lstStyle>
-          <a:p>
-            <a:endParaRPr lang="en-IE" dirty="0"/>
-          </a:p>
-        </p:txBody>
-      </p:sp>
-      <p:sp>
-        <p:nvSpPr>
-          <p:cNvPr id="4" name="Text Placeholder 3"/>
-          <p:cNvSpPr>
-            <a:spLocks noGrp="1"/>
-          </p:cNvSpPr>
-          <p:nvPr>
-            <p:ph type="body" sz="half" idx="2"/>
-          </p:nvPr>
-        </p:nvSpPr>
-        <p:spPr>
-          <a:xfrm>
-            <a:off x="839788" y="2057400"/>
-            <a:ext cx="3932237" cy="3811588"/>
-          </a:xfrm>
-        </p:spPr>
-        <p:txBody>
-          <a:bodyPr/>
-          <a:lstStyle>
-            <a:lvl1pPr marL="0" indent="0">
+            <a:lvl1pPr marL="0" indent="0" algn="ctr">
               <a:buNone/>
               <a:defRPr sz="1600"/>
             </a:lvl1pPr>
             <a:lvl2pPr marL="457200" indent="0">
               <a:buNone/>
-              <a:defRPr sz="1400"/>
+              <a:defRPr sz="1600"/>
             </a:lvl2pPr>
             <a:lvl3pPr marL="914400" indent="0">
               <a:buNone/>
-              <a:defRPr sz="1200"/>
+              <a:defRPr sz="1600"/>
             </a:lvl3pPr>
             <a:lvl4pPr marL="1371600" indent="0">
               <a:buNone/>
-              <a:defRPr sz="1000"/>
+              <a:defRPr sz="1600"/>
             </a:lvl4pPr>
             <a:lvl5pPr marL="1828800" indent="0">
               <a:buNone/>
-              <a:defRPr sz="1000"/>
+              <a:defRPr sz="1600"/>
             </a:lvl5pPr>
             <a:lvl6pPr marL="2286000" indent="0">
               <a:buNone/>
-              <a:defRPr sz="1000"/>
+              <a:defRPr sz="1600"/>
             </a:lvl6pPr>
             <a:lvl7pPr marL="2743200" indent="0">
               <a:buNone/>
-              <a:defRPr sz="1000"/>
+              <a:defRPr sz="1600"/>
             </a:lvl7pPr>
             <a:lvl8pPr marL="3200400" indent="0">
               <a:buNone/>
-              <a:defRPr sz="1000"/>
+              <a:defRPr sz="1600"/>
             </a:lvl8pPr>
             <a:lvl9pPr marL="3657600" indent="0">
               <a:buNone/>
-              <a:defRPr sz="1000"/>
+              <a:defRPr sz="1600"/>
             </a:lvl9pPr>
           </a:lstStyle>
           <a:p>
+            <a:r>
+              <a:rPr lang="en-US" smtClean="0"/>
+              <a:t>Click icon to add picture</a:t>
+            </a:r>
+            <a:endParaRPr lang="en-US" dirty="0"/>
+          </a:p>
+        </p:txBody>
+      </p:sp>
+      <p:sp>
+        <p:nvSpPr>
+          <p:cNvPr id="4" name="Text Placeholder 3"/>
+          <p:cNvSpPr>
+            <a:spLocks noGrp="1"/>
+          </p:cNvSpPr>
+          <p:nvPr>
+            <p:ph type="body" sz="half" idx="2"/>
+          </p:nvPr>
+        </p:nvSpPr>
+        <p:spPr>
+          <a:xfrm>
+            <a:off x="1154954" y="3657600"/>
+            <a:ext cx="5084979" cy="1371600"/>
+          </a:xfrm>
+        </p:spPr>
+        <p:txBody>
+          <a:bodyPr>
+            <a:normAutofit/>
+          </a:bodyPr>
+          <a:lstStyle>
+            <a:lvl1pPr marL="0" indent="0">
+              <a:buNone/>
+              <a:defRPr sz="1400"/>
+            </a:lvl1pPr>
+            <a:lvl2pPr marL="457200" indent="0">
+              <a:buNone/>
+              <a:defRPr sz="1200"/>
+            </a:lvl2pPr>
+            <a:lvl3pPr marL="914400" indent="0">
+              <a:buNone/>
+              <a:defRPr sz="1000"/>
+            </a:lvl3pPr>
+            <a:lvl4pPr marL="1371600" indent="0">
+              <a:buNone/>
+              <a:defRPr sz="900"/>
+            </a:lvl4pPr>
+            <a:lvl5pPr marL="1828800" indent="0">
+              <a:buNone/>
+              <a:defRPr sz="900"/>
+            </a:lvl5pPr>
+            <a:lvl6pPr marL="2286000" indent="0">
+              <a:buNone/>
+              <a:defRPr sz="900"/>
+            </a:lvl6pPr>
+            <a:lvl7pPr marL="2743200" indent="0">
+              <a:buNone/>
+              <a:defRPr sz="900"/>
+            </a:lvl7pPr>
+            <a:lvl8pPr marL="3200400" indent="0">
+              <a:buNone/>
+              <a:defRPr sz="900"/>
+            </a:lvl8pPr>
+            <a:lvl9pPr marL="3657600" indent="0">
+              <a:buNone/>
+              <a:defRPr sz="900"/>
+            </a:lvl9pPr>
+          </a:lstStyle>
+          <a:p>
             <a:pPr lvl="0"/>
             <a:r>
               <a:rPr lang="en-US" smtClean="0"/>
@@ -2359,7 +5141,7 @@
           <a:p>
             <a:fld id="{54F6BBB5-41A2-428D-A1DC-B9962BD0CBCA}" type="datetimeFigureOut">
               <a:rPr lang="en-IE" smtClean="0"/>
-              <a:t>02/04/2019</a:t>
+              <a:t>04/04/2019</a:t>
             </a:fld>
             <a:endParaRPr lang="en-IE" dirty="0"/>
           </a:p>
@@ -2410,7 +5192,7 @@
     </p:spTree>
     <p:extLst>
       <p:ext uri="{BB962C8B-B14F-4D97-AF65-F5344CB8AC3E}">
-        <p14:creationId xmlns:p14="http://schemas.microsoft.com/office/powerpoint/2010/main" val="1211047868"/>
+        <p14:creationId xmlns:p14="http://schemas.microsoft.com/office/powerpoint/2010/main" val="4108954199"/>
       </p:ext>
     </p:extLst>
   </p:cSld>
@@ -2424,8 +5206,8 @@
 <p:sldMaster xmlns:a="http://schemas.openxmlformats.org/drawingml/2006/main" xmlns:r="http://schemas.openxmlformats.org/officeDocument/2006/relationships" xmlns:p="http://schemas.openxmlformats.org/presentationml/2006/main">
   <p:cSld>
     <p:bg>
-      <p:bgRef idx="1001">
-        <a:schemeClr val="bg1"/>
+      <p:bgRef idx="1003">
+        <a:schemeClr val="bg2"/>
       </p:bgRef>
     </p:bg>
     <p:spTree>
@@ -2442,125 +5224,420 @@
           <a:chExt cx="0" cy="0"/>
         </a:xfrm>
       </p:grpSpPr>
-      <p:sp>
-        <p:nvSpPr>
-          <p:cNvPr id="2" name="Title Placeholder 1"/>
-          <p:cNvSpPr>
-            <a:spLocks noGrp="1"/>
-          </p:cNvSpPr>
-          <p:nvPr>
-            <p:ph type="title"/>
-          </p:nvPr>
-        </p:nvSpPr>
+      <p:pic>
+        <p:nvPicPr>
+          <p:cNvPr id="8" name="Picture 7"/>
+          <p:cNvPicPr>
+            <a:picLocks noChangeAspect="1"/>
+          </p:cNvPicPr>
+          <p:nvPr/>
+        </p:nvPicPr>
+        <p:blipFill rotWithShape="1">
+          <a:blip r:embed="rId19">
+            <a:extLst>
+              <a:ext uri="{28A0092B-C50C-407E-A947-70E740481C1C}">
+                <a14:useLocalDpi xmlns:a14="http://schemas.microsoft.com/office/drawing/2010/main" val="0"/>
+              </a:ext>
+            </a:extLst>
+          </a:blip>
+          <a:srcRect l="3613"/>
+          <a:stretch/>
+        </p:blipFill>
         <p:spPr>
           <a:xfrm>
-            <a:off x="838200" y="365125"/>
-            <a:ext cx="10515600" cy="1325563"/>
+            <a:off x="0" y="2669685"/>
+            <a:ext cx="4037012" cy="4188315"/>
           </a:xfrm>
           <a:prstGeom prst="rect">
             <a:avLst/>
           </a:prstGeom>
         </p:spPr>
-        <p:txBody>
-          <a:bodyPr vert="horz" lIns="91440" tIns="45720" rIns="91440" bIns="45720" rtlCol="0" anchor="ctr">
-            <a:normAutofit/>
-          </a:bodyPr>
-          <a:lstStyle/>
-          <a:p>
-            <a:r>
-              <a:rPr lang="en-US" smtClean="0"/>
-              <a:t>Click to edit Master title style</a:t>
-            </a:r>
-            <a:endParaRPr lang="en-IE"/>
-          </a:p>
-        </p:txBody>
-      </p:sp>
-      <p:sp>
-        <p:nvSpPr>
-          <p:cNvPr id="3" name="Text Placeholder 2"/>
-          <p:cNvSpPr>
-            <a:spLocks noGrp="1"/>
-          </p:cNvSpPr>
-          <p:nvPr>
-            <p:ph type="body" idx="1"/>
-          </p:nvPr>
-        </p:nvSpPr>
+      </p:pic>
+      <p:pic>
+        <p:nvPicPr>
+          <p:cNvPr id="7" name="Picture 6"/>
+          <p:cNvPicPr>
+            <a:picLocks noChangeAspect="1"/>
+          </p:cNvPicPr>
+          <p:nvPr/>
+        </p:nvPicPr>
+        <p:blipFill rotWithShape="1">
+          <a:blip r:embed="rId20">
+            <a:extLst>
+              <a:ext uri="{28A0092B-C50C-407E-A947-70E740481C1C}">
+                <a14:useLocalDpi xmlns:a14="http://schemas.microsoft.com/office/drawing/2010/main" val="0"/>
+              </a:ext>
+            </a:extLst>
+          </a:blip>
+          <a:srcRect l="35640"/>
+          <a:stretch/>
+        </p:blipFill>
         <p:spPr>
           <a:xfrm>
-            <a:off x="838200" y="1825625"/>
-            <a:ext cx="10515600" cy="4351338"/>
+            <a:off x="0" y="2892347"/>
+            <a:ext cx="1522412" cy="2365453"/>
           </a:xfrm>
           <a:prstGeom prst="rect">
             <a:avLst/>
           </a:prstGeom>
         </p:spPr>
-        <p:txBody>
-          <a:bodyPr vert="horz" lIns="91440" tIns="45720" rIns="91440" bIns="45720" rtlCol="0">
-            <a:normAutofit/>
-          </a:bodyPr>
-          <a:lstStyle/>
-          <a:p>
-            <a:pPr lvl="0"/>
-            <a:r>
-              <a:rPr lang="en-US" smtClean="0"/>
-              <a:t>Edit Master text styles</a:t>
-            </a:r>
-          </a:p>
-          <a:p>
-            <a:pPr lvl="1"/>
-            <a:r>
-              <a:rPr lang="en-US" smtClean="0"/>
-              <a:t>Second level</a:t>
-            </a:r>
-          </a:p>
-          <a:p>
-            <a:pPr lvl="2"/>
-            <a:r>
-              <a:rPr lang="en-US" smtClean="0"/>
-              <a:t>Third level</a:t>
-            </a:r>
-          </a:p>
-          <a:p>
-            <a:pPr lvl="3"/>
-            <a:r>
-              <a:rPr lang="en-US" smtClean="0"/>
-              <a:t>Fourth level</a:t>
-            </a:r>
-          </a:p>
-          <a:p>
-            <a:pPr lvl="4"/>
-            <a:r>
-              <a:rPr lang="en-US" smtClean="0"/>
-              <a:t>Fifth level</a:t>
-            </a:r>
-            <a:endParaRPr lang="en-IE"/>
-          </a:p>
-        </p:txBody>
-      </p:sp>
-      <p:sp>
-        <p:nvSpPr>
-          <p:cNvPr id="4" name="Date Placeholder 3"/>
-          <p:cNvSpPr>
-            <a:spLocks noGrp="1"/>
-          </p:cNvSpPr>
-          <p:nvPr>
-            <p:ph type="dt" sz="half" idx="2"/>
-          </p:nvPr>
+      </p:pic>
+      <p:sp>
+        <p:nvSpPr>
+          <p:cNvPr id="16" name="Oval 15"/>
+          <p:cNvSpPr/>
+          <p:nvPr/>
         </p:nvSpPr>
         <p:spPr>
           <a:xfrm>
-            <a:off x="838200" y="6356350"/>
-            <a:ext cx="2743200" cy="365125"/>
+            <a:off x="8609012" y="1676400"/>
+            <a:ext cx="2819400" cy="2819400"/>
+          </a:xfrm>
+          <a:prstGeom prst="ellipse">
+            <a:avLst/>
+          </a:prstGeom>
+          <a:gradFill flip="none" rotWithShape="1">
+            <a:gsLst>
+              <a:gs pos="0">
+                <a:schemeClr val="bg2">
+                  <a:lumMod val="60000"/>
+                  <a:lumOff val="40000"/>
+                  <a:alpha val="7000"/>
+                </a:schemeClr>
+              </a:gs>
+              <a:gs pos="69000">
+                <a:schemeClr val="bg2">
+                  <a:lumMod val="60000"/>
+                  <a:lumOff val="40000"/>
+                  <a:alpha val="0"/>
+                </a:schemeClr>
+              </a:gs>
+              <a:gs pos="36000">
+                <a:schemeClr val="bg2">
+                  <a:lumMod val="60000"/>
+                  <a:lumOff val="40000"/>
+                  <a:alpha val="6000"/>
+                </a:schemeClr>
+              </a:gs>
+            </a:gsLst>
+            <a:path path="circle">
+              <a:fillToRect l="50000" t="50000" r="50000" b="50000"/>
+            </a:path>
+            <a:tileRect/>
+          </a:gradFill>
+          <a:ln>
+            <a:noFill/>
+          </a:ln>
+          <a:effectLst/>
+        </p:spPr>
+        <p:style>
+          <a:lnRef idx="1">
+            <a:schemeClr val="accent1"/>
+          </a:lnRef>
+          <a:fillRef idx="3">
+            <a:schemeClr val="accent1"/>
+          </a:fillRef>
+          <a:effectRef idx="2">
+            <a:schemeClr val="accent1"/>
+          </a:effectRef>
+          <a:fontRef idx="minor">
+            <a:schemeClr val="lt1"/>
+          </a:fontRef>
+        </p:style>
+      </p:sp>
+      <p:pic>
+        <p:nvPicPr>
+          <p:cNvPr id="9" name="Picture 8"/>
+          <p:cNvPicPr>
+            <a:picLocks noChangeAspect="1"/>
+          </p:cNvPicPr>
+          <p:nvPr/>
+        </p:nvPicPr>
+        <p:blipFill rotWithShape="1">
+          <a:blip r:embed="rId21">
+            <a:extLst>
+              <a:ext uri="{28A0092B-C50C-407E-A947-70E740481C1C}">
+                <a14:useLocalDpi xmlns:a14="http://schemas.microsoft.com/office/drawing/2010/main" val="0"/>
+              </a:ext>
+            </a:extLst>
+          </a:blip>
+          <a:srcRect t="28813"/>
+          <a:stretch/>
+        </p:blipFill>
+        <p:spPr>
+          <a:xfrm>
+            <a:off x="7999412" y="0"/>
+            <a:ext cx="1603387" cy="1141407"/>
           </a:xfrm>
           <a:prstGeom prst="rect">
             <a:avLst/>
           </a:prstGeom>
         </p:spPr>
-        <p:txBody>
-          <a:bodyPr vert="horz" lIns="91440" tIns="45720" rIns="91440" bIns="45720" rtlCol="0" anchor="ctr"/>
+      </p:pic>
+      <p:pic>
+        <p:nvPicPr>
+          <p:cNvPr id="10" name="Picture 9"/>
+          <p:cNvPicPr>
+            <a:picLocks noChangeAspect="1"/>
+          </p:cNvPicPr>
+          <p:nvPr/>
+        </p:nvPicPr>
+        <p:blipFill rotWithShape="1">
+          <a:blip r:embed="rId22">
+            <a:extLst>
+              <a:ext uri="{28A0092B-C50C-407E-A947-70E740481C1C}">
+                <a14:useLocalDpi xmlns:a14="http://schemas.microsoft.com/office/drawing/2010/main" val="0"/>
+              </a:ext>
+            </a:extLst>
+          </a:blip>
+          <a:srcRect b="23320"/>
+          <a:stretch/>
+        </p:blipFill>
+        <p:spPr>
+          <a:xfrm>
+            <a:off x="8605878" y="6096000"/>
+            <a:ext cx="993734" cy="762000"/>
+          </a:xfrm>
+          <a:prstGeom prst="rect">
+            <a:avLst/>
+          </a:prstGeom>
+        </p:spPr>
+      </p:pic>
+      <p:sp>
+        <p:nvSpPr>
+          <p:cNvPr id="14" name="Rectangle 13"/>
+          <p:cNvSpPr/>
+          <p:nvPr/>
+        </p:nvSpPr>
+        <p:spPr>
+          <a:xfrm>
+            <a:off x="10437812" y="0"/>
+            <a:ext cx="685800" cy="1143000"/>
+          </a:xfrm>
+          <a:prstGeom prst="rect">
+            <a:avLst/>
+          </a:prstGeom>
+          <a:solidFill>
+            <a:schemeClr val="accent1"/>
+          </a:solidFill>
+          <a:ln>
+            <a:noFill/>
+          </a:ln>
+        </p:spPr>
+        <p:style>
+          <a:lnRef idx="1">
+            <a:schemeClr val="accent1"/>
+          </a:lnRef>
+          <a:fillRef idx="3">
+            <a:schemeClr val="accent1"/>
+          </a:fillRef>
+          <a:effectRef idx="2">
+            <a:schemeClr val="accent1"/>
+          </a:effectRef>
+          <a:fontRef idx="minor">
+            <a:schemeClr val="lt1"/>
+          </a:fontRef>
+        </p:style>
+      </p:sp>
+      <p:sp>
+        <p:nvSpPr>
+          <p:cNvPr id="2" name="Title Placeholder 1"/>
+          <p:cNvSpPr>
+            <a:spLocks noGrp="1"/>
+          </p:cNvSpPr>
+          <p:nvPr>
+            <p:ph type="title"/>
+          </p:nvPr>
+        </p:nvSpPr>
+        <p:spPr>
+          <a:xfrm>
+            <a:off x="646111" y="452718"/>
+            <a:ext cx="9404723" cy="1400530"/>
+          </a:xfrm>
+          <a:prstGeom prst="rect">
+            <a:avLst/>
+          </a:prstGeom>
+        </p:spPr>
+        <p:txBody>
+          <a:bodyPr vert="horz" lIns="91440" tIns="45720" rIns="91440" bIns="45720" rtlCol="0" anchor="t">
+            <a:noAutofit/>
+          </a:bodyPr>
+          <a:lstStyle/>
+          <a:p>
+            <a:r>
+              <a:rPr lang="en-US" smtClean="0"/>
+              <a:t>Click to edit Master title style</a:t>
+            </a:r>
+            <a:endParaRPr lang="en-US" dirty="0"/>
+          </a:p>
+        </p:txBody>
+      </p:sp>
+      <p:sp>
+        <p:nvSpPr>
+          <p:cNvPr id="3" name="Text Placeholder 2"/>
+          <p:cNvSpPr>
+            <a:spLocks noGrp="1"/>
+          </p:cNvSpPr>
+          <p:nvPr>
+            <p:ph type="body" idx="1"/>
+          </p:nvPr>
+        </p:nvSpPr>
+        <p:spPr>
+          <a:xfrm>
+            <a:off x="1103312" y="2052918"/>
+            <a:ext cx="8946541" cy="4195481"/>
+          </a:xfrm>
+          <a:prstGeom prst="rect">
+            <a:avLst/>
+          </a:prstGeom>
+        </p:spPr>
+        <p:txBody>
+          <a:bodyPr vert="horz" lIns="91440" tIns="45720" rIns="91440" bIns="45720" rtlCol="0">
+            <a:normAutofit/>
+          </a:bodyPr>
+          <a:lstStyle/>
+          <a:p>
+            <a:pPr lvl="0"/>
+            <a:r>
+              <a:rPr lang="en-US" smtClean="0"/>
+              <a:t>Edit Master text styles</a:t>
+            </a:r>
+          </a:p>
+          <a:p>
+            <a:pPr lvl="1"/>
+            <a:r>
+              <a:rPr lang="en-US" smtClean="0"/>
+              <a:t>Second level</a:t>
+            </a:r>
+          </a:p>
+          <a:p>
+            <a:pPr lvl="2"/>
+            <a:r>
+              <a:rPr lang="en-US" smtClean="0"/>
+              <a:t>Third level</a:t>
+            </a:r>
+          </a:p>
+          <a:p>
+            <a:pPr lvl="3"/>
+            <a:r>
+              <a:rPr lang="en-US" smtClean="0"/>
+              <a:t>Fourth level</a:t>
+            </a:r>
+          </a:p>
+          <a:p>
+            <a:pPr lvl="4"/>
+            <a:r>
+              <a:rPr lang="en-US" smtClean="0"/>
+              <a:t>Fifth level</a:t>
+            </a:r>
+            <a:endParaRPr lang="en-US" dirty="0"/>
+          </a:p>
+        </p:txBody>
+      </p:sp>
+      <p:sp>
+        <p:nvSpPr>
+          <p:cNvPr id="4" name="Date Placeholder 3"/>
+          <p:cNvSpPr>
+            <a:spLocks noGrp="1"/>
+          </p:cNvSpPr>
+          <p:nvPr>
+            <p:ph type="dt" sz="half" idx="2"/>
+          </p:nvPr>
+        </p:nvSpPr>
+        <p:spPr>
+          <a:xfrm rot="5400000">
+            <a:off x="10155639" y="1790701"/>
+            <a:ext cx="990599" cy="304799"/>
+          </a:xfrm>
+          <a:prstGeom prst="rect">
+            <a:avLst/>
+          </a:prstGeom>
+        </p:spPr>
+        <p:txBody>
+          <a:bodyPr vert="horz" lIns="91440" tIns="45720" rIns="91440" bIns="45720" rtlCol="0" anchor="t"/>
           <a:lstStyle>
             <a:lvl1pPr algn="l">
-              <a:defRPr sz="1200">
+              <a:defRPr sz="1100" b="0" i="0">
+                <a:solidFill>
+                  <a:schemeClr val="tx1">
+                    <a:tint val="75000"/>
+                    <a:alpha val="60000"/>
+                  </a:schemeClr>
+                </a:solidFill>
+              </a:defRPr>
+            </a:lvl1pPr>
+          </a:lstStyle>
+          <a:p>
+            <a:fld id="{54F6BBB5-41A2-428D-A1DC-B9962BD0CBCA}" type="datetimeFigureOut">
+              <a:rPr lang="en-IE" smtClean="0"/>
+              <a:t>04/04/2019</a:t>
+            </a:fld>
+            <a:endParaRPr lang="en-IE" dirty="0"/>
+          </a:p>
+        </p:txBody>
+      </p:sp>
+      <p:sp>
+        <p:nvSpPr>
+          <p:cNvPr id="5" name="Footer Placeholder 4"/>
+          <p:cNvSpPr>
+            <a:spLocks noGrp="1"/>
+          </p:cNvSpPr>
+          <p:nvPr>
+            <p:ph type="ftr" sz="quarter" idx="3"/>
+          </p:nvPr>
+        </p:nvSpPr>
+        <p:spPr>
+          <a:xfrm rot="5400000">
+            <a:off x="8951573" y="3225297"/>
+            <a:ext cx="3859795" cy="304801"/>
+          </a:xfrm>
+          <a:prstGeom prst="rect">
+            <a:avLst/>
+          </a:prstGeom>
+        </p:spPr>
+        <p:txBody>
+          <a:bodyPr vert="horz" lIns="91440" tIns="45720" rIns="91440" bIns="45720" rtlCol="0" anchor="b"/>
+          <a:lstStyle>
+            <a:lvl1pPr algn="l">
+              <a:defRPr sz="1100" b="0" i="0">
+                <a:solidFill>
+                  <a:schemeClr val="tx1">
+                    <a:tint val="75000"/>
+                    <a:alpha val="60000"/>
+                  </a:schemeClr>
+                </a:solidFill>
+              </a:defRPr>
+            </a:lvl1pPr>
+          </a:lstStyle>
+          <a:p>
+            <a:endParaRPr lang="en-IE" dirty="0"/>
+          </a:p>
+        </p:txBody>
+      </p:sp>
+      <p:sp>
+        <p:nvSpPr>
+          <p:cNvPr id="6" name="Slide Number Placeholder 5"/>
+          <p:cNvSpPr>
+            <a:spLocks noGrp="1"/>
+          </p:cNvSpPr>
+          <p:nvPr>
+            <p:ph type="sldNum" sz="quarter" idx="4"/>
+          </p:nvPr>
+        </p:nvSpPr>
+        <p:spPr bwMode="gray">
+          <a:xfrm>
+            <a:off x="10352540" y="295729"/>
+            <a:ext cx="838199" cy="767687"/>
+          </a:xfrm>
+          <a:prstGeom prst="rect">
+            <a:avLst/>
+          </a:prstGeom>
+        </p:spPr>
+        <p:txBody>
+          <a:bodyPr vert="horz" lIns="91440" tIns="45720" rIns="91440" bIns="45720" rtlCol="0" anchor="b"/>
+          <a:lstStyle>
+            <a:lvl1pPr algn="ctr">
+              <a:defRPr sz="2800" b="0" i="0">
                 <a:solidFill>
                   <a:schemeClr val="tx1">
                     <a:tint val="75000"/>
@@ -2570,84 +5647,6 @@
             </a:lvl1pPr>
           </a:lstStyle>
           <a:p>
-            <a:fld id="{54F6BBB5-41A2-428D-A1DC-B9962BD0CBCA}" type="datetimeFigureOut">
-              <a:rPr lang="en-IE" smtClean="0"/>
-              <a:t>02/04/2019</a:t>
-            </a:fld>
-            <a:endParaRPr lang="en-IE" dirty="0"/>
-          </a:p>
-        </p:txBody>
-      </p:sp>
-      <p:sp>
-        <p:nvSpPr>
-          <p:cNvPr id="5" name="Footer Placeholder 4"/>
-          <p:cNvSpPr>
-            <a:spLocks noGrp="1"/>
-          </p:cNvSpPr>
-          <p:nvPr>
-            <p:ph type="ftr" sz="quarter" idx="3"/>
-          </p:nvPr>
-        </p:nvSpPr>
-        <p:spPr>
-          <a:xfrm>
-            <a:off x="4038600" y="6356350"/>
-            <a:ext cx="4114800" cy="365125"/>
-          </a:xfrm>
-          <a:prstGeom prst="rect">
-            <a:avLst/>
-          </a:prstGeom>
-        </p:spPr>
-        <p:txBody>
-          <a:bodyPr vert="horz" lIns="91440" tIns="45720" rIns="91440" bIns="45720" rtlCol="0" anchor="ctr"/>
-          <a:lstStyle>
-            <a:lvl1pPr algn="ctr">
-              <a:defRPr sz="1200">
-                <a:solidFill>
-                  <a:schemeClr val="tx1">
-                    <a:tint val="75000"/>
-                  </a:schemeClr>
-                </a:solidFill>
-              </a:defRPr>
-            </a:lvl1pPr>
-          </a:lstStyle>
-          <a:p>
-            <a:endParaRPr lang="en-IE" dirty="0"/>
-          </a:p>
-        </p:txBody>
-      </p:sp>
-      <p:sp>
-        <p:nvSpPr>
-          <p:cNvPr id="6" name="Slide Number Placeholder 5"/>
-          <p:cNvSpPr>
-            <a:spLocks noGrp="1"/>
-          </p:cNvSpPr>
-          <p:nvPr>
-            <p:ph type="sldNum" sz="quarter" idx="4"/>
-          </p:nvPr>
-        </p:nvSpPr>
-        <p:spPr>
-          <a:xfrm>
-            <a:off x="8610600" y="6356350"/>
-            <a:ext cx="2743200" cy="365125"/>
-          </a:xfrm>
-          <a:prstGeom prst="rect">
-            <a:avLst/>
-          </a:prstGeom>
-        </p:spPr>
-        <p:txBody>
-          <a:bodyPr vert="horz" lIns="91440" tIns="45720" rIns="91440" bIns="45720" rtlCol="0" anchor="ctr"/>
-          <a:lstStyle>
-            <a:lvl1pPr algn="r">
-              <a:defRPr sz="1200">
-                <a:solidFill>
-                  <a:schemeClr val="tx1">
-                    <a:tint val="75000"/>
-                  </a:schemeClr>
-                </a:solidFill>
-              </a:defRPr>
-            </a:lvl1pPr>
-          </a:lstStyle>
-          <a:p>
             <a:fld id="{468A7714-5758-42D2-95CC-E45B8F8FAA69}" type="slidenum">
               <a:rPr lang="en-IE" smtClean="0"/>
               <a:t>‹#›</a:t>
@@ -2659,35 +5658,121 @@
     </p:spTree>
     <p:extLst>
       <p:ext uri="{BB962C8B-B14F-4D97-AF65-F5344CB8AC3E}">
-        <p14:creationId xmlns:p14="http://schemas.microsoft.com/office/powerpoint/2010/main" val="1951975874"/>
+        <p14:creationId xmlns:p14="http://schemas.microsoft.com/office/powerpoint/2010/main" val="859867088"/>
       </p:ext>
     </p:extLst>
   </p:cSld>
-  <p:clrMap bg1="lt1" tx1="dk1" bg2="lt2" tx2="dk2" accent1="accent1" accent2="accent2" accent3="accent3" accent4="accent4" accent5="accent5" accent6="accent6" hlink="hlink" folHlink="folHlink"/>
+  <p:clrMap bg1="dk1" tx1="lt1" bg2="dk2" tx2="lt2" accent1="accent1" accent2="accent2" accent3="accent3" accent4="accent4" accent5="accent5" accent6="accent6" hlink="hlink" folHlink="folHlink"/>
   <p:sldLayoutIdLst>
-    <p:sldLayoutId id="2147483649" r:id="rId1"/>
-    <p:sldLayoutId id="2147483650" r:id="rId2"/>
-    <p:sldLayoutId id="2147483651" r:id="rId3"/>
-    <p:sldLayoutId id="2147483652" r:id="rId4"/>
-    <p:sldLayoutId id="2147483653" r:id="rId5"/>
-    <p:sldLayoutId id="2147483654" r:id="rId6"/>
-    <p:sldLayoutId id="2147483655" r:id="rId7"/>
-    <p:sldLayoutId id="2147483656" r:id="rId8"/>
-    <p:sldLayoutId id="2147483657" r:id="rId9"/>
-    <p:sldLayoutId id="2147483658" r:id="rId10"/>
-    <p:sldLayoutId id="2147483659" r:id="rId11"/>
+    <p:sldLayoutId id="2147483714" r:id="rId1"/>
+    <p:sldLayoutId id="2147483715" r:id="rId2"/>
+    <p:sldLayoutId id="2147483716" r:id="rId3"/>
+    <p:sldLayoutId id="2147483717" r:id="rId4"/>
+    <p:sldLayoutId id="2147483718" r:id="rId5"/>
+    <p:sldLayoutId id="2147483719" r:id="rId6"/>
+    <p:sldLayoutId id="2147483720" r:id="rId7"/>
+    <p:sldLayoutId id="2147483721" r:id="rId8"/>
+    <p:sldLayoutId id="2147483722" r:id="rId9"/>
+    <p:sldLayoutId id="2147483723" r:id="rId10"/>
+    <p:sldLayoutId id="2147483724" r:id="rId11"/>
+    <p:sldLayoutId id="2147483725" r:id="rId12"/>
+    <p:sldLayoutId id="2147483726" r:id="rId13"/>
+    <p:sldLayoutId id="2147483727" r:id="rId14"/>
+    <p:sldLayoutId id="2147483728" r:id="rId15"/>
+    <p:sldLayoutId id="2147483729" r:id="rId16"/>
+    <p:sldLayoutId id="2147483730" r:id="rId17"/>
   </p:sldLayoutIdLst>
   <p:txStyles>
     <p:titleStyle>
-      <a:lvl1pPr algn="l" defTabSz="914400" rtl="0" eaLnBrk="1" latinLnBrk="0" hangingPunct="1">
-        <a:lnSpc>
-          <a:spcPct val="90000"/>
-        </a:lnSpc>
+      <a:lvl1pPr algn="l" defTabSz="457200" rtl="0" eaLnBrk="1" latinLnBrk="0" hangingPunct="1">
         <a:spcBef>
           <a:spcPct val="0"/>
         </a:spcBef>
         <a:buNone/>
-        <a:defRPr sz="4400" kern="1200">
+        <a:defRPr sz="4200" b="0" i="0" kern="1200">
+          <a:solidFill>
+            <a:schemeClr val="tx2"/>
+          </a:solidFill>
+          <a:latin typeface="+mj-lt"/>
+          <a:ea typeface="+mj-ea"/>
+          <a:cs typeface="+mj-cs"/>
+        </a:defRPr>
+      </a:lvl1pPr>
+      <a:lvl2pPr eaLnBrk="1" hangingPunct="1">
+        <a:defRPr>
+          <a:solidFill>
+            <a:schemeClr val="tx2"/>
+          </a:solidFill>
+        </a:defRPr>
+      </a:lvl2pPr>
+      <a:lvl3pPr eaLnBrk="1" hangingPunct="1">
+        <a:defRPr>
+          <a:solidFill>
+            <a:schemeClr val="tx2"/>
+          </a:solidFill>
+        </a:defRPr>
+      </a:lvl3pPr>
+      <a:lvl4pPr eaLnBrk="1" hangingPunct="1">
+        <a:defRPr>
+          <a:solidFill>
+            <a:schemeClr val="tx2"/>
+          </a:solidFill>
+        </a:defRPr>
+      </a:lvl4pPr>
+      <a:lvl5pPr eaLnBrk="1" hangingPunct="1">
+        <a:defRPr>
+          <a:solidFill>
+            <a:schemeClr val="tx2"/>
+          </a:solidFill>
+        </a:defRPr>
+      </a:lvl5pPr>
+      <a:lvl6pPr eaLnBrk="1" hangingPunct="1">
+        <a:defRPr>
+          <a:solidFill>
+            <a:schemeClr val="tx2"/>
+          </a:solidFill>
+        </a:defRPr>
+      </a:lvl6pPr>
+      <a:lvl7pPr eaLnBrk="1" hangingPunct="1">
+        <a:defRPr>
+          <a:solidFill>
+            <a:schemeClr val="tx2"/>
+          </a:solidFill>
+        </a:defRPr>
+      </a:lvl7pPr>
+      <a:lvl8pPr eaLnBrk="1" hangingPunct="1">
+        <a:defRPr>
+          <a:solidFill>
+            <a:schemeClr val="tx2"/>
+          </a:solidFill>
+        </a:defRPr>
+      </a:lvl8pPr>
+      <a:lvl9pPr eaLnBrk="1" hangingPunct="1">
+        <a:defRPr>
+          <a:solidFill>
+            <a:schemeClr val="tx2"/>
+          </a:solidFill>
+        </a:defRPr>
+      </a:lvl9pPr>
+    </p:titleStyle>
+    <p:bodyStyle>
+      <a:lvl1pPr marL="342900" indent="-342900" algn="l" defTabSz="457200" rtl="0" eaLnBrk="1" latinLnBrk="0" hangingPunct="1">
+        <a:spcBef>
+          <a:spcPts val="1000"/>
+        </a:spcBef>
+        <a:spcAft>
+          <a:spcPts val="0"/>
+        </a:spcAft>
+        <a:buClr>
+          <a:schemeClr val="bg2">
+            <a:lumMod val="40000"/>
+            <a:lumOff val="60000"/>
+          </a:schemeClr>
+        </a:buClr>
+        <a:buSzPct val="80000"/>
+        <a:buFont typeface="Wingdings 3" charset="2"/>
+        <a:buChar char=""/>
+        <a:defRPr sz="2000" b="0" i="0" kern="1200">
           <a:solidFill>
             <a:schemeClr val="tx1"/>
           </a:solidFill>
@@ -2696,18 +5781,213 @@
           <a:cs typeface="+mj-cs"/>
         </a:defRPr>
       </a:lvl1pPr>
-    </p:titleStyle>
-    <p:bodyStyle>
-      <a:lvl1pPr marL="228600" indent="-228600" algn="l" defTabSz="914400" rtl="0" eaLnBrk="1" latinLnBrk="0" hangingPunct="1">
-        <a:lnSpc>
-          <a:spcPct val="90000"/>
-        </a:lnSpc>
+      <a:lvl2pPr marL="742950" indent="-285750" algn="l" defTabSz="457200" rtl="0" eaLnBrk="1" latinLnBrk="0" hangingPunct="1">
         <a:spcBef>
           <a:spcPts val="1000"/>
         </a:spcBef>
-        <a:buFont typeface="Arial" panose="020B0604020202020204" pitchFamily="34" charset="0"/>
-        <a:buChar char="•"/>
-        <a:defRPr sz="2800" kern="1200">
+        <a:spcAft>
+          <a:spcPts val="0"/>
+        </a:spcAft>
+        <a:buClr>
+          <a:schemeClr val="bg2">
+            <a:lumMod val="40000"/>
+            <a:lumOff val="60000"/>
+          </a:schemeClr>
+        </a:buClr>
+        <a:buSzPct val="80000"/>
+        <a:buFont typeface="Wingdings 3" charset="2"/>
+        <a:buChar char=""/>
+        <a:defRPr sz="1800" b="0" i="0" kern="1200">
+          <a:solidFill>
+            <a:schemeClr val="tx1"/>
+          </a:solidFill>
+          <a:latin typeface="+mj-lt"/>
+          <a:ea typeface="+mj-ea"/>
+          <a:cs typeface="+mj-cs"/>
+        </a:defRPr>
+      </a:lvl2pPr>
+      <a:lvl3pPr marL="1143000" indent="-228600" algn="l" defTabSz="457200" rtl="0" eaLnBrk="1" latinLnBrk="0" hangingPunct="1">
+        <a:spcBef>
+          <a:spcPts val="1000"/>
+        </a:spcBef>
+        <a:spcAft>
+          <a:spcPts val="0"/>
+        </a:spcAft>
+        <a:buClr>
+          <a:schemeClr val="bg2">
+            <a:lumMod val="40000"/>
+            <a:lumOff val="60000"/>
+          </a:schemeClr>
+        </a:buClr>
+        <a:buSzPct val="80000"/>
+        <a:buFont typeface="Wingdings 3" charset="2"/>
+        <a:buChar char=""/>
+        <a:defRPr sz="1600" b="0" i="0" kern="1200">
+          <a:solidFill>
+            <a:schemeClr val="tx1"/>
+          </a:solidFill>
+          <a:latin typeface="+mj-lt"/>
+          <a:ea typeface="+mj-ea"/>
+          <a:cs typeface="+mj-cs"/>
+        </a:defRPr>
+      </a:lvl3pPr>
+      <a:lvl4pPr marL="1600200" indent="-228600" algn="l" defTabSz="457200" rtl="0" eaLnBrk="1" latinLnBrk="0" hangingPunct="1">
+        <a:spcBef>
+          <a:spcPts val="1000"/>
+        </a:spcBef>
+        <a:spcAft>
+          <a:spcPts val="0"/>
+        </a:spcAft>
+        <a:buClr>
+          <a:schemeClr val="bg2">
+            <a:lumMod val="40000"/>
+            <a:lumOff val="60000"/>
+          </a:schemeClr>
+        </a:buClr>
+        <a:buSzPct val="80000"/>
+        <a:buFont typeface="Wingdings 3" charset="2"/>
+        <a:buChar char=""/>
+        <a:defRPr sz="1400" b="0" i="0" kern="1200">
+          <a:solidFill>
+            <a:schemeClr val="tx1"/>
+          </a:solidFill>
+          <a:latin typeface="+mj-lt"/>
+          <a:ea typeface="+mj-ea"/>
+          <a:cs typeface="+mj-cs"/>
+        </a:defRPr>
+      </a:lvl4pPr>
+      <a:lvl5pPr marL="2057400" indent="-228600" algn="l" defTabSz="457200" rtl="0" eaLnBrk="1" latinLnBrk="0" hangingPunct="1">
+        <a:spcBef>
+          <a:spcPts val="1000"/>
+        </a:spcBef>
+        <a:spcAft>
+          <a:spcPts val="0"/>
+        </a:spcAft>
+        <a:buClr>
+          <a:schemeClr val="bg2">
+            <a:lumMod val="40000"/>
+            <a:lumOff val="60000"/>
+          </a:schemeClr>
+        </a:buClr>
+        <a:buSzPct val="80000"/>
+        <a:buFont typeface="Wingdings 3" charset="2"/>
+        <a:buChar char=""/>
+        <a:defRPr sz="1400" b="0" i="0" kern="1200">
+          <a:solidFill>
+            <a:schemeClr val="tx1"/>
+          </a:solidFill>
+          <a:latin typeface="+mj-lt"/>
+          <a:ea typeface="+mj-ea"/>
+          <a:cs typeface="+mj-cs"/>
+        </a:defRPr>
+      </a:lvl5pPr>
+      <a:lvl6pPr marL="2506000" indent="-228600" algn="l" defTabSz="457200" rtl="0" eaLnBrk="1" latinLnBrk="0" hangingPunct="1">
+        <a:spcBef>
+          <a:spcPts val="1000"/>
+        </a:spcBef>
+        <a:spcAft>
+          <a:spcPts val="0"/>
+        </a:spcAft>
+        <a:buClr>
+          <a:schemeClr val="bg2">
+            <a:lumMod val="40000"/>
+            <a:lumOff val="60000"/>
+          </a:schemeClr>
+        </a:buClr>
+        <a:buSzPct val="80000"/>
+        <a:buFont typeface="Wingdings 3" charset="2"/>
+        <a:buChar char=""/>
+        <a:defRPr sz="1400" b="0" i="0" kern="1200">
+          <a:solidFill>
+            <a:schemeClr val="tx1"/>
+          </a:solidFill>
+          <a:latin typeface="+mj-lt"/>
+          <a:ea typeface="+mj-ea"/>
+          <a:cs typeface="+mj-cs"/>
+        </a:defRPr>
+      </a:lvl6pPr>
+      <a:lvl7pPr marL="2971800" indent="-228600" algn="l" defTabSz="457200" rtl="0" eaLnBrk="1" latinLnBrk="0" hangingPunct="1">
+        <a:spcBef>
+          <a:spcPts val="1000"/>
+        </a:spcBef>
+        <a:spcAft>
+          <a:spcPts val="0"/>
+        </a:spcAft>
+        <a:buClr>
+          <a:schemeClr val="bg2">
+            <a:lumMod val="40000"/>
+            <a:lumOff val="60000"/>
+          </a:schemeClr>
+        </a:buClr>
+        <a:buSzPct val="80000"/>
+        <a:buFont typeface="Wingdings 3" charset="2"/>
+        <a:buChar char=""/>
+        <a:defRPr sz="1400" b="0" i="0" kern="1200">
+          <a:solidFill>
+            <a:schemeClr val="tx1"/>
+          </a:solidFill>
+          <a:latin typeface="+mj-lt"/>
+          <a:ea typeface="+mj-ea"/>
+          <a:cs typeface="+mj-cs"/>
+        </a:defRPr>
+      </a:lvl7pPr>
+      <a:lvl8pPr marL="3429000" indent="-228600" algn="l" defTabSz="457200" rtl="0" eaLnBrk="1" latinLnBrk="0" hangingPunct="1">
+        <a:spcBef>
+          <a:spcPts val="1000"/>
+        </a:spcBef>
+        <a:spcAft>
+          <a:spcPts val="0"/>
+        </a:spcAft>
+        <a:buClr>
+          <a:schemeClr val="bg2">
+            <a:lumMod val="40000"/>
+            <a:lumOff val="60000"/>
+          </a:schemeClr>
+        </a:buClr>
+        <a:buSzPct val="80000"/>
+        <a:buFont typeface="Wingdings 3" charset="2"/>
+        <a:buChar char=""/>
+        <a:defRPr sz="1400" b="0" i="0" kern="1200">
+          <a:solidFill>
+            <a:schemeClr val="tx1"/>
+          </a:solidFill>
+          <a:latin typeface="+mj-lt"/>
+          <a:ea typeface="+mj-ea"/>
+          <a:cs typeface="+mj-cs"/>
+        </a:defRPr>
+      </a:lvl8pPr>
+      <a:lvl9pPr marL="3886200" indent="-228600" algn="l" defTabSz="457200" rtl="0" eaLnBrk="1" latinLnBrk="0" hangingPunct="1">
+        <a:spcBef>
+          <a:spcPts val="1000"/>
+        </a:spcBef>
+        <a:spcAft>
+          <a:spcPts val="0"/>
+        </a:spcAft>
+        <a:buClr>
+          <a:schemeClr val="bg2">
+            <a:lumMod val="40000"/>
+            <a:lumOff val="60000"/>
+          </a:schemeClr>
+        </a:buClr>
+        <a:buSzPct val="80000"/>
+        <a:buFont typeface="Wingdings 3" charset="2"/>
+        <a:buChar char=""/>
+        <a:defRPr sz="1400" b="0" i="0" kern="1200">
+          <a:solidFill>
+            <a:schemeClr val="tx1"/>
+          </a:solidFill>
+          <a:latin typeface="+mj-lt"/>
+          <a:ea typeface="+mj-ea"/>
+          <a:cs typeface="+mj-cs"/>
+        </a:defRPr>
+      </a:lvl9pPr>
+    </p:bodyStyle>
+    <p:otherStyle>
+      <a:defPPr>
+        <a:defRPr lang="en-US"/>
+      </a:defPPr>
+      <a:lvl1pPr marL="0" algn="l" defTabSz="457200" rtl="0" eaLnBrk="1" latinLnBrk="0" hangingPunct="1">
+        <a:defRPr sz="1800" kern="1200">
           <a:solidFill>
             <a:schemeClr val="tx1"/>
           </a:solidFill>
@@ -2716,16 +5996,8 @@
           <a:cs typeface="+mn-cs"/>
         </a:defRPr>
       </a:lvl1pPr>
-      <a:lvl2pPr marL="685800" indent="-228600" algn="l" defTabSz="914400" rtl="0" eaLnBrk="1" latinLnBrk="0" hangingPunct="1">
-        <a:lnSpc>
-          <a:spcPct val="90000"/>
-        </a:lnSpc>
-        <a:spcBef>
-          <a:spcPts val="500"/>
-        </a:spcBef>
-        <a:buFont typeface="Arial" panose="020B0604020202020204" pitchFamily="34" charset="0"/>
-        <a:buChar char="•"/>
-        <a:defRPr sz="2400" kern="1200">
+      <a:lvl2pPr marL="457200" algn="l" defTabSz="457200" rtl="0" eaLnBrk="1" latinLnBrk="0" hangingPunct="1">
+        <a:defRPr sz="1800" kern="1200">
           <a:solidFill>
             <a:schemeClr val="tx1"/>
           </a:solidFill>
@@ -2734,16 +6006,8 @@
           <a:cs typeface="+mn-cs"/>
         </a:defRPr>
       </a:lvl2pPr>
-      <a:lvl3pPr marL="1143000" indent="-228600" algn="l" defTabSz="914400" rtl="0" eaLnBrk="1" latinLnBrk="0" hangingPunct="1">
-        <a:lnSpc>
-          <a:spcPct val="90000"/>
-        </a:lnSpc>
-        <a:spcBef>
-          <a:spcPts val="500"/>
-        </a:spcBef>
-        <a:buFont typeface="Arial" panose="020B0604020202020204" pitchFamily="34" charset="0"/>
-        <a:buChar char="•"/>
-        <a:defRPr sz="2000" kern="1200">
+      <a:lvl3pPr marL="914400" algn="l" defTabSz="457200" rtl="0" eaLnBrk="1" latinLnBrk="0" hangingPunct="1">
+        <a:defRPr sz="1800" kern="1200">
           <a:solidFill>
             <a:schemeClr val="tx1"/>
           </a:solidFill>
@@ -2752,15 +6016,7 @@
           <a:cs typeface="+mn-cs"/>
         </a:defRPr>
       </a:lvl3pPr>
-      <a:lvl4pPr marL="1600200" indent="-228600" algn="l" defTabSz="914400" rtl="0" eaLnBrk="1" latinLnBrk="0" hangingPunct="1">
-        <a:lnSpc>
-          <a:spcPct val="90000"/>
-        </a:lnSpc>
-        <a:spcBef>
-          <a:spcPts val="500"/>
-        </a:spcBef>
-        <a:buFont typeface="Arial" panose="020B0604020202020204" pitchFamily="34" charset="0"/>
-        <a:buChar char="•"/>
+      <a:lvl4pPr marL="1371600" algn="l" defTabSz="457200" rtl="0" eaLnBrk="1" latinLnBrk="0" hangingPunct="1">
         <a:defRPr sz="1800" kern="1200">
           <a:solidFill>
             <a:schemeClr val="tx1"/>
@@ -2770,15 +6026,7 @@
           <a:cs typeface="+mn-cs"/>
         </a:defRPr>
       </a:lvl4pPr>
-      <a:lvl5pPr marL="2057400" indent="-228600" algn="l" defTabSz="914400" rtl="0" eaLnBrk="1" latinLnBrk="0" hangingPunct="1">
-        <a:lnSpc>
-          <a:spcPct val="90000"/>
-        </a:lnSpc>
-        <a:spcBef>
-          <a:spcPts val="500"/>
-        </a:spcBef>
-        <a:buFont typeface="Arial" panose="020B0604020202020204" pitchFamily="34" charset="0"/>
-        <a:buChar char="•"/>
+      <a:lvl5pPr marL="1828800" algn="l" defTabSz="457200" rtl="0" eaLnBrk="1" latinLnBrk="0" hangingPunct="1">
         <a:defRPr sz="1800" kern="1200">
           <a:solidFill>
             <a:schemeClr val="tx1"/>
@@ -2788,15 +6036,7 @@
           <a:cs typeface="+mn-cs"/>
         </a:defRPr>
       </a:lvl5pPr>
-      <a:lvl6pPr marL="2514600" indent="-228600" algn="l" defTabSz="914400" rtl="0" eaLnBrk="1" latinLnBrk="0" hangingPunct="1">
-        <a:lnSpc>
-          <a:spcPct val="90000"/>
-        </a:lnSpc>
-        <a:spcBef>
-          <a:spcPts val="500"/>
-        </a:spcBef>
-        <a:buFont typeface="Arial" panose="020B0604020202020204" pitchFamily="34" charset="0"/>
-        <a:buChar char="•"/>
+      <a:lvl6pPr marL="2286000" algn="l" defTabSz="457200" rtl="0" eaLnBrk="1" latinLnBrk="0" hangingPunct="1">
         <a:defRPr sz="1800" kern="1200">
           <a:solidFill>
             <a:schemeClr val="tx1"/>
@@ -2806,15 +6046,7 @@
           <a:cs typeface="+mn-cs"/>
         </a:defRPr>
       </a:lvl6pPr>
-      <a:lvl7pPr marL="2971800" indent="-228600" algn="l" defTabSz="914400" rtl="0" eaLnBrk="1" latinLnBrk="0" hangingPunct="1">
-        <a:lnSpc>
-          <a:spcPct val="90000"/>
-        </a:lnSpc>
-        <a:spcBef>
-          <a:spcPts val="500"/>
-        </a:spcBef>
-        <a:buFont typeface="Arial" panose="020B0604020202020204" pitchFamily="34" charset="0"/>
-        <a:buChar char="•"/>
+      <a:lvl7pPr marL="2743200" algn="l" defTabSz="457200" rtl="0" eaLnBrk="1" latinLnBrk="0" hangingPunct="1">
         <a:defRPr sz="1800" kern="1200">
           <a:solidFill>
             <a:schemeClr val="tx1"/>
@@ -2824,15 +6056,7 @@
           <a:cs typeface="+mn-cs"/>
         </a:defRPr>
       </a:lvl7pPr>
-      <a:lvl8pPr marL="3429000" indent="-228600" algn="l" defTabSz="914400" rtl="0" eaLnBrk="1" latinLnBrk="0" hangingPunct="1">
-        <a:lnSpc>
-          <a:spcPct val="90000"/>
-        </a:lnSpc>
-        <a:spcBef>
-          <a:spcPts val="500"/>
-        </a:spcBef>
-        <a:buFont typeface="Arial" panose="020B0604020202020204" pitchFamily="34" charset="0"/>
-        <a:buChar char="•"/>
+      <a:lvl8pPr marL="3200400" algn="l" defTabSz="457200" rtl="0" eaLnBrk="1" latinLnBrk="0" hangingPunct="1">
         <a:defRPr sz="1800" kern="1200">
           <a:solidFill>
             <a:schemeClr val="tx1"/>
@@ -2842,110 +6066,7 @@
           <a:cs typeface="+mn-cs"/>
         </a:defRPr>
       </a:lvl8pPr>
-      <a:lvl9pPr marL="3886200" indent="-228600" algn="l" defTabSz="914400" rtl="0" eaLnBrk="1" latinLnBrk="0" hangingPunct="1">
-        <a:lnSpc>
-          <a:spcPct val="90000"/>
-        </a:lnSpc>
-        <a:spcBef>
-          <a:spcPts val="500"/>
-        </a:spcBef>
-        <a:buFont typeface="Arial" panose="020B0604020202020204" pitchFamily="34" charset="0"/>
-        <a:buChar char="•"/>
-        <a:defRPr sz="1800" kern="1200">
-          <a:solidFill>
-            <a:schemeClr val="tx1"/>
-          </a:solidFill>
-          <a:latin typeface="+mn-lt"/>
-          <a:ea typeface="+mn-ea"/>
-          <a:cs typeface="+mn-cs"/>
-        </a:defRPr>
-      </a:lvl9pPr>
-    </p:bodyStyle>
-    <p:otherStyle>
-      <a:defPPr>
-        <a:defRPr lang="en-US"/>
-      </a:defPPr>
-      <a:lvl1pPr marL="0" algn="l" defTabSz="914400" rtl="0" eaLnBrk="1" latinLnBrk="0" hangingPunct="1">
-        <a:defRPr sz="1800" kern="1200">
-          <a:solidFill>
-            <a:schemeClr val="tx1"/>
-          </a:solidFill>
-          <a:latin typeface="+mn-lt"/>
-          <a:ea typeface="+mn-ea"/>
-          <a:cs typeface="+mn-cs"/>
-        </a:defRPr>
-      </a:lvl1pPr>
-      <a:lvl2pPr marL="457200" algn="l" defTabSz="914400" rtl="0" eaLnBrk="1" latinLnBrk="0" hangingPunct="1">
-        <a:defRPr sz="1800" kern="1200">
-          <a:solidFill>
-            <a:schemeClr val="tx1"/>
-          </a:solidFill>
-          <a:latin typeface="+mn-lt"/>
-          <a:ea typeface="+mn-ea"/>
-          <a:cs typeface="+mn-cs"/>
-        </a:defRPr>
-      </a:lvl2pPr>
-      <a:lvl3pPr marL="914400" algn="l" defTabSz="914400" rtl="0" eaLnBrk="1" latinLnBrk="0" hangingPunct="1">
-        <a:defRPr sz="1800" kern="1200">
-          <a:solidFill>
-            <a:schemeClr val="tx1"/>
-          </a:solidFill>
-          <a:latin typeface="+mn-lt"/>
-          <a:ea typeface="+mn-ea"/>
-          <a:cs typeface="+mn-cs"/>
-        </a:defRPr>
-      </a:lvl3pPr>
-      <a:lvl4pPr marL="1371600" algn="l" defTabSz="914400" rtl="0" eaLnBrk="1" latinLnBrk="0" hangingPunct="1">
-        <a:defRPr sz="1800" kern="1200">
-          <a:solidFill>
-            <a:schemeClr val="tx1"/>
-          </a:solidFill>
-          <a:latin typeface="+mn-lt"/>
-          <a:ea typeface="+mn-ea"/>
-          <a:cs typeface="+mn-cs"/>
-        </a:defRPr>
-      </a:lvl4pPr>
-      <a:lvl5pPr marL="1828800" algn="l" defTabSz="914400" rtl="0" eaLnBrk="1" latinLnBrk="0" hangingPunct="1">
-        <a:defRPr sz="1800" kern="1200">
-          <a:solidFill>
-            <a:schemeClr val="tx1"/>
-          </a:solidFill>
-          <a:latin typeface="+mn-lt"/>
-          <a:ea typeface="+mn-ea"/>
-          <a:cs typeface="+mn-cs"/>
-        </a:defRPr>
-      </a:lvl5pPr>
-      <a:lvl6pPr marL="2286000" algn="l" defTabSz="914400" rtl="0" eaLnBrk="1" latinLnBrk="0" hangingPunct="1">
-        <a:defRPr sz="1800" kern="1200">
-          <a:solidFill>
-            <a:schemeClr val="tx1"/>
-          </a:solidFill>
-          <a:latin typeface="+mn-lt"/>
-          <a:ea typeface="+mn-ea"/>
-          <a:cs typeface="+mn-cs"/>
-        </a:defRPr>
-      </a:lvl6pPr>
-      <a:lvl7pPr marL="2743200" algn="l" defTabSz="914400" rtl="0" eaLnBrk="1" latinLnBrk="0" hangingPunct="1">
-        <a:defRPr sz="1800" kern="1200">
-          <a:solidFill>
-            <a:schemeClr val="tx1"/>
-          </a:solidFill>
-          <a:latin typeface="+mn-lt"/>
-          <a:ea typeface="+mn-ea"/>
-          <a:cs typeface="+mn-cs"/>
-        </a:defRPr>
-      </a:lvl7pPr>
-      <a:lvl8pPr marL="3200400" algn="l" defTabSz="914400" rtl="0" eaLnBrk="1" latinLnBrk="0" hangingPunct="1">
-        <a:defRPr sz="1800" kern="1200">
-          <a:solidFill>
-            <a:schemeClr val="tx1"/>
-          </a:solidFill>
-          <a:latin typeface="+mn-lt"/>
-          <a:ea typeface="+mn-ea"/>
-          <a:cs typeface="+mn-cs"/>
-        </a:defRPr>
-      </a:lvl8pPr>
-      <a:lvl9pPr marL="3657600" algn="l" defTabSz="914400" rtl="0" eaLnBrk="1" latinLnBrk="0" hangingPunct="1">
+      <a:lvl9pPr marL="3657600" algn="l" defTabSz="457200" rtl="0" eaLnBrk="1" latinLnBrk="0" hangingPunct="1">
         <a:defRPr sz="1800" kern="1200">
           <a:solidFill>
             <a:schemeClr val="tx1"/>
@@ -3140,29 +6261,25 @@
             </a:r>
           </a:p>
           <a:p>
-            <a:pPr marL="0" indent="0">
-              <a:buNone/>
-            </a:pPr>
-            <a:r>
-              <a:rPr lang="en-IE" dirty="0"/>
-              <a:t>	</a:t>
-            </a:r>
-            <a:r>
-              <a:rPr lang="en-IE" dirty="0" smtClean="0"/>
-              <a:t>Phone data not streaming data correctly</a:t>
-            </a:r>
-          </a:p>
-          <a:p>
-            <a:pPr marL="0" indent="0">
-              <a:buNone/>
-            </a:pPr>
-            <a:r>
-              <a:rPr lang="en-IE" dirty="0"/>
-              <a:t>	</a:t>
-            </a:r>
-            <a:r>
-              <a:rPr lang="en-IE" dirty="0" smtClean="0"/>
-              <a:t>A known problem with my device</a:t>
+            <a:pPr lvl="1"/>
+            <a:r>
+              <a:rPr lang="en-IE" dirty="0" smtClean="0"/>
+              <a:t>Phone </a:t>
+            </a:r>
+            <a:r>
+              <a:rPr lang="en-IE" dirty="0" smtClean="0"/>
+              <a:t>data not streaming data correctly</a:t>
+            </a:r>
+          </a:p>
+          <a:p>
+            <a:pPr lvl="1"/>
+            <a:r>
+              <a:rPr lang="en-IE" dirty="0" smtClean="0"/>
+              <a:t>A </a:t>
+            </a:r>
+            <a:r>
+              <a:rPr lang="en-IE" dirty="0" smtClean="0"/>
+              <a:t>known problem with my device</a:t>
             </a:r>
             <a:endParaRPr lang="en-IE" dirty="0"/>
           </a:p>
@@ -3238,10 +6355,15 @@
             <p:ph idx="1"/>
           </p:nvPr>
         </p:nvSpPr>
-        <p:spPr/>
+        <p:spPr>
+          <a:xfrm>
+            <a:off x="646112" y="1538654"/>
+            <a:ext cx="9403742" cy="4709745"/>
+          </a:xfrm>
+        </p:spPr>
         <p:txBody>
           <a:bodyPr>
-            <a:normAutofit fontScale="77500" lnSpcReduction="20000"/>
+            <a:normAutofit fontScale="70000" lnSpcReduction="20000"/>
           </a:bodyPr>
           <a:lstStyle/>
           <a:p>
@@ -3278,77 +6400,73 @@
             <a:pPr lvl="2"/>
             <a:r>
               <a:rPr lang="en-IE" dirty="0" smtClean="0"/>
-              <a:t>Universally Understood form of </a:t>
-            </a:r>
-            <a:r>
-              <a:rPr lang="en-IE" dirty="0" smtClean="0"/>
-              <a:t>communication</a:t>
+              <a:t>Universally Understood form of communication</a:t>
             </a:r>
           </a:p>
           <a:p>
             <a:pPr lvl="2"/>
             <a:r>
               <a:rPr lang="en-IE" dirty="0" smtClean="0"/>
-              <a:t>Balkan Countries has the opposite meaning</a:t>
-            </a:r>
+              <a:t>Short </a:t>
+            </a:r>
+            <a:r>
+              <a:rPr lang="en-IE" dirty="0" smtClean="0"/>
+              <a:t>instruction set for controls  needed</a:t>
+            </a:r>
+          </a:p>
+          <a:p>
+            <a:pPr lvl="2"/>
+            <a:r>
+              <a:rPr lang="en-IE" dirty="0" smtClean="0"/>
+              <a:t>Quickly becomes obvious on how to </a:t>
+            </a:r>
+            <a:r>
+              <a:rPr lang="en-IE" dirty="0" smtClean="0"/>
+              <a:t>use</a:t>
+            </a:r>
+          </a:p>
+          <a:p>
+            <a:pPr lvl="2"/>
+            <a:r>
+              <a:rPr lang="en-IE" dirty="0"/>
+              <a:t>Balkan Countries </a:t>
+            </a:r>
+            <a:r>
+              <a:rPr lang="en-IE" dirty="0" smtClean="0"/>
+              <a:t>has the opposite meaning</a:t>
+            </a:r>
+          </a:p>
+          <a:p>
+            <a:pPr marL="914400" lvl="2" indent="0">
+              <a:buNone/>
+            </a:pPr>
             <a:endParaRPr lang="en-IE" dirty="0" smtClean="0"/>
           </a:p>
           <a:p>
+            <a:pPr marL="0" indent="0">
+              <a:buNone/>
+            </a:pPr>
+            <a:r>
+              <a:rPr lang="en-IE" dirty="0" smtClean="0"/>
+              <a:t>Other options as form of communication</a:t>
+            </a:r>
+          </a:p>
+          <a:p>
             <a:pPr lvl="2"/>
             <a:r>
               <a:rPr lang="en-IE" dirty="0" smtClean="0"/>
-              <a:t>Short instruction </a:t>
-            </a:r>
-            <a:r>
-              <a:rPr lang="en-IE" dirty="0" smtClean="0"/>
-              <a:t>set for controls  </a:t>
-            </a:r>
-            <a:r>
-              <a:rPr lang="en-IE" dirty="0" smtClean="0"/>
-              <a:t>needed</a:t>
+              <a:t>Tilt </a:t>
+            </a:r>
+            <a:r>
+              <a:rPr lang="en-IE" dirty="0" smtClean="0"/>
+              <a:t>head Left/Right</a:t>
             </a:r>
           </a:p>
           <a:p>
             <a:pPr lvl="2"/>
             <a:r>
               <a:rPr lang="en-IE" dirty="0" smtClean="0"/>
-              <a:t>Quickly becomes obvious on how to use</a:t>
-            </a:r>
-          </a:p>
-          <a:p>
-            <a:pPr marL="0" indent="0">
-              <a:buNone/>
-            </a:pPr>
-            <a:r>
-              <a:rPr lang="en-IE" dirty="0" smtClean="0"/>
-              <a:t>Other </a:t>
-            </a:r>
-            <a:r>
-              <a:rPr lang="en-IE" dirty="0" smtClean="0"/>
-              <a:t>options as form of communication</a:t>
-            </a:r>
-            <a:endParaRPr lang="en-IE" dirty="0" smtClean="0"/>
-          </a:p>
-          <a:p>
-            <a:pPr lvl="2"/>
-            <a:r>
-              <a:rPr lang="en-IE" dirty="0" smtClean="0"/>
-              <a:t>Tilt head </a:t>
-            </a:r>
-            <a:r>
-              <a:rPr lang="en-IE" dirty="0" smtClean="0"/>
-              <a:t>Left/Right</a:t>
-            </a:r>
-          </a:p>
-          <a:p>
-            <a:pPr lvl="2"/>
-            <a:r>
-              <a:rPr lang="en-IE" dirty="0" smtClean="0"/>
-              <a:t>Look </a:t>
-            </a:r>
-            <a:r>
-              <a:rPr lang="en-IE" dirty="0" smtClean="0"/>
-              <a:t>Left/Right</a:t>
+              <a:t>Look Left/Right</a:t>
             </a:r>
           </a:p>
           <a:p>
@@ -3432,7 +6550,7 @@
       </p:sp>
       <p:pic>
         <p:nvPicPr>
-          <p:cNvPr id="4" name="Picture 3"/>
+          <p:cNvPr id="5" name="Picture 4"/>
           <p:cNvPicPr>
             <a:picLocks noChangeAspect="1"/>
           </p:cNvPicPr>
@@ -3452,37 +6570,7 @@
         </p:blipFill>
         <p:spPr>
           <a:xfrm>
-            <a:off x="7443054" y="2780934"/>
-            <a:ext cx="2466975" cy="1857375"/>
-          </a:xfrm>
-          <a:prstGeom prst="rect">
-            <a:avLst/>
-          </a:prstGeom>
-        </p:spPr>
-      </p:pic>
-      <p:pic>
-        <p:nvPicPr>
-          <p:cNvPr id="5" name="Picture 4"/>
-          <p:cNvPicPr>
-            <a:picLocks noChangeAspect="1"/>
-          </p:cNvPicPr>
-          <p:nvPr/>
-        </p:nvPicPr>
-        <p:blipFill>
-          <a:blip r:embed="rId3">
-            <a:extLst>
-              <a:ext uri="{28A0092B-C50C-407E-A947-70E740481C1C}">
-                <a14:useLocalDpi xmlns:a14="http://schemas.microsoft.com/office/drawing/2010/main" val="0"/>
-              </a:ext>
-            </a:extLst>
-          </a:blip>
-          <a:stretch>
-            <a:fillRect/>
-          </a:stretch>
-        </p:blipFill>
-        <p:spPr>
-          <a:xfrm>
-            <a:off x="7247792" y="890588"/>
+            <a:off x="5688867" y="1929826"/>
             <a:ext cx="2857500" cy="1600200"/>
           </a:xfrm>
           <a:prstGeom prst="rect">
@@ -3575,11 +6663,7 @@
           <a:p>
             <a:r>
               <a:rPr lang="en-IE" dirty="0" smtClean="0"/>
-              <a:t>Unity </a:t>
-            </a:r>
-            <a:r>
-              <a:rPr lang="en-IE" dirty="0" smtClean="0"/>
-              <a:t>development package </a:t>
+              <a:t>Unity development package </a:t>
             </a:r>
           </a:p>
           <a:p>
@@ -3592,11 +6676,7 @@
           <a:p>
             <a:r>
               <a:rPr lang="en-IE" dirty="0" smtClean="0"/>
-              <a:t>Head </a:t>
-            </a:r>
-            <a:r>
-              <a:rPr lang="en-IE" dirty="0" smtClean="0"/>
-              <a:t>gesture </a:t>
+              <a:t>Head gesture </a:t>
             </a:r>
             <a:r>
               <a:rPr lang="en-IE" dirty="0" smtClean="0"/>
@@ -3607,59 +6687,157 @@
             <a:pPr lvl="1"/>
             <a:r>
               <a:rPr lang="en-IE" dirty="0" smtClean="0"/>
-              <a:t>Gets  cameras Euler angle based on the head position view</a:t>
-            </a:r>
+              <a:t>Static camera </a:t>
+            </a:r>
+            <a:r>
+              <a:rPr lang="en-IE" dirty="0"/>
+              <a:t>E</a:t>
+            </a:r>
+            <a:r>
+              <a:rPr lang="en-IE" dirty="0" smtClean="0"/>
+              <a:t>uler </a:t>
+            </a:r>
+            <a:r>
+              <a:rPr lang="en-IE" dirty="0"/>
+              <a:t>angle </a:t>
+            </a:r>
+            <a:r>
+              <a:rPr lang="en-IE" dirty="0" smtClean="0"/>
+              <a:t>start position</a:t>
+            </a:r>
+            <a:endParaRPr lang="en-IE" dirty="0" smtClean="0"/>
           </a:p>
           <a:p>
             <a:pPr lvl="1"/>
             <a:r>
-              <a:rPr lang="en-IE" dirty="0" smtClean="0"/>
-              <a:t>Using update function the current angle can be compared to the centre start position</a:t>
+              <a:rPr lang="en-IE" dirty="0"/>
+              <a:t>C</a:t>
+            </a:r>
+            <a:r>
+              <a:rPr lang="en-IE" dirty="0" smtClean="0"/>
+              <a:t>amera </a:t>
+            </a:r>
+            <a:r>
+              <a:rPr lang="en-IE" dirty="0" smtClean="0"/>
+              <a:t>Euler angle based on the head position view</a:t>
             </a:r>
           </a:p>
           <a:p>
             <a:pPr lvl="1"/>
             <a:r>
               <a:rPr lang="en-IE" dirty="0" smtClean="0"/>
-              <a:t>A pre-set value is used to control how much movement is needed to trigger a gesture.</a:t>
+              <a:t>Using update function the current </a:t>
+            </a:r>
+            <a:r>
+              <a:rPr lang="en-IE" dirty="0" smtClean="0"/>
+              <a:t>distance </a:t>
+            </a:r>
+            <a:r>
+              <a:rPr lang="en-IE" dirty="0" smtClean="0"/>
+              <a:t>can be compared to the centre start position</a:t>
             </a:r>
           </a:p>
           <a:p>
             <a:pPr lvl="1"/>
             <a:r>
               <a:rPr lang="en-IE" dirty="0" smtClean="0"/>
-              <a:t>Boolean values of (up &amp;&amp; down) (left&amp;&amp;right)to trigger Yes\No</a:t>
+              <a:t>A pre-set </a:t>
+            </a:r>
+            <a:r>
+              <a:rPr lang="en-IE" dirty="0" smtClean="0"/>
+              <a:t>distance </a:t>
+            </a:r>
+            <a:r>
+              <a:rPr lang="en-IE" dirty="0" smtClean="0"/>
+              <a:t>is used to control how much movement is needed to trigger </a:t>
+            </a:r>
+            <a:r>
+              <a:rPr lang="en-IE" dirty="0" smtClean="0"/>
+              <a:t>a head position of up, down left or right.</a:t>
             </a:r>
             <a:endParaRPr lang="en-IE" dirty="0" smtClean="0"/>
           </a:p>
           <a:p>
             <a:pPr lvl="1"/>
             <a:r>
-              <a:rPr lang="en-IE" dirty="0" smtClean="0">
-                <a:hlinkClick r:id="rId2"/>
-              </a:rPr>
-              <a:t>Git hub link to Head Gesture page . </a:t>
+              <a:rPr lang="en-IE" dirty="0" smtClean="0"/>
+              <a:t>Boolean values of (up &amp;&amp; down) (left&amp;&amp;right)to trigger </a:t>
+            </a:r>
+            <a:r>
+              <a:rPr lang="en-IE" dirty="0" smtClean="0"/>
+              <a:t>Yes\No</a:t>
+            </a:r>
+          </a:p>
+          <a:p>
+            <a:pPr lvl="1"/>
+            <a:r>
+              <a:rPr lang="en-IE" dirty="0" smtClean="0"/>
+              <a:t>The Yes/No triggers are used for the twist or stick method calls</a:t>
             </a:r>
             <a:endParaRPr lang="en-IE" dirty="0" smtClean="0"/>
           </a:p>
-          <a:p>
-            <a:r>
-              <a:rPr lang="en-IE" dirty="0" smtClean="0"/>
-              <a:t>Tying this into the game environment</a:t>
-            </a:r>
-          </a:p>
-          <a:p>
-            <a:pPr lvl="1"/>
-            <a:r>
-              <a:rPr lang="en-IE" dirty="0" smtClean="0">
-                <a:hlinkClick r:id="rId3"/>
-              </a:rPr>
-              <a:t>Triggering functions</a:t>
-            </a:r>
-            <a:endParaRPr lang="en-IE" dirty="0" smtClean="0"/>
-          </a:p>
-        </p:txBody>
-      </p:sp>
+        </p:txBody>
+      </p:sp>
+      <p:pic>
+        <p:nvPicPr>
+          <p:cNvPr id="4" name="Picture 3"/>
+          <p:cNvPicPr>
+            <a:picLocks noChangeAspect="1"/>
+          </p:cNvPicPr>
+          <p:nvPr/>
+        </p:nvPicPr>
+        <p:blipFill>
+          <a:blip r:embed="rId2">
+            <a:extLst>
+              <a:ext uri="{28A0092B-C50C-407E-A947-70E740481C1C}">
+                <a14:useLocalDpi xmlns:a14="http://schemas.microsoft.com/office/drawing/2010/main" val="0"/>
+              </a:ext>
+            </a:extLst>
+          </a:blip>
+          <a:stretch>
+            <a:fillRect/>
+          </a:stretch>
+        </p:blipFill>
+        <p:spPr>
+          <a:xfrm>
+            <a:off x="8120061" y="447325"/>
+            <a:ext cx="2255107" cy="1857375"/>
+          </a:xfrm>
+          <a:prstGeom prst="rect">
+            <a:avLst/>
+          </a:prstGeom>
+        </p:spPr>
+      </p:pic>
+      <p:pic>
+        <p:nvPicPr>
+          <p:cNvPr id="5" name="Picture 4"/>
+          <p:cNvPicPr>
+            <a:picLocks noChangeAspect="1"/>
+          </p:cNvPicPr>
+          <p:nvPr/>
+        </p:nvPicPr>
+        <p:blipFill>
+          <a:blip r:embed="rId3" cstate="print">
+            <a:extLst>
+              <a:ext uri="{28A0092B-C50C-407E-A947-70E740481C1C}">
+                <a14:useLocalDpi xmlns:a14="http://schemas.microsoft.com/office/drawing/2010/main" val="0"/>
+              </a:ext>
+            </a:extLst>
+          </a:blip>
+          <a:stretch>
+            <a:fillRect/>
+          </a:stretch>
+        </p:blipFill>
+        <p:spPr>
+          <a:xfrm>
+            <a:off x="5684592" y="452718"/>
+            <a:ext cx="2110154" cy="1851982"/>
+          </a:xfrm>
+          <a:prstGeom prst="rect">
+            <a:avLst/>
+          </a:prstGeom>
+        </p:spPr>
+      </p:pic>
     </p:spTree>
     <p:extLst>
       <p:ext uri="{BB962C8B-B14F-4D97-AF65-F5344CB8AC3E}">
@@ -3730,10 +6908,15 @@
             <p:ph idx="1"/>
           </p:nvPr>
         </p:nvSpPr>
-        <p:spPr/>
+        <p:spPr>
+          <a:xfrm>
+            <a:off x="646112" y="1521070"/>
+            <a:ext cx="9403742" cy="4727330"/>
+          </a:xfrm>
+        </p:spPr>
         <p:txBody>
           <a:bodyPr>
-            <a:normAutofit fontScale="62500" lnSpcReduction="20000"/>
+            <a:normAutofit fontScale="70000" lnSpcReduction="20000"/>
           </a:bodyPr>
           <a:lstStyle/>
           <a:p>
@@ -3770,16 +6953,11 @@
               <a:rPr lang="en-IE" dirty="0" smtClean="0"/>
               <a:t>)</a:t>
             </a:r>
-            <a:endParaRPr lang="en-IE" dirty="0" smtClean="0"/>
-          </a:p>
-          <a:p>
-            <a:r>
-              <a:rPr lang="en-IE" dirty="0" smtClean="0"/>
-              <a:t>Fisher yates </a:t>
-            </a:r>
-            <a:r>
-              <a:rPr lang="en-IE" dirty="0" smtClean="0"/>
-              <a:t>shuffle for deck of cards</a:t>
+          </a:p>
+          <a:p>
+            <a:r>
+              <a:rPr lang="en-IE" dirty="0" smtClean="0"/>
+              <a:t>Fisher yates shuffle for deck of cards</a:t>
             </a:r>
           </a:p>
           <a:p>
@@ -3836,11 +7014,7 @@
           <a:p>
             <a:r>
               <a:rPr lang="en-IE" dirty="0" smtClean="0"/>
-              <a:t>Buttons </a:t>
-            </a:r>
-            <a:r>
-              <a:rPr lang="en-IE" dirty="0" smtClean="0"/>
-              <a:t>in UI for testing (Event Handlers to map to functions)</a:t>
+              <a:t>Buttons in UI for testing (Event Handlers to map to functions)</a:t>
             </a:r>
           </a:p>
           <a:p>
@@ -3957,6 +7131,11 @@
               <a:rPr lang="en-IE" dirty="0" smtClean="0"/>
               <a:t>No VR headset </a:t>
             </a:r>
+            <a:r>
+              <a:rPr lang="en-IE" dirty="0" smtClean="0"/>
+              <a:t>(In the post)</a:t>
+            </a:r>
+            <a:endParaRPr lang="en-IE" dirty="0" smtClean="0"/>
           </a:p>
           <a:p>
             <a:pPr lvl="1"/>
@@ -3968,24 +7147,21 @@
           <a:p>
             <a:pPr lvl="1"/>
             <a:r>
-              <a:rPr lang="en-IE" smtClean="0"/>
-              <a:t>Difficult </a:t>
-            </a:r>
-            <a:r>
-              <a:rPr lang="en-IE" dirty="0" smtClean="0"/>
-              <a:t>to measure head movement</a:t>
+              <a:rPr lang="en-IE" dirty="0" smtClean="0"/>
+              <a:t>Difficult to measure head movement</a:t>
             </a:r>
           </a:p>
           <a:p>
             <a:pPr lvl="1"/>
             <a:r>
               <a:rPr lang="en-IE" dirty="0" smtClean="0"/>
-              <a:t>Unity </a:t>
-            </a:r>
-            <a:r>
-              <a:rPr lang="en-IE" dirty="0" smtClean="0"/>
-              <a:t>view incorrect when running</a:t>
-            </a:r>
+              <a:t>Unity view incorrect when </a:t>
+            </a:r>
+            <a:r>
+              <a:rPr lang="en-IE" dirty="0" smtClean="0"/>
+              <a:t>running in editor</a:t>
+            </a:r>
+            <a:endParaRPr lang="en-IE" dirty="0" smtClean="0"/>
           </a:p>
           <a:p>
             <a:pPr lvl="1"/>
@@ -4018,24 +7194,54 @@
             <a:pPr lvl="1"/>
             <a:r>
               <a:rPr lang="en-IE" dirty="0" smtClean="0"/>
-              <a:t>Resetting the gesture to zero</a:t>
-            </a:r>
+              <a:t>Resetting the gesture </a:t>
+            </a:r>
+            <a:r>
+              <a:rPr lang="en-IE" dirty="0" smtClean="0"/>
+              <a:t>centre point changes slightly</a:t>
+            </a:r>
+            <a:endParaRPr lang="en-IE" dirty="0"/>
           </a:p>
           <a:p>
             <a:pPr lvl="1"/>
             <a:r>
               <a:rPr lang="en-IE" dirty="0" smtClean="0"/>
-              <a:t>Some small bugs to fix but just configuration issues</a:t>
-            </a:r>
-          </a:p>
-          <a:p>
-            <a:pPr marL="0" indent="0">
-              <a:buNone/>
-            </a:pPr>
-            <a:endParaRPr lang="en-IE" dirty="0"/>
-          </a:p>
-        </p:txBody>
-      </p:sp>
+              <a:t>Two yes commands being triggered</a:t>
+            </a:r>
+            <a:endParaRPr lang="en-IE" dirty="0" smtClean="0"/>
+          </a:p>
+        </p:txBody>
+      </p:sp>
+      <p:pic>
+        <p:nvPicPr>
+          <p:cNvPr id="4" name="Picture 3"/>
+          <p:cNvPicPr>
+            <a:picLocks noChangeAspect="1"/>
+          </p:cNvPicPr>
+          <p:nvPr/>
+        </p:nvPicPr>
+        <p:blipFill>
+          <a:blip r:embed="rId2">
+            <a:extLst>
+              <a:ext uri="{28A0092B-C50C-407E-A947-70E740481C1C}">
+                <a14:useLocalDpi xmlns:a14="http://schemas.microsoft.com/office/drawing/2010/main" val="0"/>
+              </a:ext>
+            </a:extLst>
+          </a:blip>
+          <a:stretch>
+            <a:fillRect/>
+          </a:stretch>
+        </p:blipFill>
+        <p:spPr>
+          <a:xfrm>
+            <a:off x="7076342" y="1853248"/>
+            <a:ext cx="2857500" cy="1600200"/>
+          </a:xfrm>
+          <a:prstGeom prst="rect">
+            <a:avLst/>
+          </a:prstGeom>
+        </p:spPr>
+      </p:pic>
     </p:spTree>
     <p:extLst>
       <p:ext uri="{BB962C8B-B14F-4D97-AF65-F5344CB8AC3E}">
@@ -4083,7 +7289,7 @@
           <a:p>
             <a:r>
               <a:rPr lang="en-IE" dirty="0" smtClean="0"/>
-              <a:t>Deploying to Google Store</a:t>
+              <a:t>Demo of the game</a:t>
             </a:r>
             <a:endParaRPr lang="en-IE" dirty="0"/>
           </a:p>
@@ -4108,60 +7314,19 @@
               <a:buNone/>
             </a:pPr>
             <a:r>
-              <a:rPr lang="en-IE" dirty="0" smtClean="0"/>
-              <a:t>Steps needed</a:t>
-            </a:r>
-          </a:p>
-          <a:p>
-            <a:pPr lvl="1"/>
-            <a:r>
-              <a:rPr lang="en-IE" dirty="0" smtClean="0"/>
-              <a:t>Build </a:t>
-            </a:r>
-            <a:r>
-              <a:rPr lang="en-IE" dirty="0" err="1" smtClean="0"/>
-              <a:t>apk</a:t>
-            </a:r>
-            <a:r>
-              <a:rPr lang="en-IE" dirty="0" smtClean="0"/>
-              <a:t> for testing</a:t>
-            </a:r>
-          </a:p>
-          <a:p>
-            <a:pPr lvl="1"/>
-            <a:r>
-              <a:rPr lang="en-IE" dirty="0" smtClean="0"/>
-              <a:t>Follow best practice check list </a:t>
-            </a:r>
-          </a:p>
-          <a:p>
-            <a:pPr lvl="1"/>
-            <a:r>
-              <a:rPr lang="en-IE" dirty="0" smtClean="0"/>
-              <a:t>Deploy for testing </a:t>
-            </a:r>
-          </a:p>
-          <a:p>
-            <a:pPr lvl="1"/>
-            <a:r>
-              <a:rPr lang="en-IE" dirty="0" smtClean="0"/>
-              <a:t>Wait for results……………………….</a:t>
-            </a:r>
-          </a:p>
-          <a:p>
-            <a:pPr lvl="1"/>
-            <a:r>
-              <a:rPr lang="en-IE" dirty="0" smtClean="0"/>
-              <a:t>Is it live now?</a:t>
-            </a:r>
-            <a:endParaRPr lang="en-IE" dirty="0"/>
+              <a:rPr lang="en-IE" dirty="0" smtClean="0">
+                <a:hlinkClick r:id="rId2"/>
+              </a:rPr>
+              <a:t>YouTube Demo</a:t>
+            </a:r>
+            <a:endParaRPr lang="en-IE" dirty="0" smtClean="0"/>
           </a:p>
         </p:txBody>
       </p:sp>
     </p:spTree>
     <p:extLst>
       <p:ext uri="{BB962C8B-B14F-4D97-AF65-F5344CB8AC3E}">
-        <p14:creationId xmlns:p14="http://schemas.microsoft.com/office/powerpoint/2010/main" val="2224806598"/>
+        <p14:creationId xmlns:p14="http://schemas.microsoft.com/office/powerpoint/2010/main" val="168267667"/>
       </p:ext>
     </p:extLst>
   </p:cSld>
@@ -4205,7 +7370,7 @@
           <a:p>
             <a:r>
               <a:rPr lang="en-IE" dirty="0" smtClean="0"/>
-              <a:t>Demo of the game</a:t>
+              <a:t>Conclusion</a:t>
             </a:r>
             <a:endParaRPr lang="en-IE" dirty="0"/>
           </a:p>
@@ -4221,91 +7386,15 @@
             <p:ph idx="1"/>
           </p:nvPr>
         </p:nvSpPr>
-        <p:spPr/>
-        <p:txBody>
-          <a:bodyPr/>
-          <a:lstStyle/>
-          <a:p>
-            <a:pPr marL="0" indent="0">
-              <a:buNone/>
-            </a:pPr>
-            <a:r>
-              <a:rPr lang="en-IE" dirty="0" smtClean="0">
-                <a:hlinkClick r:id="rId2"/>
-              </a:rPr>
-              <a:t>YouTube Demo</a:t>
-            </a:r>
-            <a:endParaRPr lang="en-IE" dirty="0" smtClean="0"/>
-          </a:p>
-        </p:txBody>
-      </p:sp>
-    </p:spTree>
-    <p:extLst>
-      <p:ext uri="{BB962C8B-B14F-4D97-AF65-F5344CB8AC3E}">
-        <p14:creationId xmlns:p14="http://schemas.microsoft.com/office/powerpoint/2010/main" val="168267667"/>
-      </p:ext>
-    </p:extLst>
-  </p:cSld>
-  <p:clrMapOvr>
-    <a:masterClrMapping/>
-  </p:clrMapOvr>
-</p:sld>
-</file>
-
-<file path=ppt/slides/slide9.xml><?xml version="1.0" encoding="utf-8"?>
-<p:sld xmlns:a="http://schemas.openxmlformats.org/drawingml/2006/main" xmlns:r="http://schemas.openxmlformats.org/officeDocument/2006/relationships" xmlns:p="http://schemas.openxmlformats.org/presentationml/2006/main">
-  <p:cSld>
-    <p:spTree>
-      <p:nvGrpSpPr>
-        <p:cNvPr id="1" name=""/>
-        <p:cNvGrpSpPr/>
-        <p:nvPr/>
-      </p:nvGrpSpPr>
-      <p:grpSpPr>
-        <a:xfrm>
-          <a:off x="0" y="0"/>
-          <a:ext cx="0" cy="0"/>
-          <a:chOff x="0" y="0"/>
-          <a:chExt cx="0" cy="0"/>
-        </a:xfrm>
-      </p:grpSpPr>
-      <p:sp>
-        <p:nvSpPr>
-          <p:cNvPr id="2" name="Title 1"/>
-          <p:cNvSpPr>
-            <a:spLocks noGrp="1"/>
-          </p:cNvSpPr>
-          <p:nvPr>
-            <p:ph type="title"/>
-          </p:nvPr>
-        </p:nvSpPr>
-        <p:spPr/>
-        <p:txBody>
-          <a:bodyPr/>
-          <a:lstStyle/>
-          <a:p>
-            <a:r>
-              <a:rPr lang="en-IE" dirty="0" smtClean="0"/>
-              <a:t>Conclusion</a:t>
-            </a:r>
-            <a:endParaRPr lang="en-IE" dirty="0"/>
-          </a:p>
-        </p:txBody>
-      </p:sp>
-      <p:sp>
-        <p:nvSpPr>
-          <p:cNvPr id="3" name="Content Placeholder 2"/>
-          <p:cNvSpPr>
-            <a:spLocks noGrp="1"/>
-          </p:cNvSpPr>
-          <p:nvPr>
-            <p:ph idx="1"/>
-          </p:nvPr>
-        </p:nvSpPr>
-        <p:spPr/>
+        <p:spPr>
+          <a:xfrm>
+            <a:off x="646112" y="1424354"/>
+            <a:ext cx="9403742" cy="4824045"/>
+          </a:xfrm>
+        </p:spPr>
         <p:txBody>
           <a:bodyPr>
-            <a:normAutofit fontScale="70000" lnSpcReduction="20000"/>
+            <a:normAutofit fontScale="77500" lnSpcReduction="20000"/>
           </a:bodyPr>
           <a:lstStyle/>
           <a:p>
@@ -4337,8 +7426,17 @@
             <a:pPr lvl="1"/>
             <a:r>
               <a:rPr lang="en-IE" dirty="0" smtClean="0"/>
-              <a:t>Reset Head position</a:t>
-            </a:r>
+              <a:t>Correct Reset </a:t>
+            </a:r>
+            <a:r>
+              <a:rPr lang="en-IE" dirty="0" smtClean="0"/>
+              <a:t>Head </a:t>
+            </a:r>
+            <a:r>
+              <a:rPr lang="en-IE" dirty="0" smtClean="0"/>
+              <a:t>position after yes gesture</a:t>
+            </a:r>
+            <a:endParaRPr lang="en-IE" dirty="0" smtClean="0"/>
           </a:p>
           <a:p>
             <a:pPr marL="0" indent="0">
@@ -4367,15 +7465,40 @@
             <a:pPr lvl="2"/>
             <a:r>
               <a:rPr lang="en-IE" dirty="0" smtClean="0"/>
-              <a:t>Centring images to camera view </a:t>
+              <a:t>Centring </a:t>
+            </a:r>
+            <a:r>
+              <a:rPr lang="en-IE" dirty="0" smtClean="0"/>
+              <a:t>images and text </a:t>
+            </a:r>
+            <a:r>
+              <a:rPr lang="en-IE" dirty="0" smtClean="0"/>
+              <a:t>to </a:t>
+            </a:r>
+            <a:r>
+              <a:rPr lang="en-IE" dirty="0" err="1" smtClean="0"/>
+              <a:t>vr</a:t>
+            </a:r>
+            <a:r>
+              <a:rPr lang="en-IE" dirty="0" smtClean="0"/>
+              <a:t> camera </a:t>
+            </a:r>
+            <a:r>
+              <a:rPr lang="en-IE" dirty="0" smtClean="0"/>
+              <a:t>view </a:t>
             </a:r>
           </a:p>
           <a:p>
             <a:pPr lvl="2"/>
             <a:r>
               <a:rPr lang="en-IE" dirty="0" smtClean="0"/>
-              <a:t>Rendering images within clipping plane</a:t>
-            </a:r>
+              <a:t>Rendering images within clipping </a:t>
+            </a:r>
+            <a:r>
+              <a:rPr lang="en-IE" dirty="0" smtClean="0"/>
+              <a:t>plane of camera view</a:t>
+            </a:r>
+            <a:endParaRPr lang="en-IE" dirty="0" smtClean="0"/>
           </a:p>
           <a:p>
             <a:pPr lvl="2"/>
@@ -4383,7 +7506,6 @@
               <a:rPr lang="en-IE" dirty="0" smtClean="0"/>
               <a:t>Start position of cards</a:t>
             </a:r>
-            <a:endParaRPr lang="en-IE" dirty="0" smtClean="0"/>
           </a:p>
           <a:p>
             <a:pPr lvl="2"/>
@@ -4432,17 +7554,6 @@
             <a:pPr lvl="1"/>
             <a:r>
               <a:rPr lang="en-IE" dirty="0" smtClean="0"/>
-              <a:t>Limited </a:t>
-            </a:r>
-            <a:r>
-              <a:rPr lang="en-IE" dirty="0"/>
-              <a:t>in app unity view </a:t>
-            </a:r>
-          </a:p>
-          <a:p>
-            <a:pPr lvl="1"/>
-            <a:r>
-              <a:rPr lang="en-IE" dirty="0" smtClean="0"/>
               <a:t>Unity </a:t>
             </a:r>
             <a:r>
@@ -4455,8 +7566,20 @@
             </a:r>
             <a:r>
               <a:rPr lang="en-IE" dirty="0"/>
-              <a:t>build view</a:t>
-            </a:r>
+              <a:t>build </a:t>
+            </a:r>
+            <a:r>
+              <a:rPr lang="en-IE" dirty="0" smtClean="0"/>
+              <a:t>view</a:t>
+            </a:r>
+          </a:p>
+          <a:p>
+            <a:pPr lvl="1"/>
+            <a:r>
+              <a:rPr lang="en-IE" dirty="0" smtClean="0"/>
+              <a:t>Spider in my VR head set</a:t>
+            </a:r>
+            <a:endParaRPr lang="en-IE" dirty="0"/>
           </a:p>
           <a:p>
             <a:pPr marL="457200" lvl="1" indent="0">
@@ -4484,9 +7607,9 @@
 </file>
 
 <file path=ppt/theme/theme1.xml><?xml version="1.0" encoding="utf-8"?>
-<a:theme xmlns:a="http://schemas.openxmlformats.org/drawingml/2006/main" name="Office Theme">
+<a:theme xmlns:a="http://schemas.openxmlformats.org/drawingml/2006/main" name="Ion">
   <a:themeElements>
-    <a:clrScheme name="Office">
+    <a:clrScheme name="Ion">
       <a:dk1>
         <a:sysClr val="windowText" lastClr="000000"/>
       </a:dk1>
@@ -4494,44 +7617,44 @@
         <a:sysClr val="window" lastClr="FFFFFF"/>
       </a:lt1>
       <a:dk2>
-        <a:srgbClr val="44546A"/>
+        <a:srgbClr val="1E5155"/>
       </a:dk2>
       <a:lt2>
-        <a:srgbClr val="E7E6E6"/>
+        <a:srgbClr val="EBEBEB"/>
       </a:lt2>
       <a:accent1>
-        <a:srgbClr val="5B9BD5"/>
+        <a:srgbClr val="B01513"/>
       </a:accent1>
       <a:accent2>
-        <a:srgbClr val="ED7D31"/>
+        <a:srgbClr val="EA6312"/>
       </a:accent2>
       <a:accent3>
-        <a:srgbClr val="A5A5A5"/>
+        <a:srgbClr val="E6B729"/>
       </a:accent3>
       <a:accent4>
-        <a:srgbClr val="FFC000"/>
+        <a:srgbClr val="6AAC90"/>
       </a:accent4>
       <a:accent5>
-        <a:srgbClr val="4472C4"/>
+        <a:srgbClr val="54849A"/>
       </a:accent5>
       <a:accent6>
-        <a:srgbClr val="70AD47"/>
+        <a:srgbClr val="9E5E9B"/>
       </a:accent6>
       <a:hlink>
-        <a:srgbClr val="0563C1"/>
+        <a:srgbClr val="58C1BA"/>
       </a:hlink>
       <a:folHlink>
-        <a:srgbClr val="954F72"/>
+        <a:srgbClr val="9DFFCB"/>
       </a:folHlink>
     </a:clrScheme>
-    <a:fontScheme name="Office">
+    <a:fontScheme name="Ion">
       <a:majorFont>
-        <a:latin typeface="Calibri Light" panose="020F0302020204030204"/>
+        <a:latin typeface="Century Gothic" panose="020B0502020202020204"/>
         <a:ea typeface=""/>
         <a:cs typeface=""/>
-        <a:font script="Jpan" typeface="游ゴシック Light"/>
+        <a:font script="Jpan" typeface="メイリオ"/>
         <a:font script="Hang" typeface="맑은 고딕"/>
-        <a:font script="Hans" typeface="等线 Light"/>
+        <a:font script="Hans" typeface="宋体"/>
         <a:font script="Hant" typeface="新細明體"/>
         <a:font script="Arab" typeface="Times New Roman"/>
         <a:font script="Hebr" typeface="Times New Roman"/>
@@ -4561,12 +7684,12 @@
         <a:font script="Geor" typeface="Sylfaen"/>
       </a:majorFont>
       <a:minorFont>
-        <a:latin typeface="Calibri" panose="020F0502020204030204"/>
+        <a:latin typeface="Century Gothic" panose="020B0502020202020204"/>
         <a:ea typeface=""/>
         <a:cs typeface=""/>
-        <a:font script="Jpan" typeface="游ゴシック"/>
+        <a:font script="Jpan" typeface="メイリオ"/>
         <a:font script="Hang" typeface="맑은 고딕"/>
-        <a:font script="Hans" typeface="等线"/>
+        <a:font script="Hans" typeface="宋体"/>
         <a:font script="Hant" typeface="新細明體"/>
         <a:font script="Arab" typeface="Arial"/>
         <a:font script="Hebr" typeface="Arial"/>
@@ -4596,7 +7719,7 @@
         <a:font script="Geor" typeface="Sylfaen"/>
       </a:minorFont>
     </a:fontScheme>
-    <a:fmtScheme name="Office">
+    <a:fmtScheme name="Ion">
       <a:fillStyleLst>
         <a:solidFill>
           <a:schemeClr val="phClr"/>
@@ -4605,23 +7728,15 @@
           <a:gsLst>
             <a:gs pos="0">
               <a:schemeClr val="phClr">
-                <a:lumMod val="110000"/>
-                <a:satMod val="105000"/>
-                <a:tint val="67000"/>
-              </a:schemeClr>
-            </a:gs>
-            <a:gs pos="50000">
-              <a:schemeClr val="phClr">
-                <a:lumMod val="105000"/>
-                <a:satMod val="103000"/>
-                <a:tint val="73000"/>
+                <a:tint val="64000"/>
+                <a:lumMod val="118000"/>
               </a:schemeClr>
             </a:gs>
             <a:gs pos="100000">
               <a:schemeClr val="phClr">
-                <a:lumMod val="105000"/>
-                <a:satMod val="109000"/>
-                <a:tint val="81000"/>
+                <a:tint val="92000"/>
+                <a:alpha val="100000"/>
+                <a:lumMod val="110000"/>
               </a:schemeClr>
             </a:gs>
           </a:gsLst>
@@ -4631,23 +7746,14 @@
           <a:gsLst>
             <a:gs pos="0">
               <a:schemeClr val="phClr">
-                <a:satMod val="103000"/>
-                <a:lumMod val="102000"/>
-                <a:tint val="94000"/>
-              </a:schemeClr>
-            </a:gs>
-            <a:gs pos="50000">
-              <a:schemeClr val="phClr">
-                <a:satMod val="110000"/>
-                <a:lumMod val="100000"/>
-                <a:shade val="100000"/>
+                <a:tint val="98000"/>
+                <a:lumMod val="114000"/>
               </a:schemeClr>
             </a:gs>
             <a:gs pos="100000">
               <a:schemeClr val="phClr">
-                <a:lumMod val="99000"/>
-                <a:satMod val="120000"/>
-                <a:shade val="78000"/>
+                <a:shade val="90000"/>
+                <a:lumMod val="84000"/>
               </a:schemeClr>
             </a:gs>
           </a:gsLst>
@@ -4655,26 +7761,23 @@
         </a:gradFill>
       </a:fillStyleLst>
       <a:lnStyleLst>
-        <a:ln w="6350" cap="flat" cmpd="sng" algn="ctr">
+        <a:ln w="9525" cap="rnd" cmpd="sng" algn="ctr">
           <a:solidFill>
             <a:schemeClr val="phClr"/>
           </a:solidFill>
           <a:prstDash val="solid"/>
-          <a:miter lim="800000"/>
         </a:ln>
-        <a:ln w="12700" cap="flat" cmpd="sng" algn="ctr">
+        <a:ln w="19050" cap="rnd" cmpd="sng" algn="ctr">
           <a:solidFill>
             <a:schemeClr val="phClr"/>
           </a:solidFill>
           <a:prstDash val="solid"/>
-          <a:miter lim="800000"/>
         </a:ln>
-        <a:ln w="19050" cap="flat" cmpd="sng" algn="ctr">
+        <a:ln w="28575" cap="rnd" cmpd="sng" algn="ctr">
           <a:solidFill>
             <a:schemeClr val="phClr"/>
           </a:solidFill>
           <a:prstDash val="solid"/>
-          <a:miter lim="800000"/>
         </a:ln>
       </a:lnStyleLst>
       <a:effectStyleLst>
@@ -4682,55 +7785,80 @@
           <a:effectLst/>
         </a:effectStyle>
         <a:effectStyle>
-          <a:effectLst/>
+          <a:effectLst>
+            <a:outerShdw blurRad="38100" dist="25400" dir="5400000" rotWithShape="0">
+              <a:srgbClr val="000000">
+                <a:alpha val="45000"/>
+              </a:srgbClr>
+            </a:outerShdw>
+          </a:effectLst>
         </a:effectStyle>
         <a:effectStyle>
           <a:effectLst>
-            <a:outerShdw blurRad="57150" dist="19050" dir="5400000" algn="ctr" rotWithShape="0">
+            <a:outerShdw blurRad="63500" dist="38100" dir="5400000" rotWithShape="0">
               <a:srgbClr val="000000">
-                <a:alpha val="63000"/>
+                <a:alpha val="60000"/>
               </a:srgbClr>
             </a:outerShdw>
           </a:effectLst>
+          <a:scene3d>
+            <a:camera prst="orthographicFront">
+              <a:rot lat="0" lon="0" rev="0"/>
+            </a:camera>
+            <a:lightRig rig="threePt" dir="tl"/>
+          </a:scene3d>
+          <a:sp3d prstMaterial="plastic">
+            <a:bevelT w="0" h="0"/>
+          </a:sp3d>
         </a:effectStyle>
       </a:effectStyleLst>
       <a:bgFillStyleLst>
         <a:solidFill>
           <a:schemeClr val="phClr"/>
         </a:solidFill>
-        <a:solidFill>
-          <a:schemeClr val="phClr">
-            <a:tint val="95000"/>
-            <a:satMod val="170000"/>
-          </a:schemeClr>
-        </a:solidFill>
         <a:gradFill rotWithShape="1">
           <a:gsLst>
             <a:gs pos="0">
               <a:schemeClr val="phClr">
-                <a:tint val="93000"/>
-                <a:satMod val="150000"/>
-                <a:shade val="98000"/>
-                <a:lumMod val="102000"/>
-              </a:schemeClr>
-            </a:gs>
-            <a:gs pos="50000">
-              <a:schemeClr val="phClr">
-                <a:tint val="98000"/>
+                <a:tint val="97000"/>
+                <a:hueMod val="88000"/>
                 <a:satMod val="130000"/>
-                <a:shade val="90000"/>
-                <a:lumMod val="103000"/>
+                <a:lumMod val="124000"/>
               </a:schemeClr>
             </a:gs>
             <a:gs pos="100000">
               <a:schemeClr val="phClr">
-                <a:shade val="63000"/>
-                <a:satMod val="120000"/>
+                <a:tint val="96000"/>
+                <a:shade val="88000"/>
+                <a:hueMod val="108000"/>
+                <a:satMod val="164000"/>
+                <a:lumMod val="76000"/>
               </a:schemeClr>
             </a:gs>
           </a:gsLst>
-          <a:lin ang="5400000" scaled="0"/>
+          <a:path path="circle">
+            <a:fillToRect l="45000" t="65000" r="125000" b="100000"/>
+          </a:path>
         </a:gradFill>
+        <a:blipFill rotWithShape="1">
+          <a:blip xmlns:r="http://schemas.openxmlformats.org/officeDocument/2006/relationships" r:embed="rId1">
+            <a:duotone>
+              <a:schemeClr val="phClr">
+                <a:shade val="69000"/>
+                <a:hueMod val="108000"/>
+                <a:satMod val="164000"/>
+                <a:lumMod val="74000"/>
+              </a:schemeClr>
+              <a:schemeClr val="phClr">
+                <a:tint val="96000"/>
+                <a:hueMod val="88000"/>
+                <a:satMod val="140000"/>
+                <a:lumMod val="132000"/>
+              </a:schemeClr>
+            </a:duotone>
+          </a:blip>
+          <a:stretch/>
+        </a:blipFill>
       </a:bgFillStyleLst>
     </a:fmtScheme>
   </a:themeElements>
@@ -4738,7 +7866,7 @@
   <a:extraClrSchemeLst/>
   <a:extLst>
     <a:ext uri="{05A4C25C-085E-4340-85A3-A5531E510DB2}">
-      <thm15:themeFamily xmlns:thm15="http://schemas.microsoft.com/office/thememl/2012/main" name="Office Theme" id="{62F939B6-93AF-4DB8-9C6B-D6C7DFDC589F}" vid="{4A3C46E8-61CC-4603-A589-7422A47A8E4A}"/>
+      <thm15:themeFamily xmlns:thm15="http://schemas.microsoft.com/office/thememl/2012/main" name="Ion" id="{B8441ADB-2E43-4AF7-B97A-BD870242C6A8}" vid="{292E63A9-BB86-4E3D-B92A-7223C6510D2E}"/>
     </a:ext>
   </a:extLst>
 </a:theme>
